--- a/projectPresentation/WatchOut Presentation.pptx
+++ b/projectPresentation/WatchOut Presentation.pptx
@@ -5,7 +5,7 @@
     <p:sldMasterId id="2147483648" r:id="rId1"/>
   </p:sldMasterIdLst>
   <p:notesMasterIdLst>
-    <p:notesMasterId r:id="rId17"/>
+    <p:notesMasterId r:id="rId21"/>
   </p:notesMasterIdLst>
   <p:sldIdLst>
     <p:sldId id="256" r:id="rId2"/>
@@ -14,15 +14,19 @@
     <p:sldId id="260" r:id="rId5"/>
     <p:sldId id="284" r:id="rId6"/>
     <p:sldId id="286" r:id="rId7"/>
-    <p:sldId id="290" r:id="rId8"/>
-    <p:sldId id="293" r:id="rId9"/>
-    <p:sldId id="294" r:id="rId10"/>
-    <p:sldId id="295" r:id="rId11"/>
-    <p:sldId id="287" r:id="rId12"/>
+    <p:sldId id="287" r:id="rId8"/>
+    <p:sldId id="290" r:id="rId9"/>
+    <p:sldId id="293" r:id="rId10"/>
+    <p:sldId id="294" r:id="rId11"/>
+    <p:sldId id="295" r:id="rId12"/>
     <p:sldId id="289" r:id="rId13"/>
-    <p:sldId id="291" r:id="rId14"/>
-    <p:sldId id="283" r:id="rId15"/>
+    <p:sldId id="283" r:id="rId14"/>
+    <p:sldId id="291" r:id="rId15"/>
     <p:sldId id="292" r:id="rId16"/>
+    <p:sldId id="297" r:id="rId17"/>
+    <p:sldId id="298" r:id="rId18"/>
+    <p:sldId id="299" r:id="rId19"/>
+    <p:sldId id="300" r:id="rId20"/>
   </p:sldIdLst>
   <p:sldSz cx="12192000" cy="6858000"/>
   <p:notesSz cx="6858000" cy="9144000"/>
@@ -121,6 +125,11 @@
       </a:defRPr>
     </a:lvl9pPr>
   </p:defaultTextStyle>
+  <p:extLst>
+    <p:ext uri="{EFAFB233-063F-42B5-8137-9DF3F51BA10A}">
+      <p15:sldGuideLst xmlns:p15="http://schemas.microsoft.com/office/powerpoint/2012/main"/>
+    </p:ext>
+  </p:extLst>
 </p:presentation>
 </file>
 
@@ -206,7 +215,7 @@
           <a:p>
             <a:fld id="{9A74C10A-2B04-4AE5-A2A9-CDCFA3C928F1}" type="datetimeFigureOut">
               <a:rPr lang="de-DE" smtClean="0"/>
-              <a:t>24.01.2020</a:t>
+              <a:t>26.01.2020</a:t>
             </a:fld>
             <a:endParaRPr lang="de-DE"/>
           </a:p>
@@ -623,7 +632,7 @@
           <a:p>
             <a:fld id="{BE77B6DB-1764-46E1-A680-E87521BB1D4E}" type="datetime1">
               <a:rPr lang="de-DE" smtClean="0"/>
-              <a:t>24.01.2020</a:t>
+              <a:t>26.01.2020</a:t>
             </a:fld>
             <a:endParaRPr lang="de-DE"/>
           </a:p>
@@ -823,7 +832,7 @@
           <a:p>
             <a:fld id="{C7EB00FF-427A-408F-86AF-713559E4C907}" type="datetime1">
               <a:rPr lang="de-DE" smtClean="0"/>
-              <a:t>24.01.2020</a:t>
+              <a:t>26.01.2020</a:t>
             </a:fld>
             <a:endParaRPr lang="de-DE"/>
           </a:p>
@@ -1033,7 +1042,7 @@
           <a:p>
             <a:fld id="{6BF6E467-FD02-4CC0-B9EE-3D2EE7654799}" type="datetime1">
               <a:rPr lang="de-DE" smtClean="0"/>
-              <a:t>24.01.2020</a:t>
+              <a:t>26.01.2020</a:t>
             </a:fld>
             <a:endParaRPr lang="de-DE"/>
           </a:p>
@@ -1464,7 +1473,7 @@
           <a:p>
             <a:fld id="{B15B9727-2808-4CED-BFD5-3FD6D0B987DB}" type="datetime1">
               <a:rPr lang="de-DE" smtClean="0"/>
-              <a:t>24.01.2020</a:t>
+              <a:t>26.01.2020</a:t>
             </a:fld>
             <a:endParaRPr lang="de-DE"/>
           </a:p>
@@ -1732,7 +1741,7 @@
           <a:p>
             <a:fld id="{87A9176C-FAE3-4A6F-842C-1B082B3FA7B3}" type="datetime1">
               <a:rPr lang="de-DE" smtClean="0"/>
-              <a:t>24.01.2020</a:t>
+              <a:t>26.01.2020</a:t>
             </a:fld>
             <a:endParaRPr lang="de-DE"/>
           </a:p>
@@ -2147,7 +2156,7 @@
           <a:p>
             <a:fld id="{B4237A33-0940-4109-B136-F5A820B90EA3}" type="datetime1">
               <a:rPr lang="de-DE" smtClean="0"/>
-              <a:t>24.01.2020</a:t>
+              <a:t>26.01.2020</a:t>
             </a:fld>
             <a:endParaRPr lang="de-DE"/>
           </a:p>
@@ -2289,7 +2298,7 @@
           <a:p>
             <a:fld id="{85EE6716-98BC-47E7-BC5B-442FA8B72CC5}" type="datetime1">
               <a:rPr lang="de-DE" smtClean="0"/>
-              <a:t>24.01.2020</a:t>
+              <a:t>26.01.2020</a:t>
             </a:fld>
             <a:endParaRPr lang="de-DE"/>
           </a:p>
@@ -2402,7 +2411,7 @@
           <a:p>
             <a:fld id="{81303EC1-910F-4701-AA2F-198491F2DC87}" type="datetime1">
               <a:rPr lang="de-DE" smtClean="0"/>
-              <a:t>24.01.2020</a:t>
+              <a:t>26.01.2020</a:t>
             </a:fld>
             <a:endParaRPr lang="de-DE"/>
           </a:p>
@@ -2715,7 +2724,7 @@
           <a:p>
             <a:fld id="{8939CA9E-6796-43AE-B9BE-3F890AE1D197}" type="datetime1">
               <a:rPr lang="de-DE" smtClean="0"/>
-              <a:t>24.01.2020</a:t>
+              <a:t>26.01.2020</a:t>
             </a:fld>
             <a:endParaRPr lang="de-DE"/>
           </a:p>
@@ -3004,7 +3013,7 @@
           <a:p>
             <a:fld id="{069BB4E3-C773-4681-B2A9-5B6E744D9C45}" type="datetime1">
               <a:rPr lang="de-DE" smtClean="0"/>
-              <a:t>24.01.2020</a:t>
+              <a:t>26.01.2020</a:t>
             </a:fld>
             <a:endParaRPr lang="de-DE"/>
           </a:p>
@@ -3247,7 +3256,7 @@
           <a:p>
             <a:fld id="{C3ED9E76-96B3-4AF0-AD06-4C27072D37F3}" type="datetime1">
               <a:rPr lang="de-DE" smtClean="0"/>
-              <a:t>24.01.2020</a:t>
+              <a:t>26.01.2020</a:t>
             </a:fld>
             <a:endParaRPr lang="de-DE"/>
           </a:p>
@@ -3667,72 +3676,84 @@
       </p:grpSpPr>
       <p:sp>
         <p:nvSpPr>
-          <p:cNvPr id="2" name="Title 1">
-            <a:extLst>
-              <a:ext uri="{FF2B5EF4-FFF2-40B4-BE49-F238E27FC236}">
-                <a16:creationId xmlns:a16="http://schemas.microsoft.com/office/drawing/2014/main" id="{43F413C9-17D0-499C-98ED-079B58F660DF}"/>
-              </a:ext>
-            </a:extLst>
-          </p:cNvPr>
-          <p:cNvSpPr>
-            <a:spLocks noGrp="1"/>
-          </p:cNvSpPr>
-          <p:nvPr>
-            <p:ph type="ctrTitle"/>
-          </p:nvPr>
-        </p:nvSpPr>
-        <p:spPr/>
+          <p:cNvPr id="3" name="Subtitle 2">
+            <a:extLst>
+              <a:ext uri="{FF2B5EF4-FFF2-40B4-BE49-F238E27FC236}">
+                <a16:creationId xmlns:a16="http://schemas.microsoft.com/office/drawing/2014/main" id="{E10372F9-DB85-4C41-8882-72975BD3F840}"/>
+              </a:ext>
+            </a:extLst>
+          </p:cNvPr>
+          <p:cNvSpPr>
+            <a:spLocks noGrp="1"/>
+          </p:cNvSpPr>
+          <p:nvPr>
+            <p:ph type="subTitle" idx="1"/>
+          </p:nvPr>
+        </p:nvSpPr>
+        <p:spPr>
+          <a:xfrm>
+            <a:off x="1523999" y="3208633"/>
+            <a:ext cx="9144000" cy="1655762"/>
+          </a:xfrm>
+        </p:spPr>
         <p:txBody>
           <a:bodyPr/>
           <a:lstStyle/>
           <a:p>
             <a:r>
-              <a:rPr lang="en-GB" dirty="0" err="1"/>
-              <a:t>WatchOut</a:t>
-            </a:r>
+              <a:rPr lang="de-DE" dirty="0"/>
+              <a:t>Huynh Bao </a:t>
+            </a:r>
+            <a:r>
+              <a:rPr lang="de-DE" dirty="0" err="1"/>
+              <a:t>Trung</a:t>
+            </a:r>
+            <a:r>
+              <a:rPr lang="de-DE" dirty="0"/>
+              <a:t> Nguyen, Andreas Stiller, Luke Gavin</a:t>
+            </a:r>
+          </a:p>
+          <a:p>
             <a:endParaRPr lang="de-DE" dirty="0"/>
           </a:p>
         </p:txBody>
       </p:sp>
-      <p:sp>
-        <p:nvSpPr>
-          <p:cNvPr id="3" name="Subtitle 2">
-            <a:extLst>
-              <a:ext uri="{FF2B5EF4-FFF2-40B4-BE49-F238E27FC236}">
-                <a16:creationId xmlns:a16="http://schemas.microsoft.com/office/drawing/2014/main" id="{E10372F9-DB85-4C41-8882-72975BD3F840}"/>
-              </a:ext>
-            </a:extLst>
-          </p:cNvPr>
-          <p:cNvSpPr>
-            <a:spLocks noGrp="1"/>
-          </p:cNvSpPr>
-          <p:nvPr>
-            <p:ph type="subTitle" idx="1"/>
-          </p:nvPr>
-        </p:nvSpPr>
-        <p:spPr/>
-        <p:txBody>
-          <a:bodyPr/>
-          <a:lstStyle/>
-          <a:p>
-            <a:r>
-              <a:rPr lang="de-DE" dirty="0"/>
-              <a:t>Huynh Bao </a:t>
-            </a:r>
-            <a:r>
-              <a:rPr lang="de-DE" dirty="0" err="1"/>
-              <a:t>Trung</a:t>
-            </a:r>
-            <a:r>
-              <a:rPr lang="de-DE" dirty="0"/>
-              <a:t> Nguyen, Andreas Stiller, Luke Gavin</a:t>
-            </a:r>
-          </a:p>
-          <a:p>
-            <a:endParaRPr lang="de-DE" dirty="0"/>
-          </a:p>
-        </p:txBody>
-      </p:sp>
+      <p:pic>
+        <p:nvPicPr>
+          <p:cNvPr id="9" name="Picture 8" descr="A picture containing drawing&#10;&#10;Description automatically generated">
+            <a:extLst>
+              <a:ext uri="{FF2B5EF4-FFF2-40B4-BE49-F238E27FC236}">
+                <a16:creationId xmlns:a16="http://schemas.microsoft.com/office/drawing/2014/main" id="{AB671166-F0C8-4B17-84D1-DC7166FEBA86}"/>
+              </a:ext>
+            </a:extLst>
+          </p:cNvPr>
+          <p:cNvPicPr>
+            <a:picLocks noChangeAspect="1"/>
+          </p:cNvPicPr>
+          <p:nvPr/>
+        </p:nvPicPr>
+        <p:blipFill>
+          <a:blip r:embed="rId2">
+            <a:extLst>
+              <a:ext uri="{28A0092B-C50C-407E-A947-70E740481C1C}">
+                <a14:useLocalDpi xmlns:a14="http://schemas.microsoft.com/office/drawing/2010/main" val="0"/>
+              </a:ext>
+            </a:extLst>
+          </a:blip>
+          <a:stretch>
+            <a:fillRect/>
+          </a:stretch>
+        </p:blipFill>
+        <p:spPr>
+          <a:xfrm>
+            <a:off x="3305030" y="1260431"/>
+            <a:ext cx="5581937" cy="1708238"/>
+          </a:xfrm>
+          <a:prstGeom prst="rect">
+            <a:avLst/>
+          </a:prstGeom>
+        </p:spPr>
+      </p:pic>
     </p:spTree>
     <p:extLst>
       <p:ext uri="{BB962C8B-B14F-4D97-AF65-F5344CB8AC3E}">
@@ -3765,10 +3786,92 @@
       </p:grpSpPr>
       <p:sp>
         <p:nvSpPr>
+          <p:cNvPr id="2" name="Title 1">
+            <a:extLst>
+              <a:ext uri="{FF2B5EF4-FFF2-40B4-BE49-F238E27FC236}">
+                <a16:creationId xmlns:a16="http://schemas.microsoft.com/office/drawing/2014/main" id="{BF814580-D26F-4187-AB72-571B59DB4B12}"/>
+              </a:ext>
+            </a:extLst>
+          </p:cNvPr>
+          <p:cNvSpPr>
+            <a:spLocks noGrp="1"/>
+          </p:cNvSpPr>
+          <p:nvPr>
+            <p:ph type="title"/>
+          </p:nvPr>
+        </p:nvSpPr>
+        <p:spPr>
+          <a:xfrm>
+            <a:off x="6217821" y="486846"/>
+            <a:ext cx="5556499" cy="986790"/>
+          </a:xfrm>
+        </p:spPr>
+        <p:txBody>
+          <a:bodyPr>
+            <a:normAutofit/>
+          </a:bodyPr>
+          <a:lstStyle/>
+          <a:p>
+            <a:r>
+              <a:rPr lang="de-DE" dirty="0" err="1"/>
+              <a:t>Objective</a:t>
+            </a:r>
+            <a:r>
+              <a:rPr lang="de-DE" dirty="0"/>
+              <a:t>-C </a:t>
+            </a:r>
+            <a:r>
+              <a:rPr lang="de-DE" dirty="0" err="1"/>
+              <a:t>to</a:t>
+            </a:r>
+            <a:r>
+              <a:rPr lang="de-DE" dirty="0"/>
+              <a:t> Swift</a:t>
+            </a:r>
+          </a:p>
+        </p:txBody>
+      </p:sp>
+      <p:pic>
+        <p:nvPicPr>
+          <p:cNvPr id="6" name="Content Placeholder 5" descr="A screenshot of a social media post&#10;&#10;Description automatically generated">
+            <a:extLst>
+              <a:ext uri="{FF2B5EF4-FFF2-40B4-BE49-F238E27FC236}">
+                <a16:creationId xmlns:a16="http://schemas.microsoft.com/office/drawing/2014/main" id="{D427F02F-2778-498B-9D47-C23D4287352C}"/>
+              </a:ext>
+            </a:extLst>
+          </p:cNvPr>
+          <p:cNvPicPr>
+            <a:picLocks noGrp="1" noChangeAspect="1"/>
+          </p:cNvPicPr>
+          <p:nvPr>
+            <p:ph idx="1"/>
+          </p:nvPr>
+        </p:nvPicPr>
+        <p:blipFill>
+          <a:blip r:embed="rId2">
+            <a:extLst>
+              <a:ext uri="{28A0092B-C50C-407E-A947-70E740481C1C}">
+                <a14:useLocalDpi xmlns:a14="http://schemas.microsoft.com/office/drawing/2010/main" val="0"/>
+              </a:ext>
+            </a:extLst>
+          </a:blip>
+          <a:stretch>
+            <a:fillRect/>
+          </a:stretch>
+        </p:blipFill>
+        <p:spPr>
+          <a:xfrm>
+            <a:off x="129554" y="1032553"/>
+            <a:ext cx="5670589" cy="3138755"/>
+          </a:xfrm>
+        </p:spPr>
+      </p:pic>
+      <p:sp>
+        <p:nvSpPr>
           <p:cNvPr id="4" name="Slide Number Placeholder 3">
             <a:extLst>
               <a:ext uri="{FF2B5EF4-FFF2-40B4-BE49-F238E27FC236}">
-                <a16:creationId xmlns:a16="http://schemas.microsoft.com/office/drawing/2014/main" id="{CB4AE6C8-3E52-455B-84AA-7770DC86903C}"/>
+                <a16:creationId xmlns:a16="http://schemas.microsoft.com/office/drawing/2014/main" id="{77279372-2121-4DDF-9CFD-7998AA2B9215}"/>
               </a:ext>
             </a:extLst>
           </p:cNvPr>
@@ -3788,6 +3891,427 @@
               <a:rPr lang="de-DE" smtClean="0"/>
               <a:pPr/>
               <a:t>10</a:t>
+            </a:fld>
+            <a:endParaRPr lang="de-DE" dirty="0"/>
+          </a:p>
+        </p:txBody>
+      </p:sp>
+      <p:pic>
+        <p:nvPicPr>
+          <p:cNvPr id="8" name="Picture 7" descr="A screenshot of a social media post&#10;&#10;Description automatically generated">
+            <a:extLst>
+              <a:ext uri="{FF2B5EF4-FFF2-40B4-BE49-F238E27FC236}">
+                <a16:creationId xmlns:a16="http://schemas.microsoft.com/office/drawing/2014/main" id="{C77A5B33-FC20-4677-B80D-464B23001857}"/>
+              </a:ext>
+            </a:extLst>
+          </p:cNvPr>
+          <p:cNvPicPr>
+            <a:picLocks noChangeAspect="1"/>
+          </p:cNvPicPr>
+          <p:nvPr/>
+        </p:nvPicPr>
+        <p:blipFill>
+          <a:blip r:embed="rId3">
+            <a:extLst>
+              <a:ext uri="{28A0092B-C50C-407E-A947-70E740481C1C}">
+                <a14:useLocalDpi xmlns:a14="http://schemas.microsoft.com/office/drawing/2010/main" val="0"/>
+              </a:ext>
+            </a:extLst>
+          </a:blip>
+          <a:stretch>
+            <a:fillRect/>
+          </a:stretch>
+        </p:blipFill>
+        <p:spPr>
+          <a:xfrm>
+            <a:off x="5800143" y="2931488"/>
+            <a:ext cx="6391857" cy="3926512"/>
+          </a:xfrm>
+          <a:prstGeom prst="rect">
+            <a:avLst/>
+          </a:prstGeom>
+        </p:spPr>
+      </p:pic>
+      <p:pic>
+        <p:nvPicPr>
+          <p:cNvPr id="10" name="Picture 9" descr="A screenshot of a social media post&#10;&#10;Description automatically generated">
+            <a:extLst>
+              <a:ext uri="{FF2B5EF4-FFF2-40B4-BE49-F238E27FC236}">
+                <a16:creationId xmlns:a16="http://schemas.microsoft.com/office/drawing/2014/main" id="{DB407BD8-510E-40EC-8811-9984005CB0B0}"/>
+              </a:ext>
+            </a:extLst>
+          </p:cNvPr>
+          <p:cNvPicPr>
+            <a:picLocks noChangeAspect="1"/>
+          </p:cNvPicPr>
+          <p:nvPr/>
+        </p:nvPicPr>
+        <p:blipFill>
+          <a:blip r:embed="rId4">
+            <a:extLst>
+              <a:ext uri="{28A0092B-C50C-407E-A947-70E740481C1C}">
+                <a14:useLocalDpi xmlns:a14="http://schemas.microsoft.com/office/drawing/2010/main" val="0"/>
+              </a:ext>
+            </a:extLst>
+          </a:blip>
+          <a:stretch>
+            <a:fillRect/>
+          </a:stretch>
+        </p:blipFill>
+        <p:spPr>
+          <a:xfrm>
+            <a:off x="0" y="4769895"/>
+            <a:ext cx="6068472" cy="1152763"/>
+          </a:xfrm>
+          <a:prstGeom prst="rect">
+            <a:avLst/>
+          </a:prstGeom>
+        </p:spPr>
+      </p:pic>
+      <p:sp>
+        <p:nvSpPr>
+          <p:cNvPr id="11" name="TextBox 10">
+            <a:extLst>
+              <a:ext uri="{FF2B5EF4-FFF2-40B4-BE49-F238E27FC236}">
+                <a16:creationId xmlns:a16="http://schemas.microsoft.com/office/drawing/2014/main" id="{8E8C498E-7B56-4807-8DC6-ECC75601981D}"/>
+              </a:ext>
+            </a:extLst>
+          </p:cNvPr>
+          <p:cNvSpPr txBox="1"/>
+          <p:nvPr/>
+        </p:nvSpPr>
+        <p:spPr>
+          <a:xfrm>
+            <a:off x="513708" y="4171308"/>
+            <a:ext cx="3580544" cy="646331"/>
+          </a:xfrm>
+          <a:prstGeom prst="rect">
+            <a:avLst/>
+          </a:prstGeom>
+          <a:noFill/>
+        </p:spPr>
+        <p:txBody>
+          <a:bodyPr wrap="square" rtlCol="0">
+            <a:spAutoFit/>
+          </a:bodyPr>
+          <a:lstStyle/>
+          <a:p>
+            <a:r>
+              <a:rPr lang="de-DE" b="1" dirty="0"/>
+              <a:t>Bridge Header </a:t>
+            </a:r>
+            <a:r>
+              <a:rPr lang="de-DE" dirty="0"/>
+              <a:t>– </a:t>
+            </a:r>
+            <a:r>
+              <a:rPr lang="de-DE" dirty="0" err="1"/>
+              <a:t>Used</a:t>
+            </a:r>
+            <a:r>
+              <a:rPr lang="de-DE" dirty="0"/>
+              <a:t> </a:t>
+            </a:r>
+            <a:r>
+              <a:rPr lang="de-DE" dirty="0" err="1"/>
+              <a:t>to</a:t>
+            </a:r>
+            <a:r>
+              <a:rPr lang="de-DE" dirty="0"/>
+              <a:t> connect </a:t>
+            </a:r>
+            <a:r>
+              <a:rPr lang="de-DE" dirty="0" err="1"/>
+              <a:t>Objective</a:t>
+            </a:r>
+            <a:r>
+              <a:rPr lang="de-DE" dirty="0"/>
+              <a:t> C code </a:t>
+            </a:r>
+            <a:r>
+              <a:rPr lang="de-DE" dirty="0" err="1"/>
+              <a:t>to</a:t>
+            </a:r>
+            <a:r>
+              <a:rPr lang="de-DE" dirty="0"/>
+              <a:t> Swift</a:t>
+            </a:r>
+          </a:p>
+        </p:txBody>
+      </p:sp>
+      <p:sp>
+        <p:nvSpPr>
+          <p:cNvPr id="12" name="TextBox 11">
+            <a:extLst>
+              <a:ext uri="{FF2B5EF4-FFF2-40B4-BE49-F238E27FC236}">
+                <a16:creationId xmlns:a16="http://schemas.microsoft.com/office/drawing/2014/main" id="{4D8C4534-1830-4BD0-B2CF-0E9D8C0AABAD}"/>
+              </a:ext>
+            </a:extLst>
+          </p:cNvPr>
+          <p:cNvSpPr txBox="1"/>
+          <p:nvPr/>
+        </p:nvSpPr>
+        <p:spPr>
+          <a:xfrm>
+            <a:off x="231169" y="333910"/>
+            <a:ext cx="4715838" cy="646331"/>
+          </a:xfrm>
+          <a:prstGeom prst="rect">
+            <a:avLst/>
+          </a:prstGeom>
+          <a:noFill/>
+        </p:spPr>
+        <p:txBody>
+          <a:bodyPr wrap="square" rtlCol="0">
+            <a:spAutoFit/>
+          </a:bodyPr>
+          <a:lstStyle/>
+          <a:p>
+            <a:r>
+              <a:rPr lang="de-DE" b="1" dirty="0"/>
+              <a:t>.h File </a:t>
+            </a:r>
+            <a:r>
+              <a:rPr lang="de-DE" dirty="0" err="1"/>
+              <a:t>used</a:t>
+            </a:r>
+            <a:r>
+              <a:rPr lang="de-DE" dirty="0"/>
+              <a:t> </a:t>
+            </a:r>
+            <a:r>
+              <a:rPr lang="de-DE" dirty="0" err="1"/>
+              <a:t>to</a:t>
+            </a:r>
+            <a:r>
+              <a:rPr lang="de-DE" dirty="0"/>
+              <a:t> </a:t>
+            </a:r>
+            <a:r>
+              <a:rPr lang="de-DE" dirty="0" err="1"/>
+              <a:t>initialise</a:t>
+            </a:r>
+            <a:r>
+              <a:rPr lang="de-DE" dirty="0"/>
+              <a:t> all variables </a:t>
+            </a:r>
+            <a:r>
+              <a:rPr lang="de-DE" dirty="0" err="1"/>
+              <a:t>the</a:t>
+            </a:r>
+            <a:r>
+              <a:rPr lang="de-DE" dirty="0"/>
+              <a:t> </a:t>
+            </a:r>
+            <a:r>
+              <a:rPr lang="de-DE" b="1" dirty="0"/>
+              <a:t>.m File </a:t>
+            </a:r>
+            <a:r>
+              <a:rPr lang="de-DE" dirty="0" err="1"/>
+              <a:t>be</a:t>
+            </a:r>
+            <a:r>
+              <a:rPr lang="de-DE" dirty="0"/>
+              <a:t> </a:t>
+            </a:r>
+            <a:r>
+              <a:rPr lang="de-DE" dirty="0" err="1"/>
+              <a:t>it</a:t>
+            </a:r>
+            <a:r>
+              <a:rPr lang="de-DE" dirty="0"/>
+              <a:t> a </a:t>
+            </a:r>
+            <a:r>
+              <a:rPr lang="de-DE" dirty="0" err="1"/>
+              <a:t>class</a:t>
+            </a:r>
+            <a:r>
+              <a:rPr lang="de-DE" dirty="0"/>
+              <a:t> </a:t>
+            </a:r>
+            <a:r>
+              <a:rPr lang="de-DE" dirty="0" err="1"/>
+              <a:t>or</a:t>
+            </a:r>
+            <a:r>
+              <a:rPr lang="de-DE" dirty="0"/>
+              <a:t> </a:t>
+            </a:r>
+            <a:r>
+              <a:rPr lang="de-DE" dirty="0" err="1"/>
+              <a:t>several</a:t>
+            </a:r>
+            <a:r>
+              <a:rPr lang="de-DE" dirty="0"/>
+              <a:t> </a:t>
+            </a:r>
+            <a:r>
+              <a:rPr lang="de-DE" dirty="0" err="1"/>
+              <a:t>functions</a:t>
+            </a:r>
+            <a:r>
+              <a:rPr lang="de-DE" dirty="0"/>
+              <a:t> just like in C++</a:t>
+            </a:r>
+          </a:p>
+        </p:txBody>
+      </p:sp>
+      <p:sp>
+        <p:nvSpPr>
+          <p:cNvPr id="13" name="TextBox 12">
+            <a:extLst>
+              <a:ext uri="{FF2B5EF4-FFF2-40B4-BE49-F238E27FC236}">
+                <a16:creationId xmlns:a16="http://schemas.microsoft.com/office/drawing/2014/main" id="{7AC3BF75-383D-4904-9F63-ED5A32B66240}"/>
+              </a:ext>
+            </a:extLst>
+          </p:cNvPr>
+          <p:cNvSpPr txBox="1"/>
+          <p:nvPr/>
+        </p:nvSpPr>
+        <p:spPr>
+          <a:xfrm>
+            <a:off x="6638152" y="2148632"/>
+            <a:ext cx="4715838" cy="646331"/>
+          </a:xfrm>
+          <a:prstGeom prst="rect">
+            <a:avLst/>
+          </a:prstGeom>
+          <a:noFill/>
+        </p:spPr>
+        <p:txBody>
+          <a:bodyPr wrap="square" rtlCol="0">
+            <a:spAutoFit/>
+          </a:bodyPr>
+          <a:lstStyle/>
+          <a:p>
+            <a:r>
+              <a:rPr lang="de-DE" b="1" dirty="0"/>
+              <a:t>.m File </a:t>
+            </a:r>
+            <a:r>
+              <a:rPr lang="de-DE" dirty="0" err="1"/>
+              <a:t>used</a:t>
+            </a:r>
+            <a:r>
+              <a:rPr lang="de-DE" dirty="0"/>
+              <a:t> </a:t>
+            </a:r>
+            <a:r>
+              <a:rPr lang="de-DE" dirty="0" err="1"/>
+              <a:t>to</a:t>
+            </a:r>
+            <a:r>
+              <a:rPr lang="de-DE" dirty="0"/>
+              <a:t> </a:t>
+            </a:r>
+            <a:r>
+              <a:rPr lang="de-DE" dirty="0" err="1"/>
+              <a:t>fill</a:t>
+            </a:r>
+            <a:r>
+              <a:rPr lang="de-DE" dirty="0"/>
+              <a:t> and </a:t>
+            </a:r>
+            <a:r>
+              <a:rPr lang="de-DE" dirty="0" err="1"/>
+              <a:t>give</a:t>
+            </a:r>
+            <a:r>
+              <a:rPr lang="de-DE" dirty="0"/>
+              <a:t> </a:t>
+            </a:r>
+            <a:r>
+              <a:rPr lang="de-DE" dirty="0" err="1"/>
+              <a:t>value</a:t>
+            </a:r>
+            <a:r>
+              <a:rPr lang="de-DE" dirty="0"/>
+              <a:t> </a:t>
+            </a:r>
+            <a:r>
+              <a:rPr lang="de-DE" dirty="0" err="1"/>
+              <a:t>to</a:t>
+            </a:r>
+            <a:r>
+              <a:rPr lang="de-DE" dirty="0"/>
+              <a:t> </a:t>
+            </a:r>
+            <a:r>
+              <a:rPr lang="de-DE" dirty="0" err="1"/>
+              <a:t>initialised</a:t>
+            </a:r>
+            <a:r>
+              <a:rPr lang="de-DE" dirty="0"/>
+              <a:t> </a:t>
+            </a:r>
+            <a:r>
+              <a:rPr lang="de-DE" dirty="0" err="1"/>
+              <a:t>values</a:t>
+            </a:r>
+            <a:r>
+              <a:rPr lang="de-DE" dirty="0"/>
+              <a:t> in .h File</a:t>
+            </a:r>
+          </a:p>
+        </p:txBody>
+      </p:sp>
+    </p:spTree>
+    <p:extLst>
+      <p:ext uri="{BB962C8B-B14F-4D97-AF65-F5344CB8AC3E}">
+        <p14:creationId xmlns:p14="http://schemas.microsoft.com/office/powerpoint/2010/main" val="418916351"/>
+      </p:ext>
+    </p:extLst>
+  </p:cSld>
+  <p:clrMapOvr>
+    <a:masterClrMapping/>
+  </p:clrMapOvr>
+</p:sld>
+</file>
+
+<file path=ppt/slides/slide11.xml><?xml version="1.0" encoding="utf-8"?>
+<p:sld xmlns:a="http://schemas.openxmlformats.org/drawingml/2006/main" xmlns:r="http://schemas.openxmlformats.org/officeDocument/2006/relationships" xmlns:p="http://schemas.openxmlformats.org/presentationml/2006/main">
+  <p:cSld>
+    <p:spTree>
+      <p:nvGrpSpPr>
+        <p:cNvPr id="1" name=""/>
+        <p:cNvGrpSpPr/>
+        <p:nvPr/>
+      </p:nvGrpSpPr>
+      <p:grpSpPr>
+        <a:xfrm>
+          <a:off x="0" y="0"/>
+          <a:ext cx="0" cy="0"/>
+          <a:chOff x="0" y="0"/>
+          <a:chExt cx="0" cy="0"/>
+        </a:xfrm>
+      </p:grpSpPr>
+      <p:sp>
+        <p:nvSpPr>
+          <p:cNvPr id="4" name="Slide Number Placeholder 3">
+            <a:extLst>
+              <a:ext uri="{FF2B5EF4-FFF2-40B4-BE49-F238E27FC236}">
+                <a16:creationId xmlns:a16="http://schemas.microsoft.com/office/drawing/2014/main" id="{CB4AE6C8-3E52-455B-84AA-7770DC86903C}"/>
+              </a:ext>
+            </a:extLst>
+          </p:cNvPr>
+          <p:cNvSpPr>
+            <a:spLocks noGrp="1"/>
+          </p:cNvSpPr>
+          <p:nvPr>
+            <p:ph type="sldNum" sz="quarter" idx="12"/>
+          </p:nvPr>
+        </p:nvSpPr>
+        <p:spPr/>
+        <p:txBody>
+          <a:bodyPr/>
+          <a:lstStyle/>
+          <a:p>
+            <a:fld id="{5FA8D64E-092D-488F-9555-4FE258A6A447}" type="slidenum">
+              <a:rPr lang="de-DE" smtClean="0"/>
+              <a:pPr/>
+              <a:t>11</a:t>
             </a:fld>
             <a:endParaRPr lang="de-DE" dirty="0"/>
           </a:p>
@@ -3983,7 +4507,7 @@
             <a:fld id="{5FA8D64E-092D-488F-9555-4FE258A6A447}" type="slidenum">
               <a:rPr lang="de-DE" smtClean="0"/>
               <a:pPr/>
-              <a:t>10</a:t>
+              <a:t>11</a:t>
             </a:fld>
             <a:endParaRPr lang="de-DE" dirty="0"/>
           </a:p>
@@ -4208,219 +4732,6 @@
     <p:extLst>
       <p:ext uri="{BB962C8B-B14F-4D97-AF65-F5344CB8AC3E}">
         <p14:creationId xmlns:p14="http://schemas.microsoft.com/office/powerpoint/2010/main" val="2606776207"/>
-      </p:ext>
-    </p:extLst>
-  </p:cSld>
-  <p:clrMapOvr>
-    <a:masterClrMapping/>
-  </p:clrMapOvr>
-</p:sld>
-</file>
-
-<file path=ppt/slides/slide11.xml><?xml version="1.0" encoding="utf-8"?>
-<p:sld xmlns:a="http://schemas.openxmlformats.org/drawingml/2006/main" xmlns:r="http://schemas.openxmlformats.org/officeDocument/2006/relationships" xmlns:p="http://schemas.openxmlformats.org/presentationml/2006/main">
-  <p:cSld>
-    <p:spTree>
-      <p:nvGrpSpPr>
-        <p:cNvPr id="1" name=""/>
-        <p:cNvGrpSpPr/>
-        <p:nvPr/>
-      </p:nvGrpSpPr>
-      <p:grpSpPr>
-        <a:xfrm>
-          <a:off x="0" y="0"/>
-          <a:ext cx="0" cy="0"/>
-          <a:chOff x="0" y="0"/>
-          <a:chExt cx="0" cy="0"/>
-        </a:xfrm>
-      </p:grpSpPr>
-      <p:sp>
-        <p:nvSpPr>
-          <p:cNvPr id="2" name="Title 1">
-            <a:extLst>
-              <a:ext uri="{FF2B5EF4-FFF2-40B4-BE49-F238E27FC236}">
-                <a16:creationId xmlns:a16="http://schemas.microsoft.com/office/drawing/2014/main" id="{FE695BDC-5445-496C-AE67-F7DA57EDD9A9}"/>
-              </a:ext>
-            </a:extLst>
-          </p:cNvPr>
-          <p:cNvSpPr>
-            <a:spLocks noGrp="1"/>
-          </p:cNvSpPr>
-          <p:nvPr>
-            <p:ph type="title"/>
-          </p:nvPr>
-        </p:nvSpPr>
-        <p:spPr>
-          <a:xfrm>
-            <a:off x="838200" y="375399"/>
-            <a:ext cx="10515600" cy="1325563"/>
-          </a:xfrm>
-        </p:spPr>
-        <p:txBody>
-          <a:bodyPr/>
-          <a:lstStyle/>
-          <a:p>
-            <a:r>
-              <a:rPr lang="de-DE" dirty="0" err="1"/>
-              <a:t>Interesting</a:t>
-            </a:r>
-            <a:r>
-              <a:rPr lang="de-DE" dirty="0"/>
-              <a:t> Encounters</a:t>
-            </a:r>
-          </a:p>
-        </p:txBody>
-      </p:sp>
-      <p:sp>
-        <p:nvSpPr>
-          <p:cNvPr id="3" name="Content Placeholder 2">
-            <a:extLst>
-              <a:ext uri="{FF2B5EF4-FFF2-40B4-BE49-F238E27FC236}">
-                <a16:creationId xmlns:a16="http://schemas.microsoft.com/office/drawing/2014/main" id="{08A5C400-368F-462C-B096-C262B181B7A6}"/>
-              </a:ext>
-            </a:extLst>
-          </p:cNvPr>
-          <p:cNvSpPr>
-            <a:spLocks noGrp="1"/>
-          </p:cNvSpPr>
-          <p:nvPr>
-            <p:ph idx="1"/>
-          </p:nvPr>
-        </p:nvSpPr>
-        <p:spPr>
-          <a:xfrm>
-            <a:off x="838200" y="1825625"/>
-            <a:ext cx="10515600" cy="4351338"/>
-          </a:xfrm>
-        </p:spPr>
-        <p:txBody>
-          <a:bodyPr>
-            <a:normAutofit/>
-          </a:bodyPr>
-          <a:lstStyle/>
-          <a:p>
-            <a:r>
-              <a:rPr lang="de-DE" dirty="0"/>
-              <a:t>Model-View-Controller (MVC) </a:t>
-            </a:r>
-            <a:r>
-              <a:rPr lang="de-DE" dirty="0" err="1"/>
-              <a:t>Hierarchy</a:t>
-            </a:r>
-            <a:endParaRPr lang="de-DE" dirty="0"/>
-          </a:p>
-          <a:p>
-            <a:endParaRPr lang="de-DE" dirty="0"/>
-          </a:p>
-          <a:p>
-            <a:endParaRPr lang="de-DE" dirty="0"/>
-          </a:p>
-          <a:p>
-            <a:endParaRPr lang="de-DE" dirty="0"/>
-          </a:p>
-          <a:p>
-            <a:endParaRPr lang="de-DE" dirty="0"/>
-          </a:p>
-          <a:p>
-            <a:endParaRPr lang="de-DE" dirty="0"/>
-          </a:p>
-          <a:p>
-            <a:endParaRPr lang="de-DE" dirty="0"/>
-          </a:p>
-          <a:p>
-            <a:endParaRPr lang="de-DE" dirty="0"/>
-          </a:p>
-          <a:p>
-            <a:endParaRPr lang="de-DE" dirty="0"/>
-          </a:p>
-          <a:p>
-            <a:endParaRPr lang="de-DE" dirty="0"/>
-          </a:p>
-          <a:p>
-            <a:endParaRPr lang="de-DE" dirty="0"/>
-          </a:p>
-        </p:txBody>
-      </p:sp>
-      <p:pic>
-        <p:nvPicPr>
-          <p:cNvPr id="5122" name="Picture 2" descr="MVC Diagram">
-            <a:extLst>
-              <a:ext uri="{FF2B5EF4-FFF2-40B4-BE49-F238E27FC236}">
-                <a16:creationId xmlns:a16="http://schemas.microsoft.com/office/drawing/2014/main" id="{C6A465FF-04F4-4D73-B72A-C87E01C8AF05}"/>
-              </a:ext>
-            </a:extLst>
-          </p:cNvPr>
-          <p:cNvPicPr>
-            <a:picLocks noChangeAspect="1" noChangeArrowheads="1"/>
-          </p:cNvPicPr>
-          <p:nvPr/>
-        </p:nvPicPr>
-        <p:blipFill>
-          <a:blip r:embed="rId2">
-            <a:extLst>
-              <a:ext uri="{28A0092B-C50C-407E-A947-70E740481C1C}">
-                <a14:useLocalDpi xmlns:a14="http://schemas.microsoft.com/office/drawing/2010/main" val="0"/>
-              </a:ext>
-            </a:extLst>
-          </a:blip>
-          <a:srcRect/>
-          <a:stretch>
-            <a:fillRect/>
-          </a:stretch>
-        </p:blipFill>
-        <p:spPr bwMode="auto">
-          <a:xfrm>
-            <a:off x="1169542" y="2296649"/>
-            <a:ext cx="7140858" cy="3585306"/>
-          </a:xfrm>
-          <a:prstGeom prst="rect">
-            <a:avLst/>
-          </a:prstGeom>
-          <a:noFill/>
-          <a:extLst>
-            <a:ext uri="{909E8E84-426E-40DD-AFC4-6F175D3DCCD1}">
-              <a14:hiddenFill xmlns:a14="http://schemas.microsoft.com/office/drawing/2010/main">
-                <a:solidFill>
-                  <a:srgbClr val="FFFFFF"/>
-                </a:solidFill>
-              </a14:hiddenFill>
-            </a:ext>
-          </a:extLst>
-        </p:spPr>
-      </p:pic>
-      <p:sp>
-        <p:nvSpPr>
-          <p:cNvPr id="4" name="Slide Number Placeholder 3">
-            <a:extLst>
-              <a:ext uri="{FF2B5EF4-FFF2-40B4-BE49-F238E27FC236}">
-                <a16:creationId xmlns:a16="http://schemas.microsoft.com/office/drawing/2014/main" id="{36EE5D35-0627-4EAA-96C4-FD7851DFDE3B}"/>
-              </a:ext>
-            </a:extLst>
-          </p:cNvPr>
-          <p:cNvSpPr>
-            <a:spLocks noGrp="1"/>
-          </p:cNvSpPr>
-          <p:nvPr>
-            <p:ph type="sldNum" sz="quarter" idx="12"/>
-          </p:nvPr>
-        </p:nvSpPr>
-        <p:spPr/>
-        <p:txBody>
-          <a:bodyPr/>
-          <a:lstStyle/>
-          <a:p>
-            <a:fld id="{5FA8D64E-092D-488F-9555-4FE258A6A447}" type="slidenum">
-              <a:rPr lang="de-DE" smtClean="0"/>
-              <a:t>11</a:t>
-            </a:fld>
-            <a:endParaRPr lang="de-DE"/>
-          </a:p>
-        </p:txBody>
-      </p:sp>
-    </p:spTree>
-    <p:extLst>
-      <p:ext uri="{BB962C8B-B14F-4D97-AF65-F5344CB8AC3E}">
-        <p14:creationId xmlns:p14="http://schemas.microsoft.com/office/powerpoint/2010/main" val="1690101297"/>
       </p:ext>
     </p:extLst>
   </p:cSld>
@@ -4547,7 +4858,7 @@
           <p:cNvPr id="2" name="Title 1">
             <a:extLst>
               <a:ext uri="{FF2B5EF4-FFF2-40B4-BE49-F238E27FC236}">
-                <a16:creationId xmlns:a16="http://schemas.microsoft.com/office/drawing/2014/main" id="{6092F721-B83E-4186-B231-369E6CD0D635}"/>
+                <a16:creationId xmlns:a16="http://schemas.microsoft.com/office/drawing/2014/main" id="{C1D49847-D5B5-45B4-AD78-48CBED4E1A2D}"/>
               </a:ext>
             </a:extLst>
           </p:cNvPr>
@@ -4560,226 +4871,112 @@
         </p:nvSpPr>
         <p:spPr/>
         <p:txBody>
+          <a:bodyPr>
+            <a:normAutofit/>
+          </a:bodyPr>
+          <a:lstStyle/>
+          <a:p>
+            <a:pPr algn="ctr"/>
+            <a:r>
+              <a:rPr lang="de-DE" sz="4800" dirty="0" err="1"/>
+              <a:t>Thank</a:t>
+            </a:r>
+            <a:r>
+              <a:rPr lang="de-DE" sz="4800" dirty="0"/>
+              <a:t> </a:t>
+            </a:r>
+            <a:r>
+              <a:rPr lang="de-DE" sz="4800" dirty="0" err="1"/>
+              <a:t>you</a:t>
+            </a:r>
+            <a:r>
+              <a:rPr lang="de-DE" sz="4800" dirty="0"/>
+              <a:t> </a:t>
+            </a:r>
+            <a:r>
+              <a:rPr lang="de-DE" sz="4800" dirty="0" err="1"/>
+              <a:t>for</a:t>
+            </a:r>
+            <a:r>
+              <a:rPr lang="de-DE" sz="4800" dirty="0"/>
+              <a:t> </a:t>
+            </a:r>
+            <a:r>
+              <a:rPr lang="de-DE" sz="4800" dirty="0" err="1"/>
+              <a:t>your</a:t>
+            </a:r>
+            <a:r>
+              <a:rPr lang="de-DE" sz="4800" dirty="0"/>
+              <a:t> </a:t>
+            </a:r>
+            <a:r>
+              <a:rPr lang="de-DE" sz="4800" dirty="0" err="1"/>
+              <a:t>attention</a:t>
+            </a:r>
+            <a:endParaRPr lang="de-DE" sz="4800" dirty="0"/>
+          </a:p>
+        </p:txBody>
+      </p:sp>
+      <p:sp>
+        <p:nvSpPr>
+          <p:cNvPr id="3" name="Content Placeholder 2">
+            <a:extLst>
+              <a:ext uri="{FF2B5EF4-FFF2-40B4-BE49-F238E27FC236}">
+                <a16:creationId xmlns:a16="http://schemas.microsoft.com/office/drawing/2014/main" id="{D46954A9-88B5-4071-B818-CCB5FA419DBA}"/>
+              </a:ext>
+            </a:extLst>
+          </p:cNvPr>
+          <p:cNvSpPr>
+            <a:spLocks noGrp="1"/>
+          </p:cNvSpPr>
+          <p:nvPr>
+            <p:ph idx="1"/>
+          </p:nvPr>
+        </p:nvSpPr>
+        <p:spPr>
+          <a:xfrm>
+            <a:off x="4646970" y="3169315"/>
+            <a:ext cx="3100849" cy="763588"/>
+          </a:xfrm>
+        </p:spPr>
+        <p:txBody>
+          <a:bodyPr>
+            <a:normAutofit/>
+          </a:bodyPr>
+          <a:lstStyle/>
+          <a:p>
+            <a:pPr marL="0" indent="0" algn="ctr">
+              <a:buNone/>
+            </a:pPr>
+            <a:r>
+              <a:rPr lang="de-DE" sz="3600" dirty="0"/>
+              <a:t>Any Questions?</a:t>
+            </a:r>
+          </a:p>
+        </p:txBody>
+      </p:sp>
+      <p:sp>
+        <p:nvSpPr>
+          <p:cNvPr id="4" name="Slide Number Placeholder 3">
+            <a:extLst>
+              <a:ext uri="{FF2B5EF4-FFF2-40B4-BE49-F238E27FC236}">
+                <a16:creationId xmlns:a16="http://schemas.microsoft.com/office/drawing/2014/main" id="{DEAB57AA-A104-4A6A-BFE4-F69136F8A6F7}"/>
+              </a:ext>
+            </a:extLst>
+          </p:cNvPr>
+          <p:cNvSpPr>
+            <a:spLocks noGrp="1"/>
+          </p:cNvSpPr>
+          <p:nvPr>
+            <p:ph type="sldNum" sz="quarter" idx="12"/>
+          </p:nvPr>
+        </p:nvSpPr>
+        <p:spPr/>
+        <p:txBody>
           <a:bodyPr/>
           <a:lstStyle/>
           <a:p>
-            <a:r>
-              <a:rPr lang="de-DE" dirty="0"/>
-              <a:t>Problems (</a:t>
-            </a:r>
-            <a:r>
-              <a:rPr lang="de-DE" dirty="0" err="1"/>
-              <a:t>delete</a:t>
-            </a:r>
-            <a:r>
-              <a:rPr lang="de-DE" dirty="0"/>
-              <a:t> </a:t>
-            </a:r>
-            <a:r>
-              <a:rPr lang="de-DE" dirty="0" err="1"/>
-              <a:t>this</a:t>
-            </a:r>
-            <a:r>
-              <a:rPr lang="de-DE" dirty="0"/>
-              <a:t> </a:t>
-            </a:r>
-            <a:r>
-              <a:rPr lang="de-DE" dirty="0" err="1"/>
-              <a:t>slide</a:t>
-            </a:r>
-            <a:r>
-              <a:rPr lang="de-DE" dirty="0"/>
-              <a:t> </a:t>
-            </a:r>
-            <a:r>
-              <a:rPr lang="de-DE" dirty="0" err="1"/>
-              <a:t>later</a:t>
-            </a:r>
-            <a:r>
-              <a:rPr lang="de-DE" dirty="0"/>
-              <a:t>)</a:t>
-            </a:r>
-          </a:p>
-        </p:txBody>
-      </p:sp>
-      <p:sp>
-        <p:nvSpPr>
-          <p:cNvPr id="3" name="Content Placeholder 2">
-            <a:extLst>
-              <a:ext uri="{FF2B5EF4-FFF2-40B4-BE49-F238E27FC236}">
-                <a16:creationId xmlns:a16="http://schemas.microsoft.com/office/drawing/2014/main" id="{3C54E6E1-CF08-4325-A1C6-C4FFDF5DF6D0}"/>
-              </a:ext>
-            </a:extLst>
-          </p:cNvPr>
-          <p:cNvSpPr>
-            <a:spLocks noGrp="1"/>
-          </p:cNvSpPr>
-          <p:nvPr>
-            <p:ph idx="1"/>
-          </p:nvPr>
-        </p:nvSpPr>
-        <p:spPr/>
-        <p:txBody>
-          <a:bodyPr/>
-          <a:lstStyle/>
-          <a:p>
-            <a:r>
-              <a:rPr lang="de-DE" dirty="0" err="1"/>
-              <a:t>One</a:t>
-            </a:r>
-            <a:r>
-              <a:rPr lang="de-DE" dirty="0"/>
-              <a:t> iPhone and </a:t>
-            </a:r>
-            <a:r>
-              <a:rPr lang="de-DE" dirty="0" err="1"/>
-              <a:t>macbook</a:t>
-            </a:r>
-            <a:endParaRPr lang="de-DE" dirty="0"/>
-          </a:p>
-          <a:p>
-            <a:r>
-              <a:rPr lang="de-DE" dirty="0" err="1"/>
-              <a:t>Github</a:t>
-            </a:r>
-            <a:r>
-              <a:rPr lang="de-DE" dirty="0"/>
-              <a:t> </a:t>
-            </a:r>
-            <a:r>
-              <a:rPr lang="de-DE" dirty="0" err="1"/>
-              <a:t>merge</a:t>
-            </a:r>
-            <a:r>
-              <a:rPr lang="de-DE" dirty="0"/>
-              <a:t> </a:t>
-            </a:r>
-            <a:r>
-              <a:rPr lang="de-DE" dirty="0" err="1"/>
-              <a:t>of</a:t>
-            </a:r>
-            <a:r>
-              <a:rPr lang="de-DE" dirty="0"/>
-              <a:t> </a:t>
-            </a:r>
-            <a:r>
-              <a:rPr lang="de-DE" dirty="0" err="1"/>
-              <a:t>main.storyboard</a:t>
-            </a:r>
-            <a:endParaRPr lang="de-DE" dirty="0"/>
-          </a:p>
-          <a:p>
-            <a:r>
-              <a:rPr lang="de-DE" dirty="0" err="1"/>
-              <a:t>rbi-room</a:t>
-            </a:r>
-            <a:r>
-              <a:rPr lang="de-DE" dirty="0"/>
-              <a:t> </a:t>
-            </a:r>
-            <a:r>
-              <a:rPr lang="de-DE" dirty="0" err="1"/>
-              <a:t>is</a:t>
-            </a:r>
-            <a:r>
-              <a:rPr lang="de-DE" dirty="0"/>
-              <a:t> not </a:t>
-            </a:r>
-            <a:r>
-              <a:rPr lang="de-DE" dirty="0" err="1"/>
-              <a:t>always</a:t>
-            </a:r>
-            <a:r>
-              <a:rPr lang="de-DE" dirty="0"/>
-              <a:t> </a:t>
-            </a:r>
-            <a:r>
-              <a:rPr lang="de-DE" dirty="0" err="1"/>
-              <a:t>available</a:t>
-            </a:r>
-            <a:endParaRPr lang="de-DE" dirty="0"/>
-          </a:p>
-          <a:p>
-            <a:r>
-              <a:rPr lang="de-DE" dirty="0"/>
-              <a:t>Start </a:t>
-            </a:r>
-            <a:r>
-              <a:rPr lang="de-DE" dirty="0" err="1"/>
-              <a:t>earlier</a:t>
-            </a:r>
-            <a:r>
-              <a:rPr lang="de-DE" dirty="0"/>
-              <a:t> (</a:t>
-            </a:r>
-            <a:r>
-              <a:rPr lang="de-DE" dirty="0" err="1"/>
-              <a:t>especially</a:t>
-            </a:r>
-            <a:r>
-              <a:rPr lang="de-DE" dirty="0"/>
-              <a:t> </a:t>
-            </a:r>
-            <a:r>
-              <a:rPr lang="de-DE" dirty="0" err="1"/>
-              <a:t>when</a:t>
-            </a:r>
-            <a:r>
-              <a:rPr lang="de-DE" dirty="0"/>
-              <a:t> </a:t>
-            </a:r>
-            <a:r>
-              <a:rPr lang="de-DE" dirty="0" err="1"/>
-              <a:t>researching</a:t>
-            </a:r>
-            <a:r>
-              <a:rPr lang="de-DE" dirty="0"/>
-              <a:t> </a:t>
-            </a:r>
-            <a:r>
-              <a:rPr lang="de-DE" dirty="0" err="1"/>
-              <a:t>the</a:t>
-            </a:r>
-            <a:r>
-              <a:rPr lang="de-DE" dirty="0"/>
-              <a:t> </a:t>
-            </a:r>
-            <a:r>
-              <a:rPr lang="de-DE" dirty="0" err="1"/>
-              <a:t>frameworks</a:t>
-            </a:r>
-            <a:r>
-              <a:rPr lang="de-DE" dirty="0"/>
-              <a:t>)</a:t>
-            </a:r>
-          </a:p>
-          <a:p>
-            <a:endParaRPr lang="de-DE" dirty="0"/>
-          </a:p>
-        </p:txBody>
-      </p:sp>
-      <p:sp>
-        <p:nvSpPr>
-          <p:cNvPr id="4" name="Slide Number Placeholder 3">
-            <a:extLst>
-              <a:ext uri="{FF2B5EF4-FFF2-40B4-BE49-F238E27FC236}">
-                <a16:creationId xmlns:a16="http://schemas.microsoft.com/office/drawing/2014/main" id="{F248A981-A00B-437E-87B4-9A6490C6B3E5}"/>
-              </a:ext>
-            </a:extLst>
-          </p:cNvPr>
-          <p:cNvSpPr>
-            <a:spLocks noGrp="1"/>
-          </p:cNvSpPr>
-          <p:nvPr>
-            <p:ph type="sldNum" sz="quarter" idx="12"/>
-          </p:nvPr>
-        </p:nvSpPr>
-        <p:spPr/>
-        <p:txBody>
-          <a:bodyPr/>
-          <a:lstStyle/>
-          <a:p>
-            <a:fld id="{5FA8D64E-092D-488F-9555-4FE258A6A447}" type="slidenum">
+            <a:fld id="{28EA5EAD-0035-4CEB-A675-881CACD189CE}" type="slidenum">
               <a:rPr lang="de-DE" smtClean="0"/>
               <a:pPr/>
               <a:t>13</a:t>
@@ -4791,7 +4988,7 @@
     </p:spTree>
     <p:extLst>
       <p:ext uri="{BB962C8B-B14F-4D97-AF65-F5344CB8AC3E}">
-        <p14:creationId xmlns:p14="http://schemas.microsoft.com/office/powerpoint/2010/main" val="2249742481"/>
+        <p14:creationId xmlns:p14="http://schemas.microsoft.com/office/powerpoint/2010/main" val="4108651058"/>
       </p:ext>
     </p:extLst>
   </p:cSld>
@@ -4823,7 +5020,7 @@
           <p:cNvPr id="2" name="Title 1">
             <a:extLst>
               <a:ext uri="{FF2B5EF4-FFF2-40B4-BE49-F238E27FC236}">
-                <a16:creationId xmlns:a16="http://schemas.microsoft.com/office/drawing/2014/main" id="{C1D49847-D5B5-45B4-AD78-48CBED4E1A2D}"/>
+                <a16:creationId xmlns:a16="http://schemas.microsoft.com/office/drawing/2014/main" id="{6092F721-B83E-4186-B231-369E6CD0D635}"/>
               </a:ext>
             </a:extLst>
           </p:cNvPr>
@@ -4836,49 +5033,14 @@
         </p:nvSpPr>
         <p:spPr/>
         <p:txBody>
-          <a:bodyPr>
-            <a:normAutofit/>
-          </a:bodyPr>
+          <a:bodyPr/>
           <a:lstStyle/>
           <a:p>
             <a:pPr algn="ctr"/>
             <a:r>
-              <a:rPr lang="de-DE" sz="4800" dirty="0" err="1"/>
-              <a:t>Thank</a:t>
-            </a:r>
-            <a:r>
-              <a:rPr lang="de-DE" sz="4800" dirty="0"/>
-              <a:t> </a:t>
-            </a:r>
-            <a:r>
-              <a:rPr lang="de-DE" sz="4800" dirty="0" err="1"/>
-              <a:t>you</a:t>
-            </a:r>
-            <a:r>
-              <a:rPr lang="de-DE" sz="4800" dirty="0"/>
-              <a:t> </a:t>
-            </a:r>
-            <a:r>
-              <a:rPr lang="de-DE" sz="4800" dirty="0" err="1"/>
-              <a:t>for</a:t>
-            </a:r>
-            <a:r>
-              <a:rPr lang="de-DE" sz="4800" dirty="0"/>
-              <a:t> </a:t>
-            </a:r>
-            <a:r>
-              <a:rPr lang="de-DE" sz="4800" dirty="0" err="1"/>
-              <a:t>your</a:t>
-            </a:r>
-            <a:r>
-              <a:rPr lang="de-DE" sz="4800" dirty="0"/>
-              <a:t> </a:t>
-            </a:r>
-            <a:r>
-              <a:rPr lang="de-DE" sz="4800" dirty="0" err="1"/>
-              <a:t>attention</a:t>
-            </a:r>
-            <a:endParaRPr lang="de-DE" sz="4800" dirty="0"/>
+              <a:rPr lang="de-DE" dirty="0"/>
+              <a:t>Problems</a:t>
+            </a:r>
           </a:p>
         </p:txBody>
       </p:sp>
@@ -4887,7 +5049,7 @@
           <p:cNvPr id="3" name="Content Placeholder 2">
             <a:extLst>
               <a:ext uri="{FF2B5EF4-FFF2-40B4-BE49-F238E27FC236}">
-                <a16:creationId xmlns:a16="http://schemas.microsoft.com/office/drawing/2014/main" id="{D46954A9-88B5-4071-B818-CCB5FA419DBA}"/>
+                <a16:creationId xmlns:a16="http://schemas.microsoft.com/office/drawing/2014/main" id="{3C54E6E1-CF08-4325-A1C6-C4FFDF5DF6D0}"/>
               </a:ext>
             </a:extLst>
           </p:cNvPr>
@@ -4898,25 +5060,143 @@
             <p:ph idx="1"/>
           </p:nvPr>
         </p:nvSpPr>
-        <p:spPr>
-          <a:xfrm>
-            <a:off x="4646970" y="3169315"/>
-            <a:ext cx="3100849" cy="763588"/>
-          </a:xfrm>
-        </p:spPr>
-        <p:txBody>
-          <a:bodyPr>
-            <a:normAutofit/>
-          </a:bodyPr>
-          <a:lstStyle/>
-          <a:p>
-            <a:pPr marL="0" indent="0" algn="ctr">
-              <a:buNone/>
-            </a:pPr>
-            <a:r>
-              <a:rPr lang="de-DE" sz="3600" dirty="0"/>
-              <a:t>Any Questions?</a:t>
-            </a:r>
+        <p:spPr/>
+        <p:txBody>
+          <a:bodyPr/>
+          <a:lstStyle/>
+          <a:p>
+            <a:r>
+              <a:rPr lang="de-DE" dirty="0" err="1"/>
+              <a:t>One</a:t>
+            </a:r>
+            <a:r>
+              <a:rPr lang="de-DE" dirty="0"/>
+              <a:t> iPhone and </a:t>
+            </a:r>
+            <a:r>
+              <a:rPr lang="de-DE" dirty="0" err="1"/>
+              <a:t>macbook</a:t>
+            </a:r>
+            <a:endParaRPr lang="de-DE" dirty="0"/>
+          </a:p>
+          <a:p>
+            <a:r>
+              <a:rPr lang="de-DE" dirty="0" err="1"/>
+              <a:t>Github</a:t>
+            </a:r>
+            <a:r>
+              <a:rPr lang="de-DE" dirty="0"/>
+              <a:t> </a:t>
+            </a:r>
+            <a:r>
+              <a:rPr lang="de-DE" dirty="0" err="1"/>
+              <a:t>merge</a:t>
+            </a:r>
+            <a:r>
+              <a:rPr lang="de-DE" dirty="0"/>
+              <a:t> </a:t>
+            </a:r>
+            <a:r>
+              <a:rPr lang="de-DE" dirty="0" err="1"/>
+              <a:t>of</a:t>
+            </a:r>
+            <a:r>
+              <a:rPr lang="de-DE" dirty="0"/>
+              <a:t> </a:t>
+            </a:r>
+            <a:r>
+              <a:rPr lang="de-DE" dirty="0" err="1"/>
+              <a:t>main.storyboard</a:t>
+            </a:r>
+            <a:endParaRPr lang="de-DE" dirty="0"/>
+          </a:p>
+          <a:p>
+            <a:r>
+              <a:rPr lang="de-DE" dirty="0" err="1"/>
+              <a:t>rbi-room</a:t>
+            </a:r>
+            <a:r>
+              <a:rPr lang="de-DE" dirty="0"/>
+              <a:t> </a:t>
+            </a:r>
+            <a:r>
+              <a:rPr lang="de-DE" dirty="0" err="1"/>
+              <a:t>is</a:t>
+            </a:r>
+            <a:r>
+              <a:rPr lang="de-DE" dirty="0"/>
+              <a:t> not </a:t>
+            </a:r>
+            <a:r>
+              <a:rPr lang="de-DE" dirty="0" err="1"/>
+              <a:t>always</a:t>
+            </a:r>
+            <a:r>
+              <a:rPr lang="de-DE" dirty="0"/>
+              <a:t> </a:t>
+            </a:r>
+            <a:r>
+              <a:rPr lang="de-DE" dirty="0" err="1"/>
+              <a:t>available</a:t>
+            </a:r>
+            <a:endParaRPr lang="de-DE" dirty="0"/>
+          </a:p>
+          <a:p>
+            <a:r>
+              <a:rPr lang="de-DE" dirty="0"/>
+              <a:t>Start </a:t>
+            </a:r>
+            <a:r>
+              <a:rPr lang="de-DE" dirty="0" err="1"/>
+              <a:t>earlier</a:t>
+            </a:r>
+            <a:r>
+              <a:rPr lang="de-DE" dirty="0"/>
+              <a:t> (</a:t>
+            </a:r>
+            <a:r>
+              <a:rPr lang="de-DE" dirty="0" err="1"/>
+              <a:t>especially</a:t>
+            </a:r>
+            <a:r>
+              <a:rPr lang="de-DE" dirty="0"/>
+              <a:t> </a:t>
+            </a:r>
+            <a:r>
+              <a:rPr lang="de-DE" dirty="0" err="1"/>
+              <a:t>when</a:t>
+            </a:r>
+            <a:r>
+              <a:rPr lang="de-DE" dirty="0"/>
+              <a:t> </a:t>
+            </a:r>
+            <a:r>
+              <a:rPr lang="de-DE" dirty="0" err="1"/>
+              <a:t>researching</a:t>
+            </a:r>
+            <a:r>
+              <a:rPr lang="de-DE" dirty="0"/>
+              <a:t> </a:t>
+            </a:r>
+            <a:r>
+              <a:rPr lang="de-DE" dirty="0" err="1"/>
+              <a:t>the</a:t>
+            </a:r>
+            <a:r>
+              <a:rPr lang="de-DE" dirty="0"/>
+              <a:t> </a:t>
+            </a:r>
+            <a:r>
+              <a:rPr lang="de-DE" dirty="0" err="1"/>
+              <a:t>frameworks</a:t>
+            </a:r>
+            <a:r>
+              <a:rPr lang="de-DE" dirty="0"/>
+              <a:t>)</a:t>
+            </a:r>
+          </a:p>
+          <a:p>
+            <a:endParaRPr lang="de-DE" dirty="0"/>
           </a:p>
         </p:txBody>
       </p:sp>
@@ -4925,7 +5205,7 @@
           <p:cNvPr id="4" name="Slide Number Placeholder 3">
             <a:extLst>
               <a:ext uri="{FF2B5EF4-FFF2-40B4-BE49-F238E27FC236}">
-                <a16:creationId xmlns:a16="http://schemas.microsoft.com/office/drawing/2014/main" id="{DEAB57AA-A104-4A6A-BFE4-F69136F8A6F7}"/>
+                <a16:creationId xmlns:a16="http://schemas.microsoft.com/office/drawing/2014/main" id="{F248A981-A00B-437E-87B4-9A6490C6B3E5}"/>
               </a:ext>
             </a:extLst>
           </p:cNvPr>
@@ -4941,7 +5221,7 @@
           <a:bodyPr/>
           <a:lstStyle/>
           <a:p>
-            <a:fld id="{28EA5EAD-0035-4CEB-A675-881CACD189CE}" type="slidenum">
+            <a:fld id="{5FA8D64E-092D-488F-9555-4FE258A6A447}" type="slidenum">
               <a:rPr lang="de-DE" smtClean="0"/>
               <a:pPr/>
               <a:t>14</a:t>
@@ -4953,7 +5233,7 @@
     </p:spTree>
     <p:extLst>
       <p:ext uri="{BB962C8B-B14F-4D97-AF65-F5344CB8AC3E}">
-        <p14:creationId xmlns:p14="http://schemas.microsoft.com/office/powerpoint/2010/main" val="4108651058"/>
+        <p14:creationId xmlns:p14="http://schemas.microsoft.com/office/powerpoint/2010/main" val="2249742481"/>
       </p:ext>
     </p:extLst>
   </p:cSld>
@@ -5001,6 +5281,7 @@
           <a:bodyPr/>
           <a:lstStyle/>
           <a:p>
+            <a:pPr algn="ctr"/>
             <a:r>
               <a:rPr lang="en-GB" dirty="0"/>
               <a:t>Code examples</a:t>
@@ -5090,6 +5371,900 @@
     <p:extLst>
       <p:ext uri="{BB962C8B-B14F-4D97-AF65-F5344CB8AC3E}">
         <p14:creationId xmlns:p14="http://schemas.microsoft.com/office/powerpoint/2010/main" val="345537623"/>
+      </p:ext>
+    </p:extLst>
+  </p:cSld>
+  <p:clrMapOvr>
+    <a:masterClrMapping/>
+  </p:clrMapOvr>
+</p:sld>
+</file>
+
+<file path=ppt/slides/slide16.xml><?xml version="1.0" encoding="utf-8"?>
+<p:sld xmlns:a="http://schemas.openxmlformats.org/drawingml/2006/main" xmlns:r="http://schemas.openxmlformats.org/officeDocument/2006/relationships" xmlns:p="http://schemas.openxmlformats.org/presentationml/2006/main">
+  <p:cSld>
+    <p:spTree>
+      <p:nvGrpSpPr>
+        <p:cNvPr id="1" name=""/>
+        <p:cNvGrpSpPr/>
+        <p:nvPr/>
+      </p:nvGrpSpPr>
+      <p:grpSpPr>
+        <a:xfrm>
+          <a:off x="0" y="0"/>
+          <a:ext cx="0" cy="0"/>
+          <a:chOff x="0" y="0"/>
+          <a:chExt cx="0" cy="0"/>
+        </a:xfrm>
+      </p:grpSpPr>
+      <p:sp>
+        <p:nvSpPr>
+          <p:cNvPr id="2" name="Title 1">
+            <a:extLst>
+              <a:ext uri="{FF2B5EF4-FFF2-40B4-BE49-F238E27FC236}">
+                <a16:creationId xmlns:a16="http://schemas.microsoft.com/office/drawing/2014/main" id="{077A55E0-63C4-4323-986A-FE3EAF60ECB4}"/>
+              </a:ext>
+            </a:extLst>
+          </p:cNvPr>
+          <p:cNvSpPr>
+            <a:spLocks noGrp="1"/>
+          </p:cNvSpPr>
+          <p:nvPr>
+            <p:ph type="title"/>
+          </p:nvPr>
+        </p:nvSpPr>
+        <p:spPr/>
+        <p:txBody>
+          <a:bodyPr/>
+          <a:lstStyle/>
+          <a:p>
+            <a:pPr algn="ctr"/>
+            <a:r>
+              <a:rPr lang="de-DE" dirty="0"/>
+              <a:t>Twitch Code</a:t>
+            </a:r>
+            <a:endParaRPr lang="en-GB" dirty="0"/>
+          </a:p>
+        </p:txBody>
+      </p:sp>
+      <p:sp>
+        <p:nvSpPr>
+          <p:cNvPr id="3" name="Content Placeholder 2">
+            <a:extLst>
+              <a:ext uri="{FF2B5EF4-FFF2-40B4-BE49-F238E27FC236}">
+                <a16:creationId xmlns:a16="http://schemas.microsoft.com/office/drawing/2014/main" id="{147817AD-9500-442A-9B0E-803B6D2AF963}"/>
+              </a:ext>
+            </a:extLst>
+          </p:cNvPr>
+          <p:cNvSpPr>
+            <a:spLocks noGrp="1"/>
+          </p:cNvSpPr>
+          <p:nvPr>
+            <p:ph idx="1"/>
+          </p:nvPr>
+        </p:nvSpPr>
+        <p:spPr>
+          <a:xfrm>
+            <a:off x="838200" y="1825625"/>
+            <a:ext cx="10515600" cy="555625"/>
+          </a:xfrm>
+        </p:spPr>
+        <p:txBody>
+          <a:bodyPr/>
+          <a:lstStyle/>
+          <a:p>
+            <a:r>
+              <a:rPr lang="en-GB" dirty="0"/>
+              <a:t>Update arrow direction and background </a:t>
+            </a:r>
+            <a:r>
+              <a:rPr lang="en-GB" dirty="0" err="1"/>
+              <a:t>color</a:t>
+            </a:r>
+            <a:r>
+              <a:rPr lang="en-GB" dirty="0"/>
+              <a:t> before the task starts</a:t>
+            </a:r>
+          </a:p>
+          <a:p>
+            <a:endParaRPr lang="en-GB" dirty="0"/>
+          </a:p>
+        </p:txBody>
+      </p:sp>
+      <p:sp>
+        <p:nvSpPr>
+          <p:cNvPr id="4" name="Slide Number Placeholder 3">
+            <a:extLst>
+              <a:ext uri="{FF2B5EF4-FFF2-40B4-BE49-F238E27FC236}">
+                <a16:creationId xmlns:a16="http://schemas.microsoft.com/office/drawing/2014/main" id="{7EC19ABA-562B-4B56-944C-E82797FF1EA5}"/>
+              </a:ext>
+            </a:extLst>
+          </p:cNvPr>
+          <p:cNvSpPr>
+            <a:spLocks noGrp="1"/>
+          </p:cNvSpPr>
+          <p:nvPr>
+            <p:ph type="sldNum" sz="quarter" idx="12"/>
+          </p:nvPr>
+        </p:nvSpPr>
+        <p:spPr/>
+        <p:txBody>
+          <a:bodyPr/>
+          <a:lstStyle/>
+          <a:p>
+            <a:fld id="{5FA8D64E-092D-488F-9555-4FE258A6A447}" type="slidenum">
+              <a:rPr lang="de-DE" smtClean="0"/>
+              <a:pPr/>
+              <a:t>16</a:t>
+            </a:fld>
+            <a:endParaRPr lang="de-DE" dirty="0"/>
+          </a:p>
+        </p:txBody>
+      </p:sp>
+      <p:pic>
+        <p:nvPicPr>
+          <p:cNvPr id="5" name="Picture 4">
+            <a:extLst>
+              <a:ext uri="{FF2B5EF4-FFF2-40B4-BE49-F238E27FC236}">
+                <a16:creationId xmlns:a16="http://schemas.microsoft.com/office/drawing/2014/main" id="{4C122C03-7C22-4962-B9A0-83312E1C0BEF}"/>
+              </a:ext>
+            </a:extLst>
+          </p:cNvPr>
+          <p:cNvPicPr>
+            <a:picLocks noChangeAspect="1"/>
+          </p:cNvPicPr>
+          <p:nvPr/>
+        </p:nvPicPr>
+        <p:blipFill>
+          <a:blip r:embed="rId2">
+            <a:extLst>
+              <a:ext uri="{28A0092B-C50C-407E-A947-70E740481C1C}">
+                <a14:useLocalDpi xmlns:a14="http://schemas.microsoft.com/office/drawing/2010/main" val="0"/>
+              </a:ext>
+            </a:extLst>
+          </a:blip>
+          <a:stretch>
+            <a:fillRect/>
+          </a:stretch>
+        </p:blipFill>
+        <p:spPr>
+          <a:xfrm>
+            <a:off x="838200" y="2238375"/>
+            <a:ext cx="10434333" cy="946186"/>
+          </a:xfrm>
+          <a:prstGeom prst="rect">
+            <a:avLst/>
+          </a:prstGeom>
+        </p:spPr>
+      </p:pic>
+      <p:sp>
+        <p:nvSpPr>
+          <p:cNvPr id="6" name="Content Placeholder 2">
+            <a:extLst>
+              <a:ext uri="{FF2B5EF4-FFF2-40B4-BE49-F238E27FC236}">
+                <a16:creationId xmlns:a16="http://schemas.microsoft.com/office/drawing/2014/main" id="{4C0078B5-2038-4831-9C7F-5212CFE2C5D6}"/>
+              </a:ext>
+            </a:extLst>
+          </p:cNvPr>
+          <p:cNvSpPr txBox="1">
+            <a:spLocks/>
+          </p:cNvSpPr>
+          <p:nvPr/>
+        </p:nvSpPr>
+        <p:spPr>
+          <a:xfrm>
+            <a:off x="838200" y="3324225"/>
+            <a:ext cx="10515600" cy="555625"/>
+          </a:xfrm>
+          <a:prstGeom prst="rect">
+            <a:avLst/>
+          </a:prstGeom>
+        </p:spPr>
+        <p:txBody>
+          <a:bodyPr vert="horz" lIns="91440" tIns="45720" rIns="91440" bIns="45720" rtlCol="0">
+            <a:normAutofit/>
+          </a:bodyPr>
+          <a:lstStyle>
+            <a:lvl1pPr marL="228600" indent="-228600" algn="l" defTabSz="914400" rtl="0" eaLnBrk="1" latinLnBrk="0" hangingPunct="1">
+              <a:lnSpc>
+                <a:spcPct val="90000"/>
+              </a:lnSpc>
+              <a:spcBef>
+                <a:spcPts val="1000"/>
+              </a:spcBef>
+              <a:buFont typeface="Arial" panose="020B0604020202020204" pitchFamily="34" charset="0"/>
+              <a:buChar char="•"/>
+              <a:defRPr sz="2800" kern="1200">
+                <a:solidFill>
+                  <a:schemeClr val="tx1"/>
+                </a:solidFill>
+                <a:latin typeface="+mn-lt"/>
+                <a:ea typeface="+mn-ea"/>
+                <a:cs typeface="+mn-cs"/>
+              </a:defRPr>
+            </a:lvl1pPr>
+            <a:lvl2pPr marL="685800" indent="-228600" algn="l" defTabSz="914400" rtl="0" eaLnBrk="1" latinLnBrk="0" hangingPunct="1">
+              <a:lnSpc>
+                <a:spcPct val="90000"/>
+              </a:lnSpc>
+              <a:spcBef>
+                <a:spcPts val="500"/>
+              </a:spcBef>
+              <a:buFont typeface="Arial" panose="020B0604020202020204" pitchFamily="34" charset="0"/>
+              <a:buChar char="•"/>
+              <a:defRPr sz="2400" kern="1200">
+                <a:solidFill>
+                  <a:schemeClr val="tx1"/>
+                </a:solidFill>
+                <a:latin typeface="+mn-lt"/>
+                <a:ea typeface="+mn-ea"/>
+                <a:cs typeface="+mn-cs"/>
+              </a:defRPr>
+            </a:lvl2pPr>
+            <a:lvl3pPr marL="1143000" indent="-228600" algn="l" defTabSz="914400" rtl="0" eaLnBrk="1" latinLnBrk="0" hangingPunct="1">
+              <a:lnSpc>
+                <a:spcPct val="90000"/>
+              </a:lnSpc>
+              <a:spcBef>
+                <a:spcPts val="500"/>
+              </a:spcBef>
+              <a:buFont typeface="Arial" panose="020B0604020202020204" pitchFamily="34" charset="0"/>
+              <a:buChar char="•"/>
+              <a:defRPr sz="2000" kern="1200">
+                <a:solidFill>
+                  <a:schemeClr val="tx1"/>
+                </a:solidFill>
+                <a:latin typeface="+mn-lt"/>
+                <a:ea typeface="+mn-ea"/>
+                <a:cs typeface="+mn-cs"/>
+              </a:defRPr>
+            </a:lvl3pPr>
+            <a:lvl4pPr marL="1600200" indent="-228600" algn="l" defTabSz="914400" rtl="0" eaLnBrk="1" latinLnBrk="0" hangingPunct="1">
+              <a:lnSpc>
+                <a:spcPct val="90000"/>
+              </a:lnSpc>
+              <a:spcBef>
+                <a:spcPts val="500"/>
+              </a:spcBef>
+              <a:buFont typeface="Arial" panose="020B0604020202020204" pitchFamily="34" charset="0"/>
+              <a:buChar char="•"/>
+              <a:defRPr sz="1800" kern="1200">
+                <a:solidFill>
+                  <a:schemeClr val="tx1"/>
+                </a:solidFill>
+                <a:latin typeface="+mn-lt"/>
+                <a:ea typeface="+mn-ea"/>
+                <a:cs typeface="+mn-cs"/>
+              </a:defRPr>
+            </a:lvl4pPr>
+            <a:lvl5pPr marL="2057400" indent="-228600" algn="l" defTabSz="914400" rtl="0" eaLnBrk="1" latinLnBrk="0" hangingPunct="1">
+              <a:lnSpc>
+                <a:spcPct val="90000"/>
+              </a:lnSpc>
+              <a:spcBef>
+                <a:spcPts val="500"/>
+              </a:spcBef>
+              <a:buFont typeface="Arial" panose="020B0604020202020204" pitchFamily="34" charset="0"/>
+              <a:buChar char="•"/>
+              <a:defRPr sz="1800" kern="1200">
+                <a:solidFill>
+                  <a:schemeClr val="tx1"/>
+                </a:solidFill>
+                <a:latin typeface="+mn-lt"/>
+                <a:ea typeface="+mn-ea"/>
+                <a:cs typeface="+mn-cs"/>
+              </a:defRPr>
+            </a:lvl5pPr>
+            <a:lvl6pPr marL="2514600" indent="-228600" algn="l" defTabSz="914400" rtl="0" eaLnBrk="1" latinLnBrk="0" hangingPunct="1">
+              <a:lnSpc>
+                <a:spcPct val="90000"/>
+              </a:lnSpc>
+              <a:spcBef>
+                <a:spcPts val="500"/>
+              </a:spcBef>
+              <a:buFont typeface="Arial" panose="020B0604020202020204" pitchFamily="34" charset="0"/>
+              <a:buChar char="•"/>
+              <a:defRPr sz="1800" kern="1200">
+                <a:solidFill>
+                  <a:schemeClr val="tx1"/>
+                </a:solidFill>
+                <a:latin typeface="+mn-lt"/>
+                <a:ea typeface="+mn-ea"/>
+                <a:cs typeface="+mn-cs"/>
+              </a:defRPr>
+            </a:lvl6pPr>
+            <a:lvl7pPr marL="2971800" indent="-228600" algn="l" defTabSz="914400" rtl="0" eaLnBrk="1" latinLnBrk="0" hangingPunct="1">
+              <a:lnSpc>
+                <a:spcPct val="90000"/>
+              </a:lnSpc>
+              <a:spcBef>
+                <a:spcPts val="500"/>
+              </a:spcBef>
+              <a:buFont typeface="Arial" panose="020B0604020202020204" pitchFamily="34" charset="0"/>
+              <a:buChar char="•"/>
+              <a:defRPr sz="1800" kern="1200">
+                <a:solidFill>
+                  <a:schemeClr val="tx1"/>
+                </a:solidFill>
+                <a:latin typeface="+mn-lt"/>
+                <a:ea typeface="+mn-ea"/>
+                <a:cs typeface="+mn-cs"/>
+              </a:defRPr>
+            </a:lvl7pPr>
+            <a:lvl8pPr marL="3429000" indent="-228600" algn="l" defTabSz="914400" rtl="0" eaLnBrk="1" latinLnBrk="0" hangingPunct="1">
+              <a:lnSpc>
+                <a:spcPct val="90000"/>
+              </a:lnSpc>
+              <a:spcBef>
+                <a:spcPts val="500"/>
+              </a:spcBef>
+              <a:buFont typeface="Arial" panose="020B0604020202020204" pitchFamily="34" charset="0"/>
+              <a:buChar char="•"/>
+              <a:defRPr sz="1800" kern="1200">
+                <a:solidFill>
+                  <a:schemeClr val="tx1"/>
+                </a:solidFill>
+                <a:latin typeface="+mn-lt"/>
+                <a:ea typeface="+mn-ea"/>
+                <a:cs typeface="+mn-cs"/>
+              </a:defRPr>
+            </a:lvl8pPr>
+            <a:lvl9pPr marL="3886200" indent="-228600" algn="l" defTabSz="914400" rtl="0" eaLnBrk="1" latinLnBrk="0" hangingPunct="1">
+              <a:lnSpc>
+                <a:spcPct val="90000"/>
+              </a:lnSpc>
+              <a:spcBef>
+                <a:spcPts val="500"/>
+              </a:spcBef>
+              <a:buFont typeface="Arial" panose="020B0604020202020204" pitchFamily="34" charset="0"/>
+              <a:buChar char="•"/>
+              <a:defRPr sz="1800" kern="1200">
+                <a:solidFill>
+                  <a:schemeClr val="tx1"/>
+                </a:solidFill>
+                <a:latin typeface="+mn-lt"/>
+                <a:ea typeface="+mn-ea"/>
+                <a:cs typeface="+mn-cs"/>
+              </a:defRPr>
+            </a:lvl9pPr>
+          </a:lstStyle>
+          <a:p>
+            <a:r>
+              <a:rPr lang="en-GB" dirty="0"/>
+              <a:t>Use timer to sync the code and the UI</a:t>
+            </a:r>
+          </a:p>
+        </p:txBody>
+      </p:sp>
+      <p:pic>
+        <p:nvPicPr>
+          <p:cNvPr id="8" name="Picture 7">
+            <a:extLst>
+              <a:ext uri="{FF2B5EF4-FFF2-40B4-BE49-F238E27FC236}">
+                <a16:creationId xmlns:a16="http://schemas.microsoft.com/office/drawing/2014/main" id="{05282DCF-D3A9-43CF-AE0E-22B7DF61C188}"/>
+              </a:ext>
+            </a:extLst>
+          </p:cNvPr>
+          <p:cNvPicPr>
+            <a:picLocks noChangeAspect="1"/>
+          </p:cNvPicPr>
+          <p:nvPr/>
+        </p:nvPicPr>
+        <p:blipFill>
+          <a:blip r:embed="rId3">
+            <a:extLst>
+              <a:ext uri="{28A0092B-C50C-407E-A947-70E740481C1C}">
+                <a14:useLocalDpi xmlns:a14="http://schemas.microsoft.com/office/drawing/2010/main" val="0"/>
+              </a:ext>
+            </a:extLst>
+          </a:blip>
+          <a:stretch>
+            <a:fillRect/>
+          </a:stretch>
+        </p:blipFill>
+        <p:spPr>
+          <a:xfrm>
+            <a:off x="930898" y="3898933"/>
+            <a:ext cx="8424008" cy="864000"/>
+          </a:xfrm>
+          <a:prstGeom prst="rect">
+            <a:avLst/>
+          </a:prstGeom>
+        </p:spPr>
+      </p:pic>
+    </p:spTree>
+    <p:extLst>
+      <p:ext uri="{BB962C8B-B14F-4D97-AF65-F5344CB8AC3E}">
+        <p14:creationId xmlns:p14="http://schemas.microsoft.com/office/powerpoint/2010/main" val="3615163362"/>
+      </p:ext>
+    </p:extLst>
+  </p:cSld>
+  <p:clrMapOvr>
+    <a:masterClrMapping/>
+  </p:clrMapOvr>
+</p:sld>
+</file>
+
+<file path=ppt/slides/slide17.xml><?xml version="1.0" encoding="utf-8"?>
+<p:sld xmlns:a="http://schemas.openxmlformats.org/drawingml/2006/main" xmlns:r="http://schemas.openxmlformats.org/officeDocument/2006/relationships" xmlns:p="http://schemas.openxmlformats.org/presentationml/2006/main">
+  <p:cSld>
+    <p:spTree>
+      <p:nvGrpSpPr>
+        <p:cNvPr id="1" name=""/>
+        <p:cNvGrpSpPr/>
+        <p:nvPr/>
+      </p:nvGrpSpPr>
+      <p:grpSpPr>
+        <a:xfrm>
+          <a:off x="0" y="0"/>
+          <a:ext cx="0" cy="0"/>
+          <a:chOff x="0" y="0"/>
+          <a:chExt cx="0" cy="0"/>
+        </a:xfrm>
+      </p:grpSpPr>
+      <p:sp>
+        <p:nvSpPr>
+          <p:cNvPr id="2" name="Title 1">
+            <a:extLst>
+              <a:ext uri="{FF2B5EF4-FFF2-40B4-BE49-F238E27FC236}">
+                <a16:creationId xmlns:a16="http://schemas.microsoft.com/office/drawing/2014/main" id="{06A36FCB-E2B1-4947-85DD-820A36B9FD5D}"/>
+              </a:ext>
+            </a:extLst>
+          </p:cNvPr>
+          <p:cNvSpPr>
+            <a:spLocks noGrp="1"/>
+          </p:cNvSpPr>
+          <p:nvPr>
+            <p:ph type="title"/>
+          </p:nvPr>
+        </p:nvSpPr>
+        <p:spPr/>
+        <p:txBody>
+          <a:bodyPr/>
+          <a:lstStyle/>
+          <a:p>
+            <a:pPr algn="ctr"/>
+            <a:r>
+              <a:rPr lang="de-DE" dirty="0"/>
+              <a:t>Twitch Code</a:t>
+            </a:r>
+            <a:endParaRPr lang="en-GB" dirty="0"/>
+          </a:p>
+        </p:txBody>
+      </p:sp>
+      <p:sp>
+        <p:nvSpPr>
+          <p:cNvPr id="3" name="Content Placeholder 2">
+            <a:extLst>
+              <a:ext uri="{FF2B5EF4-FFF2-40B4-BE49-F238E27FC236}">
+                <a16:creationId xmlns:a16="http://schemas.microsoft.com/office/drawing/2014/main" id="{487E446E-3876-4FF9-8C62-1D5D3A385F42}"/>
+              </a:ext>
+            </a:extLst>
+          </p:cNvPr>
+          <p:cNvSpPr>
+            <a:spLocks noGrp="1"/>
+          </p:cNvSpPr>
+          <p:nvPr>
+            <p:ph idx="1"/>
+          </p:nvPr>
+        </p:nvSpPr>
+        <p:spPr>
+          <a:xfrm>
+            <a:off x="838200" y="1825625"/>
+            <a:ext cx="10515600" cy="821882"/>
+          </a:xfrm>
+        </p:spPr>
+        <p:txBody>
+          <a:bodyPr>
+            <a:normAutofit lnSpcReduction="10000"/>
+          </a:bodyPr>
+          <a:lstStyle/>
+          <a:p>
+            <a:r>
+              <a:rPr lang="en-GB" dirty="0"/>
+              <a:t>This task uses the </a:t>
+            </a:r>
+            <a:r>
+              <a:rPr lang="en-GB" dirty="0" err="1"/>
+              <a:t>acceleratormeter</a:t>
+            </a:r>
+            <a:r>
+              <a:rPr lang="en-GB" dirty="0"/>
+              <a:t> to determine the moving direction of the phone</a:t>
+            </a:r>
+          </a:p>
+        </p:txBody>
+      </p:sp>
+      <p:sp>
+        <p:nvSpPr>
+          <p:cNvPr id="4" name="Slide Number Placeholder 3">
+            <a:extLst>
+              <a:ext uri="{FF2B5EF4-FFF2-40B4-BE49-F238E27FC236}">
+                <a16:creationId xmlns:a16="http://schemas.microsoft.com/office/drawing/2014/main" id="{D37309C9-A098-4F32-BD0E-68C232EB94B4}"/>
+              </a:ext>
+            </a:extLst>
+          </p:cNvPr>
+          <p:cNvSpPr>
+            <a:spLocks noGrp="1"/>
+          </p:cNvSpPr>
+          <p:nvPr>
+            <p:ph type="sldNum" sz="quarter" idx="12"/>
+          </p:nvPr>
+        </p:nvSpPr>
+        <p:spPr/>
+        <p:txBody>
+          <a:bodyPr/>
+          <a:lstStyle/>
+          <a:p>
+            <a:fld id="{5FA8D64E-092D-488F-9555-4FE258A6A447}" type="slidenum">
+              <a:rPr lang="de-DE" smtClean="0"/>
+              <a:pPr/>
+              <a:t>17</a:t>
+            </a:fld>
+            <a:endParaRPr lang="de-DE" dirty="0"/>
+          </a:p>
+        </p:txBody>
+      </p:sp>
+      <p:pic>
+        <p:nvPicPr>
+          <p:cNvPr id="7" name="Picture 6" descr="A picture containing bird&#10;&#10;Description automatically generated">
+            <a:extLst>
+              <a:ext uri="{FF2B5EF4-FFF2-40B4-BE49-F238E27FC236}">
+                <a16:creationId xmlns:a16="http://schemas.microsoft.com/office/drawing/2014/main" id="{FE44E8AD-D955-4D81-8F03-03E4CDF9B68A}"/>
+              </a:ext>
+            </a:extLst>
+          </p:cNvPr>
+          <p:cNvPicPr>
+            <a:picLocks noChangeAspect="1"/>
+          </p:cNvPicPr>
+          <p:nvPr/>
+        </p:nvPicPr>
+        <p:blipFill>
+          <a:blip r:embed="rId2">
+            <a:extLst>
+              <a:ext uri="{28A0092B-C50C-407E-A947-70E740481C1C}">
+                <a14:useLocalDpi xmlns:a14="http://schemas.microsoft.com/office/drawing/2010/main" val="0"/>
+              </a:ext>
+            </a:extLst>
+          </a:blip>
+          <a:stretch>
+            <a:fillRect/>
+          </a:stretch>
+        </p:blipFill>
+        <p:spPr>
+          <a:xfrm>
+            <a:off x="838180" y="2556502"/>
+            <a:ext cx="6620608" cy="3024000"/>
+          </a:xfrm>
+          <a:prstGeom prst="rect">
+            <a:avLst/>
+          </a:prstGeom>
+        </p:spPr>
+      </p:pic>
+    </p:spTree>
+    <p:extLst>
+      <p:ext uri="{BB962C8B-B14F-4D97-AF65-F5344CB8AC3E}">
+        <p14:creationId xmlns:p14="http://schemas.microsoft.com/office/powerpoint/2010/main" val="1629828073"/>
+      </p:ext>
+    </p:extLst>
+  </p:cSld>
+  <p:clrMapOvr>
+    <a:masterClrMapping/>
+  </p:clrMapOvr>
+</p:sld>
+</file>
+
+<file path=ppt/slides/slide18.xml><?xml version="1.0" encoding="utf-8"?>
+<p:sld xmlns:a="http://schemas.openxmlformats.org/drawingml/2006/main" xmlns:r="http://schemas.openxmlformats.org/officeDocument/2006/relationships" xmlns:p="http://schemas.openxmlformats.org/presentationml/2006/main">
+  <p:cSld>
+    <p:spTree>
+      <p:nvGrpSpPr>
+        <p:cNvPr id="1" name=""/>
+        <p:cNvGrpSpPr/>
+        <p:nvPr/>
+      </p:nvGrpSpPr>
+      <p:grpSpPr>
+        <a:xfrm>
+          <a:off x="0" y="0"/>
+          <a:ext cx="0" cy="0"/>
+          <a:chOff x="0" y="0"/>
+          <a:chExt cx="0" cy="0"/>
+        </a:xfrm>
+      </p:grpSpPr>
+      <p:sp>
+        <p:nvSpPr>
+          <p:cNvPr id="2" name="Title 1">
+            <a:extLst>
+              <a:ext uri="{FF2B5EF4-FFF2-40B4-BE49-F238E27FC236}">
+                <a16:creationId xmlns:a16="http://schemas.microsoft.com/office/drawing/2014/main" id="{800305E5-7E2F-41BF-8360-2A3F08F11D7D}"/>
+              </a:ext>
+            </a:extLst>
+          </p:cNvPr>
+          <p:cNvSpPr>
+            <a:spLocks noGrp="1"/>
+          </p:cNvSpPr>
+          <p:nvPr>
+            <p:ph type="title"/>
+          </p:nvPr>
+        </p:nvSpPr>
+        <p:spPr/>
+        <p:txBody>
+          <a:bodyPr/>
+          <a:lstStyle/>
+          <a:p>
+            <a:pPr algn="ctr"/>
+            <a:r>
+              <a:rPr lang="de-DE" dirty="0"/>
+              <a:t>Twitch Code</a:t>
+            </a:r>
+            <a:endParaRPr lang="en-GB" dirty="0"/>
+          </a:p>
+        </p:txBody>
+      </p:sp>
+      <p:sp>
+        <p:nvSpPr>
+          <p:cNvPr id="3" name="Content Placeholder 2">
+            <a:extLst>
+              <a:ext uri="{FF2B5EF4-FFF2-40B4-BE49-F238E27FC236}">
+                <a16:creationId xmlns:a16="http://schemas.microsoft.com/office/drawing/2014/main" id="{CC20882D-529B-433A-8061-72A4E85CD10F}"/>
+              </a:ext>
+            </a:extLst>
+          </p:cNvPr>
+          <p:cNvSpPr>
+            <a:spLocks noGrp="1"/>
+          </p:cNvSpPr>
+          <p:nvPr>
+            <p:ph idx="1"/>
+          </p:nvPr>
+        </p:nvSpPr>
+        <p:spPr>
+          <a:xfrm>
+            <a:off x="838200" y="1825625"/>
+            <a:ext cx="10515600" cy="492273"/>
+          </a:xfrm>
+        </p:spPr>
+        <p:txBody>
+          <a:bodyPr/>
+          <a:lstStyle/>
+          <a:p>
+            <a:r>
+              <a:rPr lang="en-GB" dirty="0"/>
+              <a:t>Check the direction, take long to find out which value is correct</a:t>
+            </a:r>
+          </a:p>
+        </p:txBody>
+      </p:sp>
+      <p:sp>
+        <p:nvSpPr>
+          <p:cNvPr id="4" name="Slide Number Placeholder 3">
+            <a:extLst>
+              <a:ext uri="{FF2B5EF4-FFF2-40B4-BE49-F238E27FC236}">
+                <a16:creationId xmlns:a16="http://schemas.microsoft.com/office/drawing/2014/main" id="{95BC6B0D-ED3F-4345-86CA-D2E169C39340}"/>
+              </a:ext>
+            </a:extLst>
+          </p:cNvPr>
+          <p:cNvSpPr>
+            <a:spLocks noGrp="1"/>
+          </p:cNvSpPr>
+          <p:nvPr>
+            <p:ph type="sldNum" sz="quarter" idx="12"/>
+          </p:nvPr>
+        </p:nvSpPr>
+        <p:spPr/>
+        <p:txBody>
+          <a:bodyPr/>
+          <a:lstStyle/>
+          <a:p>
+            <a:fld id="{5FA8D64E-092D-488F-9555-4FE258A6A447}" type="slidenum">
+              <a:rPr lang="de-DE" smtClean="0"/>
+              <a:pPr/>
+              <a:t>18</a:t>
+            </a:fld>
+            <a:endParaRPr lang="de-DE" dirty="0"/>
+          </a:p>
+        </p:txBody>
+      </p:sp>
+      <p:pic>
+        <p:nvPicPr>
+          <p:cNvPr id="6" name="Picture 5" descr="A screenshot of a cell phone&#10;&#10;Description automatically generated">
+            <a:extLst>
+              <a:ext uri="{FF2B5EF4-FFF2-40B4-BE49-F238E27FC236}">
+                <a16:creationId xmlns:a16="http://schemas.microsoft.com/office/drawing/2014/main" id="{78C49538-5483-4F5B-9870-52D97A9077AB}"/>
+              </a:ext>
+            </a:extLst>
+          </p:cNvPr>
+          <p:cNvPicPr>
+            <a:picLocks noChangeAspect="1"/>
+          </p:cNvPicPr>
+          <p:nvPr/>
+        </p:nvPicPr>
+        <p:blipFill>
+          <a:blip r:embed="rId2">
+            <a:extLst>
+              <a:ext uri="{28A0092B-C50C-407E-A947-70E740481C1C}">
+                <a14:useLocalDpi xmlns:a14="http://schemas.microsoft.com/office/drawing/2010/main" val="0"/>
+              </a:ext>
+            </a:extLst>
+          </a:blip>
+          <a:stretch>
+            <a:fillRect/>
+          </a:stretch>
+        </p:blipFill>
+        <p:spPr>
+          <a:xfrm>
+            <a:off x="838187" y="2317898"/>
+            <a:ext cx="11144578" cy="2772000"/>
+          </a:xfrm>
+          <a:prstGeom prst="rect">
+            <a:avLst/>
+          </a:prstGeom>
+        </p:spPr>
+      </p:pic>
+    </p:spTree>
+    <p:extLst>
+      <p:ext uri="{BB962C8B-B14F-4D97-AF65-F5344CB8AC3E}">
+        <p14:creationId xmlns:p14="http://schemas.microsoft.com/office/powerpoint/2010/main" val="3521455490"/>
+      </p:ext>
+    </p:extLst>
+  </p:cSld>
+  <p:clrMapOvr>
+    <a:masterClrMapping/>
+  </p:clrMapOvr>
+</p:sld>
+</file>
+
+<file path=ppt/slides/slide19.xml><?xml version="1.0" encoding="utf-8"?>
+<p:sld xmlns:a="http://schemas.openxmlformats.org/drawingml/2006/main" xmlns:r="http://schemas.openxmlformats.org/officeDocument/2006/relationships" xmlns:p="http://schemas.openxmlformats.org/presentationml/2006/main">
+  <p:cSld>
+    <p:spTree>
+      <p:nvGrpSpPr>
+        <p:cNvPr id="1" name=""/>
+        <p:cNvGrpSpPr/>
+        <p:nvPr/>
+      </p:nvGrpSpPr>
+      <p:grpSpPr>
+        <a:xfrm>
+          <a:off x="0" y="0"/>
+          <a:ext cx="0" cy="0"/>
+          <a:chOff x="0" y="0"/>
+          <a:chExt cx="0" cy="0"/>
+        </a:xfrm>
+      </p:grpSpPr>
+      <p:pic>
+        <p:nvPicPr>
+          <p:cNvPr id="8" name="Picture 7" descr="A screenshot of a social media post&#10;&#10;Description automatically generated">
+            <a:extLst>
+              <a:ext uri="{FF2B5EF4-FFF2-40B4-BE49-F238E27FC236}">
+                <a16:creationId xmlns:a16="http://schemas.microsoft.com/office/drawing/2014/main" id="{6FF1FBFC-E536-4965-9C90-D5AE9109D8E1}"/>
+              </a:ext>
+            </a:extLst>
+          </p:cNvPr>
+          <p:cNvPicPr>
+            <a:picLocks noChangeAspect="1"/>
+          </p:cNvPicPr>
+          <p:nvPr/>
+        </p:nvPicPr>
+        <p:blipFill>
+          <a:blip r:embed="rId2">
+            <a:extLst>
+              <a:ext uri="{28A0092B-C50C-407E-A947-70E740481C1C}">
+                <a14:useLocalDpi xmlns:a14="http://schemas.microsoft.com/office/drawing/2010/main" val="0"/>
+              </a:ext>
+            </a:extLst>
+          </a:blip>
+          <a:stretch>
+            <a:fillRect/>
+          </a:stretch>
+        </p:blipFill>
+        <p:spPr>
+          <a:xfrm>
+            <a:off x="838197" y="2489000"/>
+            <a:ext cx="11024864" cy="4104000"/>
+          </a:xfrm>
+          <a:prstGeom prst="rect">
+            <a:avLst/>
+          </a:prstGeom>
+        </p:spPr>
+      </p:pic>
+      <p:sp>
+        <p:nvSpPr>
+          <p:cNvPr id="2" name="Title 1">
+            <a:extLst>
+              <a:ext uri="{FF2B5EF4-FFF2-40B4-BE49-F238E27FC236}">
+                <a16:creationId xmlns:a16="http://schemas.microsoft.com/office/drawing/2014/main" id="{840336D5-8B75-40CA-B0C9-190D0E8F297B}"/>
+              </a:ext>
+            </a:extLst>
+          </p:cNvPr>
+          <p:cNvSpPr>
+            <a:spLocks noGrp="1"/>
+          </p:cNvSpPr>
+          <p:nvPr>
+            <p:ph type="title"/>
+          </p:nvPr>
+        </p:nvSpPr>
+        <p:spPr/>
+        <p:txBody>
+          <a:bodyPr/>
+          <a:lstStyle/>
+          <a:p>
+            <a:pPr algn="ctr"/>
+            <a:r>
+              <a:rPr lang="de-DE" dirty="0"/>
+              <a:t>Twitch Code</a:t>
+            </a:r>
+            <a:endParaRPr lang="en-GB" dirty="0"/>
+          </a:p>
+        </p:txBody>
+      </p:sp>
+      <p:sp>
+        <p:nvSpPr>
+          <p:cNvPr id="3" name="Content Placeholder 2">
+            <a:extLst>
+              <a:ext uri="{FF2B5EF4-FFF2-40B4-BE49-F238E27FC236}">
+                <a16:creationId xmlns:a16="http://schemas.microsoft.com/office/drawing/2014/main" id="{B9283830-3920-478C-9132-ADFC86ED846A}"/>
+              </a:ext>
+            </a:extLst>
+          </p:cNvPr>
+          <p:cNvSpPr>
+            <a:spLocks noGrp="1"/>
+          </p:cNvSpPr>
+          <p:nvPr>
+            <p:ph idx="1"/>
+          </p:nvPr>
+        </p:nvSpPr>
+        <p:spPr>
+          <a:xfrm>
+            <a:off x="838200" y="1825625"/>
+            <a:ext cx="10515600" cy="460375"/>
+          </a:xfrm>
+        </p:spPr>
+        <p:txBody>
+          <a:bodyPr>
+            <a:normAutofit lnSpcReduction="10000"/>
+          </a:bodyPr>
+          <a:lstStyle/>
+          <a:p>
+            <a:r>
+              <a:rPr lang="en-GB" dirty="0"/>
+              <a:t>Navigator</a:t>
+            </a:r>
+          </a:p>
+        </p:txBody>
+      </p:sp>
+      <p:sp>
+        <p:nvSpPr>
+          <p:cNvPr id="4" name="Slide Number Placeholder 3">
+            <a:extLst>
+              <a:ext uri="{FF2B5EF4-FFF2-40B4-BE49-F238E27FC236}">
+                <a16:creationId xmlns:a16="http://schemas.microsoft.com/office/drawing/2014/main" id="{5F3B4A6E-1EFA-40F3-B63D-6A2C956993B6}"/>
+              </a:ext>
+            </a:extLst>
+          </p:cNvPr>
+          <p:cNvSpPr>
+            <a:spLocks noGrp="1"/>
+          </p:cNvSpPr>
+          <p:nvPr>
+            <p:ph type="sldNum" sz="quarter" idx="12"/>
+          </p:nvPr>
+        </p:nvSpPr>
+        <p:spPr/>
+        <p:txBody>
+          <a:bodyPr/>
+          <a:lstStyle/>
+          <a:p>
+            <a:fld id="{5FA8D64E-092D-488F-9555-4FE258A6A447}" type="slidenum">
+              <a:rPr lang="de-DE" smtClean="0"/>
+              <a:pPr/>
+              <a:t>19</a:t>
+            </a:fld>
+            <a:endParaRPr lang="de-DE" dirty="0"/>
+          </a:p>
+        </p:txBody>
+      </p:sp>
+    </p:spTree>
+    <p:extLst>
+      <p:ext uri="{BB962C8B-B14F-4D97-AF65-F5344CB8AC3E}">
+        <p14:creationId xmlns:p14="http://schemas.microsoft.com/office/powerpoint/2010/main" val="810339624"/>
       </p:ext>
     </p:extLst>
   </p:cSld>
@@ -5137,6 +6312,7 @@
           <a:bodyPr/>
           <a:lstStyle/>
           <a:p>
+            <a:pPr algn="ctr"/>
             <a:r>
               <a:rPr lang="de-DE" dirty="0" err="1"/>
               <a:t>Idea</a:t>
@@ -5974,183 +7150,6 @@
           <a:chExt cx="0" cy="0"/>
         </a:xfrm>
       </p:grpSpPr>
-      <p:sp>
-        <p:nvSpPr>
-          <p:cNvPr id="2" name="Title 1">
-            <a:extLst>
-              <a:ext uri="{FF2B5EF4-FFF2-40B4-BE49-F238E27FC236}">
-                <a16:creationId xmlns:a16="http://schemas.microsoft.com/office/drawing/2014/main" id="{ECBD908C-3629-47A2-A30E-F590B4B6D01D}"/>
-              </a:ext>
-            </a:extLst>
-          </p:cNvPr>
-          <p:cNvSpPr>
-            <a:spLocks noGrp="1"/>
-          </p:cNvSpPr>
-          <p:nvPr>
-            <p:ph type="title"/>
-          </p:nvPr>
-        </p:nvSpPr>
-        <p:spPr/>
-        <p:txBody>
-          <a:bodyPr/>
-          <a:lstStyle/>
-          <a:p>
-            <a:r>
-              <a:rPr lang="de-DE" dirty="0"/>
-              <a:t>Frameworks</a:t>
-            </a:r>
-          </a:p>
-        </p:txBody>
-      </p:sp>
-      <p:sp>
-        <p:nvSpPr>
-          <p:cNvPr id="3" name="Content Placeholder 2">
-            <a:extLst>
-              <a:ext uri="{FF2B5EF4-FFF2-40B4-BE49-F238E27FC236}">
-                <a16:creationId xmlns:a16="http://schemas.microsoft.com/office/drawing/2014/main" id="{623C4682-39DA-4352-855F-C17ED504E5ED}"/>
-              </a:ext>
-            </a:extLst>
-          </p:cNvPr>
-          <p:cNvSpPr>
-            <a:spLocks noGrp="1"/>
-          </p:cNvSpPr>
-          <p:nvPr>
-            <p:ph idx="1"/>
-          </p:nvPr>
-        </p:nvSpPr>
-        <p:spPr/>
-        <p:txBody>
-          <a:bodyPr>
-            <a:normAutofit fontScale="92500" lnSpcReduction="10000"/>
-          </a:bodyPr>
-          <a:lstStyle/>
-          <a:p>
-            <a:r>
-              <a:rPr lang="de-DE" dirty="0" err="1"/>
-              <a:t>CoreMotion</a:t>
-            </a:r>
-            <a:endParaRPr lang="de-DE" dirty="0"/>
-          </a:p>
-          <a:p>
-            <a:pPr lvl="1"/>
-            <a:r>
-              <a:rPr lang="de-DE" dirty="0"/>
-              <a:t>Rotation</a:t>
-            </a:r>
-          </a:p>
-          <a:p>
-            <a:pPr lvl="1"/>
-            <a:r>
-              <a:rPr lang="de-DE" dirty="0"/>
-              <a:t>Gravity</a:t>
-            </a:r>
-          </a:p>
-          <a:p>
-            <a:pPr lvl="1"/>
-            <a:r>
-              <a:rPr lang="de-DE" dirty="0" err="1"/>
-              <a:t>Acceleration</a:t>
-            </a:r>
-            <a:endParaRPr lang="de-DE" dirty="0"/>
-          </a:p>
-          <a:p>
-            <a:pPr lvl="1"/>
-            <a:r>
-              <a:rPr lang="de-DE" dirty="0"/>
-              <a:t>Device </a:t>
-            </a:r>
-            <a:r>
-              <a:rPr lang="de-DE" dirty="0" err="1"/>
-              <a:t>orientation</a:t>
-            </a:r>
-            <a:endParaRPr lang="de-DE" dirty="0"/>
-          </a:p>
-          <a:p>
-            <a:endParaRPr lang="de-DE" dirty="0"/>
-          </a:p>
-          <a:p>
-            <a:r>
-              <a:rPr lang="de-DE" dirty="0" err="1"/>
-              <a:t>ARKit</a:t>
-            </a:r>
-            <a:r>
-              <a:rPr lang="de-DE" dirty="0"/>
-              <a:t> </a:t>
-            </a:r>
-            <a:r>
-              <a:rPr lang="de-DE" dirty="0" err="1"/>
-              <a:t>or</a:t>
-            </a:r>
-            <a:r>
-              <a:rPr lang="de-DE" dirty="0"/>
-              <a:t> </a:t>
-            </a:r>
-            <a:r>
-              <a:rPr lang="de-DE" dirty="0" err="1"/>
-              <a:t>Camera</a:t>
-            </a:r>
-            <a:endParaRPr lang="de-DE" dirty="0"/>
-          </a:p>
-          <a:p>
-            <a:pPr lvl="1"/>
-            <a:r>
-              <a:rPr lang="de-DE" dirty="0"/>
-              <a:t>Light Sensor</a:t>
-            </a:r>
-          </a:p>
-          <a:p>
-            <a:endParaRPr lang="de-DE" dirty="0"/>
-          </a:p>
-          <a:p>
-            <a:r>
-              <a:rPr lang="de-DE" dirty="0" err="1"/>
-              <a:t>AVFoundation</a:t>
-            </a:r>
-            <a:endParaRPr lang="de-DE" dirty="0"/>
-          </a:p>
-          <a:p>
-            <a:pPr lvl="1"/>
-            <a:r>
-              <a:rPr lang="de-DE" dirty="0"/>
-              <a:t>Play </a:t>
-            </a:r>
-            <a:r>
-              <a:rPr lang="de-DE" dirty="0" err="1"/>
-              <a:t>sounds</a:t>
-            </a:r>
-            <a:endParaRPr lang="de-DE" dirty="0"/>
-          </a:p>
-        </p:txBody>
-      </p:sp>
-      <p:sp>
-        <p:nvSpPr>
-          <p:cNvPr id="4" name="Slide Number Placeholder 3">
-            <a:extLst>
-              <a:ext uri="{FF2B5EF4-FFF2-40B4-BE49-F238E27FC236}">
-                <a16:creationId xmlns:a16="http://schemas.microsoft.com/office/drawing/2014/main" id="{739608E3-6586-46C7-83AD-844524AAA986}"/>
-              </a:ext>
-            </a:extLst>
-          </p:cNvPr>
-          <p:cNvSpPr>
-            <a:spLocks noGrp="1"/>
-          </p:cNvSpPr>
-          <p:nvPr>
-            <p:ph type="sldNum" sz="quarter" idx="12"/>
-          </p:nvPr>
-        </p:nvSpPr>
-        <p:spPr/>
-        <p:txBody>
-          <a:bodyPr/>
-          <a:lstStyle/>
-          <a:p>
-            <a:fld id="{5FA8D64E-092D-488F-9555-4FE258A6A447}" type="slidenum">
-              <a:rPr lang="de-DE" smtClean="0"/>
-              <a:t>6</a:t>
-            </a:fld>
-            <a:endParaRPr lang="de-DE"/>
-          </a:p>
-        </p:txBody>
-      </p:sp>
       <p:pic>
         <p:nvPicPr>
           <p:cNvPr id="6146" name="Picture 2" descr="Bildergebnis für coremotion ios&quot;">
@@ -6180,8 +7179,8 @@
         </p:blipFill>
         <p:spPr bwMode="auto">
           <a:xfrm>
-            <a:off x="3958886" y="1144832"/>
-            <a:ext cx="2548169" cy="2968742"/>
+            <a:off x="3794436" y="1485900"/>
+            <a:ext cx="1962670" cy="2286606"/>
           </a:xfrm>
           <a:prstGeom prst="rect">
             <a:avLst/>
@@ -6198,6 +7197,184 @@
           </a:extLst>
         </p:spPr>
       </p:pic>
+      <p:sp>
+        <p:nvSpPr>
+          <p:cNvPr id="2" name="Title 1">
+            <a:extLst>
+              <a:ext uri="{FF2B5EF4-FFF2-40B4-BE49-F238E27FC236}">
+                <a16:creationId xmlns:a16="http://schemas.microsoft.com/office/drawing/2014/main" id="{ECBD908C-3629-47A2-A30E-F590B4B6D01D}"/>
+              </a:ext>
+            </a:extLst>
+          </p:cNvPr>
+          <p:cNvSpPr>
+            <a:spLocks noGrp="1"/>
+          </p:cNvSpPr>
+          <p:nvPr>
+            <p:ph type="title"/>
+          </p:nvPr>
+        </p:nvSpPr>
+        <p:spPr/>
+        <p:txBody>
+          <a:bodyPr/>
+          <a:lstStyle/>
+          <a:p>
+            <a:pPr algn="ctr"/>
+            <a:r>
+              <a:rPr lang="de-DE" dirty="0"/>
+              <a:t>Frameworks</a:t>
+            </a:r>
+          </a:p>
+        </p:txBody>
+      </p:sp>
+      <p:sp>
+        <p:nvSpPr>
+          <p:cNvPr id="3" name="Content Placeholder 2">
+            <a:extLst>
+              <a:ext uri="{FF2B5EF4-FFF2-40B4-BE49-F238E27FC236}">
+                <a16:creationId xmlns:a16="http://schemas.microsoft.com/office/drawing/2014/main" id="{623C4682-39DA-4352-855F-C17ED504E5ED}"/>
+              </a:ext>
+            </a:extLst>
+          </p:cNvPr>
+          <p:cNvSpPr>
+            <a:spLocks noGrp="1"/>
+          </p:cNvSpPr>
+          <p:nvPr>
+            <p:ph idx="1"/>
+          </p:nvPr>
+        </p:nvSpPr>
+        <p:spPr/>
+        <p:txBody>
+          <a:bodyPr>
+            <a:normAutofit fontScale="92500" lnSpcReduction="10000"/>
+          </a:bodyPr>
+          <a:lstStyle/>
+          <a:p>
+            <a:r>
+              <a:rPr lang="de-DE" dirty="0" err="1"/>
+              <a:t>CoreMotion</a:t>
+            </a:r>
+            <a:endParaRPr lang="de-DE" dirty="0"/>
+          </a:p>
+          <a:p>
+            <a:pPr lvl="1"/>
+            <a:r>
+              <a:rPr lang="de-DE" dirty="0"/>
+              <a:t>Rotation</a:t>
+            </a:r>
+          </a:p>
+          <a:p>
+            <a:pPr lvl="1"/>
+            <a:r>
+              <a:rPr lang="de-DE" dirty="0"/>
+              <a:t>Gravity</a:t>
+            </a:r>
+          </a:p>
+          <a:p>
+            <a:pPr lvl="1"/>
+            <a:r>
+              <a:rPr lang="de-DE" dirty="0" err="1"/>
+              <a:t>Acceleration</a:t>
+            </a:r>
+            <a:endParaRPr lang="de-DE" dirty="0"/>
+          </a:p>
+          <a:p>
+            <a:pPr lvl="1"/>
+            <a:r>
+              <a:rPr lang="de-DE" dirty="0"/>
+              <a:t>Device </a:t>
+            </a:r>
+            <a:r>
+              <a:rPr lang="de-DE" dirty="0" err="1"/>
+              <a:t>orientation</a:t>
+            </a:r>
+            <a:endParaRPr lang="de-DE" dirty="0"/>
+          </a:p>
+          <a:p>
+            <a:endParaRPr lang="de-DE" dirty="0"/>
+          </a:p>
+          <a:p>
+            <a:r>
+              <a:rPr lang="de-DE" dirty="0" err="1"/>
+              <a:t>ARKit</a:t>
+            </a:r>
+            <a:r>
+              <a:rPr lang="de-DE" dirty="0"/>
+              <a:t> </a:t>
+            </a:r>
+            <a:r>
+              <a:rPr lang="de-DE" dirty="0" err="1"/>
+              <a:t>or</a:t>
+            </a:r>
+            <a:r>
+              <a:rPr lang="de-DE" dirty="0"/>
+              <a:t> </a:t>
+            </a:r>
+            <a:r>
+              <a:rPr lang="de-DE" dirty="0" err="1"/>
+              <a:t>Camera</a:t>
+            </a:r>
+            <a:endParaRPr lang="de-DE" dirty="0"/>
+          </a:p>
+          <a:p>
+            <a:pPr lvl="1"/>
+            <a:r>
+              <a:rPr lang="de-DE" dirty="0"/>
+              <a:t>Light Sensor</a:t>
+            </a:r>
+          </a:p>
+          <a:p>
+            <a:endParaRPr lang="de-DE" dirty="0"/>
+          </a:p>
+          <a:p>
+            <a:r>
+              <a:rPr lang="de-DE" dirty="0" err="1"/>
+              <a:t>AVFoundation</a:t>
+            </a:r>
+            <a:endParaRPr lang="de-DE" dirty="0"/>
+          </a:p>
+          <a:p>
+            <a:pPr lvl="1"/>
+            <a:r>
+              <a:rPr lang="de-DE" dirty="0"/>
+              <a:t>Play </a:t>
+            </a:r>
+            <a:r>
+              <a:rPr lang="de-DE" dirty="0" err="1"/>
+              <a:t>sounds</a:t>
+            </a:r>
+            <a:endParaRPr lang="de-DE" dirty="0"/>
+          </a:p>
+        </p:txBody>
+      </p:sp>
+      <p:sp>
+        <p:nvSpPr>
+          <p:cNvPr id="4" name="Slide Number Placeholder 3">
+            <a:extLst>
+              <a:ext uri="{FF2B5EF4-FFF2-40B4-BE49-F238E27FC236}">
+                <a16:creationId xmlns:a16="http://schemas.microsoft.com/office/drawing/2014/main" id="{739608E3-6586-46C7-83AD-844524AAA986}"/>
+              </a:ext>
+            </a:extLst>
+          </p:cNvPr>
+          <p:cNvSpPr>
+            <a:spLocks noGrp="1"/>
+          </p:cNvSpPr>
+          <p:nvPr>
+            <p:ph type="sldNum" sz="quarter" idx="12"/>
+          </p:nvPr>
+        </p:nvSpPr>
+        <p:spPr/>
+        <p:txBody>
+          <a:bodyPr/>
+          <a:lstStyle/>
+          <a:p>
+            <a:fld id="{5FA8D64E-092D-488F-9555-4FE258A6A447}" type="slidenum">
+              <a:rPr lang="de-DE" smtClean="0"/>
+              <a:t>6</a:t>
+            </a:fld>
+            <a:endParaRPr lang="de-DE"/>
+          </a:p>
+        </p:txBody>
+      </p:sp>
       <p:pic>
         <p:nvPicPr>
           <p:cNvPr id="6148" name="Picture 4" descr="Bildergebnis für arkit ios&quot;">
@@ -6327,7 +7504,7 @@
           <p:cNvPr id="2" name="Title 1">
             <a:extLst>
               <a:ext uri="{FF2B5EF4-FFF2-40B4-BE49-F238E27FC236}">
-                <a16:creationId xmlns:a16="http://schemas.microsoft.com/office/drawing/2014/main" id="{D51F2003-B913-4FDD-8FD6-BD1CA9609F84}"/>
+                <a16:creationId xmlns:a16="http://schemas.microsoft.com/office/drawing/2014/main" id="{FE695BDC-5445-496C-AE67-F7DA57EDD9A9}"/>
               </a:ext>
             </a:extLst>
           </p:cNvPr>
@@ -6338,11 +7515,17 @@
             <p:ph type="title"/>
           </p:nvPr>
         </p:nvSpPr>
-        <p:spPr/>
+        <p:spPr>
+          <a:xfrm>
+            <a:off x="838200" y="375399"/>
+            <a:ext cx="7472200" cy="1325563"/>
+          </a:xfrm>
+        </p:spPr>
         <p:txBody>
           <a:bodyPr/>
           <a:lstStyle/>
           <a:p>
+            <a:pPr algn="ctr"/>
             <a:r>
               <a:rPr lang="de-DE" dirty="0" err="1"/>
               <a:t>Interesting</a:t>
@@ -6359,7 +7542,7 @@
           <p:cNvPr id="3" name="Content Placeholder 2">
             <a:extLst>
               <a:ext uri="{FF2B5EF4-FFF2-40B4-BE49-F238E27FC236}">
-                <a16:creationId xmlns:a16="http://schemas.microsoft.com/office/drawing/2014/main" id="{F21ACA01-AC2A-4EA3-92F6-7F6B7A45844E}"/>
+                <a16:creationId xmlns:a16="http://schemas.microsoft.com/office/drawing/2014/main" id="{08A5C400-368F-462C-B096-C262B181B7A6}"/>
               </a:ext>
             </a:extLst>
           </p:cNvPr>
@@ -6377,282 +7560,106 @@
           </a:xfrm>
         </p:spPr>
         <p:txBody>
-          <a:bodyPr/>
-          <a:lstStyle/>
-          <a:p>
-            <a:r>
-              <a:rPr lang="de-DE" dirty="0" err="1"/>
-              <a:t>How</a:t>
-            </a:r>
-            <a:r>
-              <a:rPr lang="de-DE" dirty="0"/>
-              <a:t> and </a:t>
-            </a:r>
-            <a:r>
-              <a:rPr lang="de-DE" dirty="0" err="1"/>
-              <a:t>when</a:t>
-            </a:r>
-            <a:r>
-              <a:rPr lang="de-DE" dirty="0"/>
-              <a:t> </a:t>
-            </a:r>
-            <a:r>
-              <a:rPr lang="de-DE" dirty="0" err="1"/>
-              <a:t>to</a:t>
-            </a:r>
-            <a:r>
-              <a:rPr lang="de-DE" dirty="0"/>
-              <a:t> </a:t>
-            </a:r>
-            <a:r>
-              <a:rPr lang="de-DE" dirty="0" err="1"/>
-              <a:t>change</a:t>
-            </a:r>
-            <a:r>
-              <a:rPr lang="de-DE" dirty="0"/>
-              <a:t> </a:t>
-            </a:r>
-            <a:r>
-              <a:rPr lang="de-DE" dirty="0" err="1"/>
-              <a:t>the</a:t>
-            </a:r>
-            <a:r>
-              <a:rPr lang="de-DE" dirty="0"/>
-              <a:t> bomb </a:t>
-            </a:r>
-            <a:r>
-              <a:rPr lang="de-DE" dirty="0" err="1"/>
-              <a:t>stability</a:t>
-            </a:r>
-            <a:r>
-              <a:rPr lang="de-DE" dirty="0"/>
-              <a:t> (</a:t>
-            </a:r>
-            <a:r>
-              <a:rPr lang="de-DE" dirty="0" err="1"/>
-              <a:t>updateIntervals</a:t>
-            </a:r>
-            <a:r>
-              <a:rPr lang="de-DE" dirty="0"/>
-              <a:t>)</a:t>
-            </a:r>
-          </a:p>
-          <a:p>
-            <a:pPr lvl="1"/>
-            <a:r>
-              <a:rPr lang="de-DE" dirty="0" err="1"/>
-              <a:t>Explore</a:t>
-            </a:r>
-            <a:r>
-              <a:rPr lang="de-DE" dirty="0"/>
-              <a:t> different </a:t>
-            </a:r>
-            <a:r>
-              <a:rPr lang="de-DE" dirty="0" err="1"/>
-              <a:t>tresholds</a:t>
-            </a:r>
-            <a:r>
-              <a:rPr lang="de-DE" dirty="0"/>
-              <a:t>/</a:t>
-            </a:r>
-            <a:r>
-              <a:rPr lang="de-DE" dirty="0" err="1"/>
-              <a:t>boundaries</a:t>
-            </a:r>
-            <a:r>
-              <a:rPr lang="de-DE" dirty="0"/>
-              <a:t> </a:t>
-            </a:r>
-            <a:r>
-              <a:rPr lang="de-DE" dirty="0" err="1"/>
-              <a:t>for</a:t>
-            </a:r>
-            <a:r>
-              <a:rPr lang="de-DE" dirty="0"/>
-              <a:t> different </a:t>
-            </a:r>
-            <a:r>
-              <a:rPr lang="de-DE" dirty="0" err="1"/>
-              <a:t>sensors</a:t>
+          <a:bodyPr>
+            <a:normAutofit/>
+          </a:bodyPr>
+          <a:lstStyle/>
+          <a:p>
+            <a:r>
+              <a:rPr lang="de-DE" dirty="0"/>
+              <a:t>Model-View-Controller (MVC) </a:t>
+            </a:r>
+            <a:r>
+              <a:rPr lang="de-DE" dirty="0" err="1"/>
+              <a:t>Hierarchy</a:t>
             </a:r>
             <a:endParaRPr lang="de-DE" dirty="0"/>
           </a:p>
           <a:p>
-            <a:pPr lvl="1"/>
-            <a:r>
-              <a:rPr lang="de-DE" dirty="0"/>
-              <a:t>Do not </a:t>
-            </a:r>
-            <a:r>
-              <a:rPr lang="de-DE" dirty="0" err="1"/>
-              <a:t>overlap</a:t>
-            </a:r>
-            <a:r>
-              <a:rPr lang="de-DE" dirty="0"/>
-              <a:t> </a:t>
-            </a:r>
-            <a:r>
-              <a:rPr lang="de-DE" dirty="0" err="1"/>
-              <a:t>with</a:t>
-            </a:r>
-            <a:r>
-              <a:rPr lang="de-DE" dirty="0"/>
-              <a:t> </a:t>
-            </a:r>
-            <a:r>
-              <a:rPr lang="de-DE" dirty="0" err="1"/>
-              <a:t>the</a:t>
-            </a:r>
-            <a:r>
-              <a:rPr lang="de-DE" dirty="0"/>
-              <a:t> UI</a:t>
-            </a:r>
-          </a:p>
-          <a:p>
-            <a:pPr marL="0" indent="0">
-              <a:buNone/>
-            </a:pPr>
             <a:endParaRPr lang="de-DE" dirty="0"/>
           </a:p>
           <a:p>
-            <a:r>
-              <a:rPr lang="de-DE" dirty="0"/>
-              <a:t>End a </a:t>
-            </a:r>
-            <a:r>
-              <a:rPr lang="de-DE" dirty="0" err="1"/>
-              <a:t>players</a:t>
-            </a:r>
-            <a:r>
-              <a:rPr lang="de-DE" dirty="0"/>
-              <a:t> turn </a:t>
-            </a:r>
-            <a:r>
-              <a:rPr lang="de-DE" dirty="0" err="1"/>
-              <a:t>with</a:t>
-            </a:r>
-            <a:r>
-              <a:rPr lang="de-DE" dirty="0"/>
-              <a:t> </a:t>
-            </a:r>
-            <a:r>
-              <a:rPr lang="de-DE" dirty="0" err="1"/>
-              <a:t>help</a:t>
-            </a:r>
-            <a:r>
-              <a:rPr lang="de-DE" dirty="0"/>
-              <a:t> </a:t>
-            </a:r>
-            <a:r>
-              <a:rPr lang="de-DE" dirty="0" err="1"/>
-              <a:t>of</a:t>
-            </a:r>
-            <a:r>
-              <a:rPr lang="de-DE" dirty="0"/>
-              <a:t> light </a:t>
-            </a:r>
-            <a:r>
-              <a:rPr lang="de-DE" dirty="0" err="1"/>
-              <a:t>sensor</a:t>
-            </a:r>
             <a:endParaRPr lang="de-DE" dirty="0"/>
           </a:p>
           <a:p>
             <a:endParaRPr lang="de-DE" dirty="0"/>
           </a:p>
           <a:p>
-            <a:r>
-              <a:rPr lang="de-DE" dirty="0"/>
-              <a:t>Gravity </a:t>
-            </a:r>
-            <a:r>
-              <a:rPr lang="de-DE" dirty="0" err="1"/>
-              <a:t>stays</a:t>
-            </a:r>
-            <a:r>
-              <a:rPr lang="de-DE" dirty="0"/>
-              <a:t> </a:t>
-            </a:r>
-            <a:r>
-              <a:rPr lang="de-DE" dirty="0" err="1"/>
-              <a:t>the</a:t>
-            </a:r>
-            <a:r>
-              <a:rPr lang="de-DE" dirty="0"/>
-              <a:t> same, </a:t>
-            </a:r>
-            <a:r>
-              <a:rPr lang="de-DE" dirty="0" err="1"/>
-              <a:t>if</a:t>
-            </a:r>
-            <a:r>
-              <a:rPr lang="de-DE" dirty="0"/>
-              <a:t> </a:t>
-            </a:r>
-            <a:r>
-              <a:rPr lang="de-DE" dirty="0" err="1"/>
-              <a:t>you</a:t>
-            </a:r>
-            <a:r>
-              <a:rPr lang="de-DE" dirty="0"/>
-              <a:t> </a:t>
-            </a:r>
-            <a:r>
-              <a:rPr lang="de-DE" dirty="0" err="1"/>
-              <a:t>rotate</a:t>
-            </a:r>
-            <a:r>
-              <a:rPr lang="de-DE" dirty="0"/>
-              <a:t> </a:t>
-            </a:r>
-            <a:r>
-              <a:rPr lang="de-DE" dirty="0" err="1"/>
-              <a:t>around</a:t>
-            </a:r>
-            <a:r>
-              <a:rPr lang="de-DE" dirty="0"/>
-              <a:t> </a:t>
-            </a:r>
-            <a:r>
-              <a:rPr lang="de-DE" dirty="0" err="1"/>
-              <a:t>the</a:t>
-            </a:r>
-            <a:r>
-              <a:rPr lang="de-DE" dirty="0"/>
-              <a:t> </a:t>
-            </a:r>
-            <a:r>
-              <a:rPr lang="de-DE" dirty="0" err="1"/>
-              <a:t>gravity-axis</a:t>
-            </a:r>
             <a:endParaRPr lang="de-DE" dirty="0"/>
           </a:p>
           <a:p>
             <a:endParaRPr lang="de-DE" dirty="0"/>
           </a:p>
           <a:p>
-            <a:r>
-              <a:rPr lang="de-DE" dirty="0" err="1"/>
-              <a:t>IOKit</a:t>
-            </a:r>
-            <a:r>
-              <a:rPr lang="de-DE" dirty="0"/>
-              <a:t> </a:t>
-            </a:r>
-            <a:r>
-              <a:rPr lang="de-DE" dirty="0" err="1"/>
-              <a:t>LightSensor</a:t>
-            </a:r>
             <a:endParaRPr lang="de-DE" dirty="0"/>
           </a:p>
-        </p:txBody>
-      </p:sp>
+          <a:p>
+            <a:endParaRPr lang="de-DE" dirty="0"/>
+          </a:p>
+          <a:p>
+            <a:endParaRPr lang="de-DE" dirty="0"/>
+          </a:p>
+          <a:p>
+            <a:endParaRPr lang="de-DE" dirty="0"/>
+          </a:p>
+          <a:p>
+            <a:endParaRPr lang="de-DE" dirty="0"/>
+          </a:p>
+        </p:txBody>
+      </p:sp>
+      <p:pic>
+        <p:nvPicPr>
+          <p:cNvPr id="5122" name="Picture 2" descr="MVC Diagram">
+            <a:extLst>
+              <a:ext uri="{FF2B5EF4-FFF2-40B4-BE49-F238E27FC236}">
+                <a16:creationId xmlns:a16="http://schemas.microsoft.com/office/drawing/2014/main" id="{C6A465FF-04F4-4D73-B72A-C87E01C8AF05}"/>
+              </a:ext>
+            </a:extLst>
+          </p:cNvPr>
+          <p:cNvPicPr>
+            <a:picLocks noChangeAspect="1" noChangeArrowheads="1"/>
+          </p:cNvPicPr>
+          <p:nvPr/>
+        </p:nvPicPr>
+        <p:blipFill>
+          <a:blip r:embed="rId2">
+            <a:extLst>
+              <a:ext uri="{28A0092B-C50C-407E-A947-70E740481C1C}">
+                <a14:useLocalDpi xmlns:a14="http://schemas.microsoft.com/office/drawing/2010/main" val="0"/>
+              </a:ext>
+            </a:extLst>
+          </a:blip>
+          <a:srcRect/>
+          <a:stretch>
+            <a:fillRect/>
+          </a:stretch>
+        </p:blipFill>
+        <p:spPr bwMode="auto">
+          <a:xfrm>
+            <a:off x="1169542" y="2296649"/>
+            <a:ext cx="7140858" cy="3585306"/>
+          </a:xfrm>
+          <a:prstGeom prst="rect">
+            <a:avLst/>
+          </a:prstGeom>
+          <a:noFill/>
+          <a:extLst>
+            <a:ext uri="{909E8E84-426E-40DD-AFC4-6F175D3DCCD1}">
+              <a14:hiddenFill xmlns:a14="http://schemas.microsoft.com/office/drawing/2010/main">
+                <a:solidFill>
+                  <a:srgbClr val="FFFFFF"/>
+                </a:solidFill>
+              </a14:hiddenFill>
+            </a:ext>
+          </a:extLst>
+        </p:spPr>
+      </p:pic>
       <p:sp>
         <p:nvSpPr>
           <p:cNvPr id="4" name="Slide Number Placeholder 3">
             <a:extLst>
               <a:ext uri="{FF2B5EF4-FFF2-40B4-BE49-F238E27FC236}">
-                <a16:creationId xmlns:a16="http://schemas.microsoft.com/office/drawing/2014/main" id="{C1153D38-4EBC-4B4B-9522-72E94921219F}"/>
+                <a16:creationId xmlns:a16="http://schemas.microsoft.com/office/drawing/2014/main" id="{36EE5D35-0627-4EAA-96C4-FD7851DFDE3B}"/>
               </a:ext>
             </a:extLst>
           </p:cNvPr>
@@ -6663,7 +7670,12 @@
             <p:ph type="sldNum" sz="quarter" idx="12"/>
           </p:nvPr>
         </p:nvSpPr>
-        <p:spPr/>
+        <p:spPr>
+          <a:xfrm>
+            <a:off x="8610600" y="6356350"/>
+            <a:ext cx="2743200" cy="365125"/>
+          </a:xfrm>
+        </p:spPr>
         <p:txBody>
           <a:bodyPr/>
           <a:lstStyle/>
@@ -6676,10 +7688,40 @@
           </a:p>
         </p:txBody>
       </p:sp>
+      <p:pic>
+        <p:nvPicPr>
+          <p:cNvPr id="8" name="Picture 7">
+            <a:extLst>
+              <a:ext uri="{FF2B5EF4-FFF2-40B4-BE49-F238E27FC236}">
+                <a16:creationId xmlns:a16="http://schemas.microsoft.com/office/drawing/2014/main" id="{DF95E2A4-107F-4622-AB60-CA39BDBF384C}"/>
+              </a:ext>
+            </a:extLst>
+          </p:cNvPr>
+          <p:cNvPicPr>
+            <a:picLocks noChangeAspect="1"/>
+          </p:cNvPicPr>
+          <p:nvPr/>
+        </p:nvPicPr>
+        <p:blipFill>
+          <a:blip r:embed="rId3"/>
+          <a:stretch>
+            <a:fillRect/>
+          </a:stretch>
+        </p:blipFill>
+        <p:spPr>
+          <a:xfrm>
+            <a:off x="8610600" y="287256"/>
+            <a:ext cx="2249146" cy="6283488"/>
+          </a:xfrm>
+          <a:prstGeom prst="rect">
+            <a:avLst/>
+          </a:prstGeom>
+        </p:spPr>
+      </p:pic>
     </p:spTree>
     <p:extLst>
       <p:ext uri="{BB962C8B-B14F-4D97-AF65-F5344CB8AC3E}">
-        <p14:creationId xmlns:p14="http://schemas.microsoft.com/office/powerpoint/2010/main" val="1686700181"/>
+        <p14:creationId xmlns:p14="http://schemas.microsoft.com/office/powerpoint/2010/main" val="1690101297"/>
       </p:ext>
     </p:extLst>
   </p:cSld>
@@ -6711,7 +7753,7 @@
           <p:cNvPr id="2" name="Title 1">
             <a:extLst>
               <a:ext uri="{FF2B5EF4-FFF2-40B4-BE49-F238E27FC236}">
-                <a16:creationId xmlns:a16="http://schemas.microsoft.com/office/drawing/2014/main" id="{778748A8-6B82-4C28-8926-9EBE0D828E80}"/>
+                <a16:creationId xmlns:a16="http://schemas.microsoft.com/office/drawing/2014/main" id="{D51F2003-B913-4FDD-8FD6-BD1CA9609F84}"/>
               </a:ext>
             </a:extLst>
           </p:cNvPr>
@@ -6727,15 +7769,15 @@
           <a:bodyPr/>
           <a:lstStyle/>
           <a:p>
-            <a:r>
-              <a:rPr lang="de-DE" dirty="0"/>
-              <a:t>Light Sensor and </a:t>
-            </a:r>
-            <a:r>
-              <a:rPr lang="de-DE" dirty="0" err="1"/>
-              <a:t>IOKit</a:t>
-            </a:r>
-            <a:endParaRPr lang="de-DE" dirty="0"/>
+            <a:pPr algn="ctr"/>
+            <a:r>
+              <a:rPr lang="de-DE" dirty="0" err="1"/>
+              <a:t>Interesting</a:t>
+            </a:r>
+            <a:r>
+              <a:rPr lang="de-DE" dirty="0"/>
+              <a:t> Encounters</a:t>
+            </a:r>
           </a:p>
         </p:txBody>
       </p:sp>
@@ -6744,7 +7786,7 @@
           <p:cNvPr id="3" name="Content Placeholder 2">
             <a:extLst>
               <a:ext uri="{FF2B5EF4-FFF2-40B4-BE49-F238E27FC236}">
-                <a16:creationId xmlns:a16="http://schemas.microsoft.com/office/drawing/2014/main" id="{2F12F616-1822-4585-8E15-C81590209E1C}"/>
+                <a16:creationId xmlns:a16="http://schemas.microsoft.com/office/drawing/2014/main" id="{F21ACA01-AC2A-4EA3-92F6-7F6B7A45844E}"/>
               </a:ext>
             </a:extLst>
           </p:cNvPr>
@@ -6766,82 +7808,119 @@
           <a:lstStyle/>
           <a:p>
             <a:r>
-              <a:rPr lang="de-DE" dirty="0"/>
-              <a:t>Ambient Light Sensor</a:t>
+              <a:rPr lang="de-DE" dirty="0" err="1"/>
+              <a:t>How</a:t>
+            </a:r>
+            <a:r>
+              <a:rPr lang="de-DE" dirty="0"/>
+              <a:t> and </a:t>
+            </a:r>
+            <a:r>
+              <a:rPr lang="de-DE" dirty="0" err="1"/>
+              <a:t>when</a:t>
+            </a:r>
+            <a:r>
+              <a:rPr lang="de-DE" dirty="0"/>
+              <a:t> </a:t>
+            </a:r>
+            <a:r>
+              <a:rPr lang="de-DE" dirty="0" err="1"/>
+              <a:t>to</a:t>
+            </a:r>
+            <a:r>
+              <a:rPr lang="de-DE" dirty="0"/>
+              <a:t> </a:t>
+            </a:r>
+            <a:r>
+              <a:rPr lang="de-DE" dirty="0" err="1"/>
+              <a:t>change</a:t>
+            </a:r>
+            <a:r>
+              <a:rPr lang="de-DE" dirty="0"/>
+              <a:t> </a:t>
+            </a:r>
+            <a:r>
+              <a:rPr lang="de-DE" dirty="0" err="1"/>
+              <a:t>the</a:t>
+            </a:r>
+            <a:r>
+              <a:rPr lang="de-DE" dirty="0"/>
+              <a:t> bomb </a:t>
+            </a:r>
+            <a:r>
+              <a:rPr lang="de-DE" dirty="0" err="1"/>
+              <a:t>stability</a:t>
+            </a:r>
+            <a:r>
+              <a:rPr lang="de-DE" dirty="0"/>
+              <a:t> (</a:t>
+            </a:r>
+            <a:r>
+              <a:rPr lang="de-DE" dirty="0" err="1"/>
+              <a:t>updateIntervals</a:t>
+            </a:r>
+            <a:r>
+              <a:rPr lang="de-DE" dirty="0"/>
+              <a:t>)</a:t>
             </a:r>
           </a:p>
           <a:p>
             <a:pPr lvl="1"/>
             <a:r>
               <a:rPr lang="de-DE" dirty="0" err="1"/>
-              <a:t>Has</a:t>
-            </a:r>
-            <a:r>
-              <a:rPr lang="de-DE" dirty="0"/>
-              <a:t> </a:t>
-            </a:r>
-            <a:r>
-              <a:rPr lang="de-DE" dirty="0" err="1"/>
-              <a:t>no</a:t>
-            </a:r>
-            <a:r>
-              <a:rPr lang="de-DE" dirty="0"/>
-              <a:t> </a:t>
-            </a:r>
-            <a:r>
-              <a:rPr lang="de-DE" dirty="0" err="1"/>
-              <a:t>dedicated</a:t>
-            </a:r>
-            <a:r>
-              <a:rPr lang="de-DE" dirty="0"/>
-              <a:t> Framework</a:t>
-            </a:r>
+              <a:t>Explore</a:t>
+            </a:r>
+            <a:r>
+              <a:rPr lang="de-DE" dirty="0"/>
+              <a:t> different </a:t>
+            </a:r>
+            <a:r>
+              <a:rPr lang="de-DE" dirty="0" err="1"/>
+              <a:t>tresholds</a:t>
+            </a:r>
+            <a:r>
+              <a:rPr lang="de-DE" dirty="0"/>
+              <a:t>/</a:t>
+            </a:r>
+            <a:r>
+              <a:rPr lang="de-DE" dirty="0" err="1"/>
+              <a:t>boundaries</a:t>
+            </a:r>
+            <a:r>
+              <a:rPr lang="de-DE" dirty="0"/>
+              <a:t> </a:t>
+            </a:r>
+            <a:r>
+              <a:rPr lang="de-DE" dirty="0" err="1"/>
+              <a:t>for</a:t>
+            </a:r>
+            <a:r>
+              <a:rPr lang="de-DE" dirty="0"/>
+              <a:t> different </a:t>
+            </a:r>
+            <a:r>
+              <a:rPr lang="de-DE" dirty="0" err="1"/>
+              <a:t>sensors</a:t>
+            </a:r>
+            <a:endParaRPr lang="de-DE" dirty="0"/>
           </a:p>
           <a:p>
             <a:pPr lvl="1"/>
             <a:r>
-              <a:rPr lang="de-DE" dirty="0" err="1"/>
-              <a:t>Therefore</a:t>
-            </a:r>
-            <a:r>
-              <a:rPr lang="de-DE" dirty="0"/>
-              <a:t> </a:t>
-            </a:r>
-            <a:r>
-              <a:rPr lang="de-DE" dirty="0" err="1"/>
-              <a:t>one</a:t>
-            </a:r>
-            <a:r>
-              <a:rPr lang="de-DE" dirty="0"/>
-              <a:t> </a:t>
-            </a:r>
-            <a:r>
-              <a:rPr lang="de-DE" dirty="0" err="1"/>
-              <a:t>can</a:t>
-            </a:r>
-            <a:r>
-              <a:rPr lang="de-DE" dirty="0"/>
-              <a:t> </a:t>
-            </a:r>
-            <a:r>
-              <a:rPr lang="de-DE" dirty="0" err="1"/>
-              <a:t>use</a:t>
-            </a:r>
-            <a:r>
-              <a:rPr lang="de-DE" dirty="0"/>
-              <a:t> </a:t>
-            </a:r>
-            <a:r>
-              <a:rPr lang="de-DE" dirty="0" err="1"/>
-              <a:t>one</a:t>
-            </a:r>
-            <a:r>
-              <a:rPr lang="de-DE" dirty="0"/>
-              <a:t> </a:t>
-            </a:r>
-            <a:r>
-              <a:rPr lang="de-DE" dirty="0" err="1"/>
-              <a:t>of</a:t>
+              <a:rPr lang="de-DE" dirty="0"/>
+              <a:t>Do not </a:t>
+            </a:r>
+            <a:r>
+              <a:rPr lang="de-DE" dirty="0" err="1"/>
+              <a:t>overlap</a:t>
+            </a:r>
+            <a:r>
+              <a:rPr lang="de-DE" dirty="0"/>
+              <a:t> </a:t>
+            </a:r>
+            <a:r>
+              <a:rPr lang="de-DE" dirty="0" err="1"/>
+              <a:t>with</a:t>
             </a:r>
             <a:r>
               <a:rPr lang="de-DE" dirty="0"/>
@@ -6853,253 +7932,7 @@
             </a:r>
             <a:r>
               <a:rPr lang="de-DE" dirty="0"/>
-              <a:t> </a:t>
-            </a:r>
-            <a:r>
-              <a:rPr lang="de-DE" dirty="0" err="1"/>
-              <a:t>following</a:t>
-            </a:r>
-            <a:r>
-              <a:rPr lang="de-DE" dirty="0"/>
-              <a:t>:</a:t>
-            </a:r>
-          </a:p>
-          <a:p>
-            <a:pPr lvl="2"/>
-            <a:r>
-              <a:rPr lang="de-DE" dirty="0" err="1"/>
-              <a:t>AVFoundation</a:t>
-            </a:r>
-            <a:r>
-              <a:rPr lang="de-DE" dirty="0"/>
-              <a:t>(</a:t>
-            </a:r>
-            <a:r>
-              <a:rPr lang="de-DE" dirty="0" err="1"/>
-              <a:t>For</a:t>
-            </a:r>
-            <a:r>
-              <a:rPr lang="de-DE" dirty="0"/>
-              <a:t> </a:t>
-            </a:r>
-            <a:r>
-              <a:rPr lang="de-DE" dirty="0" err="1"/>
-              <a:t>vanella</a:t>
-            </a:r>
-            <a:r>
-              <a:rPr lang="de-DE" dirty="0"/>
-              <a:t> </a:t>
-            </a:r>
-            <a:r>
-              <a:rPr lang="de-DE" dirty="0" err="1"/>
-              <a:t>camera</a:t>
-            </a:r>
-            <a:r>
-              <a:rPr lang="de-DE" dirty="0"/>
-              <a:t> </a:t>
-            </a:r>
-            <a:r>
-              <a:rPr lang="de-DE" dirty="0" err="1"/>
-              <a:t>data</a:t>
-            </a:r>
-            <a:r>
-              <a:rPr lang="de-DE" dirty="0"/>
-              <a:t>)</a:t>
-            </a:r>
-          </a:p>
-          <a:p>
-            <a:pPr lvl="2"/>
-            <a:r>
-              <a:rPr lang="de-DE" dirty="0" err="1"/>
-              <a:t>ARKit</a:t>
-            </a:r>
-            <a:r>
-              <a:rPr lang="de-DE" dirty="0"/>
-              <a:t> (</a:t>
-            </a:r>
-            <a:r>
-              <a:rPr lang="de-DE" dirty="0" err="1"/>
-              <a:t>Camera</a:t>
-            </a:r>
-            <a:r>
-              <a:rPr lang="de-DE" dirty="0"/>
-              <a:t> </a:t>
-            </a:r>
-            <a:r>
-              <a:rPr lang="de-DE" dirty="0" err="1"/>
-              <a:t>data</a:t>
-            </a:r>
-            <a:r>
-              <a:rPr lang="de-DE" dirty="0"/>
-              <a:t> </a:t>
-            </a:r>
-            <a:r>
-              <a:rPr lang="de-DE" dirty="0" err="1"/>
-              <a:t>with</a:t>
-            </a:r>
-            <a:r>
-              <a:rPr lang="de-DE" dirty="0"/>
-              <a:t> </a:t>
-            </a:r>
-            <a:r>
-              <a:rPr lang="de-DE" dirty="0" err="1"/>
-              <a:t>Augmented</a:t>
-            </a:r>
-            <a:r>
-              <a:rPr lang="de-DE" dirty="0"/>
-              <a:t> Reality) </a:t>
-            </a:r>
-          </a:p>
-          <a:p>
-            <a:pPr lvl="2"/>
-            <a:r>
-              <a:rPr lang="de-DE" dirty="0" err="1"/>
-              <a:t>IOKit</a:t>
-            </a:r>
-            <a:r>
-              <a:rPr lang="de-DE" dirty="0"/>
-              <a:t> (Must </a:t>
-            </a:r>
-            <a:r>
-              <a:rPr lang="de-DE" dirty="0" err="1"/>
-              <a:t>use</a:t>
-            </a:r>
-            <a:r>
-              <a:rPr lang="de-DE" dirty="0"/>
-              <a:t> </a:t>
-            </a:r>
-            <a:r>
-              <a:rPr lang="de-DE" dirty="0" err="1"/>
-              <a:t>ObjectiveC</a:t>
-            </a:r>
-            <a:r>
-              <a:rPr lang="de-DE" dirty="0"/>
-              <a:t>)</a:t>
-            </a:r>
-          </a:p>
-          <a:p>
-            <a:r>
-              <a:rPr lang="de-DE" dirty="0" err="1"/>
-              <a:t>IOKit</a:t>
-            </a:r>
-            <a:endParaRPr lang="de-DE" dirty="0"/>
-          </a:p>
-          <a:p>
-            <a:pPr lvl="1"/>
-            <a:r>
-              <a:rPr lang="de-DE" dirty="0"/>
-              <a:t>Not </a:t>
-            </a:r>
-            <a:r>
-              <a:rPr lang="de-DE" dirty="0" err="1"/>
-              <a:t>supported</a:t>
-            </a:r>
-            <a:r>
-              <a:rPr lang="de-DE" dirty="0"/>
-              <a:t> </a:t>
-            </a:r>
-            <a:r>
-              <a:rPr lang="de-DE" dirty="0" err="1"/>
-              <a:t>by</a:t>
-            </a:r>
-            <a:r>
-              <a:rPr lang="de-DE" dirty="0"/>
-              <a:t> Apple. </a:t>
-            </a:r>
-          </a:p>
-          <a:p>
-            <a:pPr lvl="2"/>
-            <a:r>
-              <a:rPr lang="de-DE" dirty="0" err="1"/>
-              <a:t>Develop</a:t>
-            </a:r>
-            <a:r>
-              <a:rPr lang="de-DE" dirty="0"/>
-              <a:t> will </a:t>
-            </a:r>
-            <a:r>
-              <a:rPr lang="de-DE" dirty="0" err="1"/>
-              <a:t>have</a:t>
-            </a:r>
-            <a:r>
-              <a:rPr lang="de-DE" dirty="0"/>
-              <a:t> </a:t>
-            </a:r>
-            <a:r>
-              <a:rPr lang="de-DE" dirty="0" err="1"/>
-              <a:t>problems</a:t>
-            </a:r>
-            <a:r>
-              <a:rPr lang="de-DE" dirty="0"/>
-              <a:t> </a:t>
-            </a:r>
-            <a:r>
-              <a:rPr lang="de-DE" dirty="0" err="1"/>
-              <a:t>publishing</a:t>
-            </a:r>
-            <a:r>
-              <a:rPr lang="de-DE" dirty="0"/>
-              <a:t> </a:t>
-            </a:r>
-            <a:r>
-              <a:rPr lang="de-DE" dirty="0" err="1"/>
-              <a:t>with</a:t>
-            </a:r>
-            <a:r>
-              <a:rPr lang="de-DE" dirty="0"/>
-              <a:t> </a:t>
-            </a:r>
-            <a:r>
-              <a:rPr lang="de-DE" dirty="0" err="1"/>
-              <a:t>this</a:t>
-            </a:r>
-            <a:r>
-              <a:rPr lang="de-DE" dirty="0"/>
-              <a:t> </a:t>
-            </a:r>
-            <a:r>
-              <a:rPr lang="de-DE" dirty="0" err="1"/>
-              <a:t>framework</a:t>
-            </a:r>
-            <a:endParaRPr lang="de-DE" dirty="0"/>
-          </a:p>
-          <a:p>
-            <a:pPr lvl="1"/>
-            <a:r>
-              <a:rPr lang="de-DE" dirty="0"/>
-              <a:t>Can </a:t>
-            </a:r>
-            <a:r>
-              <a:rPr lang="de-DE" dirty="0" err="1"/>
-              <a:t>only</a:t>
-            </a:r>
-            <a:r>
-              <a:rPr lang="de-DE" dirty="0"/>
-              <a:t> </a:t>
-            </a:r>
-            <a:r>
-              <a:rPr lang="de-DE" dirty="0" err="1"/>
-              <a:t>be</a:t>
-            </a:r>
-            <a:r>
-              <a:rPr lang="de-DE" dirty="0"/>
-              <a:t> </a:t>
-            </a:r>
-            <a:r>
-              <a:rPr lang="de-DE" dirty="0" err="1"/>
-              <a:t>used</a:t>
-            </a:r>
-            <a:r>
-              <a:rPr lang="de-DE" dirty="0"/>
-              <a:t> in </a:t>
-            </a:r>
-            <a:r>
-              <a:rPr lang="de-DE" dirty="0" err="1"/>
-              <a:t>Objective</a:t>
-            </a:r>
-            <a:r>
-              <a:rPr lang="de-DE" dirty="0"/>
-              <a:t>-C </a:t>
+              <a:t> UI</a:t>
             </a:r>
           </a:p>
           <a:p>
@@ -7109,8 +7942,136 @@
             <a:endParaRPr lang="de-DE" dirty="0"/>
           </a:p>
           <a:p>
+            <a:r>
+              <a:rPr lang="de-DE" dirty="0"/>
+              <a:t>End a </a:t>
+            </a:r>
+            <a:r>
+              <a:rPr lang="de-DE" dirty="0" err="1"/>
+              <a:t>players</a:t>
+            </a:r>
+            <a:r>
+              <a:rPr lang="de-DE" dirty="0"/>
+              <a:t> turn </a:t>
+            </a:r>
+            <a:r>
+              <a:rPr lang="de-DE" dirty="0" err="1"/>
+              <a:t>with</a:t>
+            </a:r>
+            <a:r>
+              <a:rPr lang="de-DE" dirty="0"/>
+              <a:t> </a:t>
+            </a:r>
+            <a:r>
+              <a:rPr lang="de-DE" dirty="0" err="1"/>
+              <a:t>help</a:t>
+            </a:r>
+            <a:r>
+              <a:rPr lang="de-DE" dirty="0"/>
+              <a:t> </a:t>
+            </a:r>
+            <a:r>
+              <a:rPr lang="de-DE" dirty="0" err="1"/>
+              <a:t>of</a:t>
+            </a:r>
+            <a:r>
+              <a:rPr lang="de-DE" dirty="0"/>
+              <a:t> light </a:t>
+            </a:r>
+            <a:r>
+              <a:rPr lang="de-DE" dirty="0" err="1"/>
+              <a:t>sensor</a:t>
+            </a:r>
             <a:endParaRPr lang="de-DE" dirty="0"/>
           </a:p>
+          <a:p>
+            <a:endParaRPr lang="de-DE" dirty="0"/>
+          </a:p>
+          <a:p>
+            <a:r>
+              <a:rPr lang="de-DE" dirty="0"/>
+              <a:t>Gravity </a:t>
+            </a:r>
+            <a:r>
+              <a:rPr lang="de-DE" dirty="0" err="1"/>
+              <a:t>stays</a:t>
+            </a:r>
+            <a:r>
+              <a:rPr lang="de-DE" dirty="0"/>
+              <a:t> </a:t>
+            </a:r>
+            <a:r>
+              <a:rPr lang="de-DE" dirty="0" err="1"/>
+              <a:t>the</a:t>
+            </a:r>
+            <a:r>
+              <a:rPr lang="de-DE" dirty="0"/>
+              <a:t> same, </a:t>
+            </a:r>
+            <a:r>
+              <a:rPr lang="de-DE" dirty="0" err="1"/>
+              <a:t>if</a:t>
+            </a:r>
+            <a:r>
+              <a:rPr lang="de-DE" dirty="0"/>
+              <a:t> </a:t>
+            </a:r>
+            <a:r>
+              <a:rPr lang="de-DE" dirty="0" err="1"/>
+              <a:t>you</a:t>
+            </a:r>
+            <a:r>
+              <a:rPr lang="de-DE" dirty="0"/>
+              <a:t> </a:t>
+            </a:r>
+            <a:r>
+              <a:rPr lang="de-DE" dirty="0" err="1"/>
+              <a:t>rotate</a:t>
+            </a:r>
+            <a:r>
+              <a:rPr lang="de-DE" dirty="0"/>
+              <a:t> </a:t>
+            </a:r>
+            <a:r>
+              <a:rPr lang="de-DE" dirty="0" err="1"/>
+              <a:t>around</a:t>
+            </a:r>
+            <a:r>
+              <a:rPr lang="de-DE" dirty="0"/>
+              <a:t> </a:t>
+            </a:r>
+            <a:r>
+              <a:rPr lang="de-DE" dirty="0" err="1"/>
+              <a:t>the</a:t>
+            </a:r>
+            <a:r>
+              <a:rPr lang="de-DE" dirty="0"/>
+              <a:t> </a:t>
+            </a:r>
+            <a:r>
+              <a:rPr lang="de-DE" dirty="0" err="1"/>
+              <a:t>gravity-axis</a:t>
+            </a:r>
+            <a:endParaRPr lang="de-DE" dirty="0"/>
+          </a:p>
+          <a:p>
+            <a:endParaRPr lang="de-DE" dirty="0"/>
+          </a:p>
+          <a:p>
+            <a:r>
+              <a:rPr lang="de-DE" dirty="0" err="1"/>
+              <a:t>IOKit</a:t>
+            </a:r>
+            <a:r>
+              <a:rPr lang="de-DE" dirty="0"/>
+              <a:t> </a:t>
+            </a:r>
+            <a:r>
+              <a:rPr lang="de-DE" dirty="0" err="1"/>
+              <a:t>LightSensor</a:t>
+            </a:r>
+            <a:endParaRPr lang="de-DE" dirty="0"/>
+          </a:p>
         </p:txBody>
       </p:sp>
       <p:sp>
@@ -7118,7 +8079,7 @@
           <p:cNvPr id="4" name="Slide Number Placeholder 3">
             <a:extLst>
               <a:ext uri="{FF2B5EF4-FFF2-40B4-BE49-F238E27FC236}">
-                <a16:creationId xmlns:a16="http://schemas.microsoft.com/office/drawing/2014/main" id="{B1D4263A-1CE1-43D3-9B43-5B347E0D97F4}"/>
+                <a16:creationId xmlns:a16="http://schemas.microsoft.com/office/drawing/2014/main" id="{C1153D38-4EBC-4B4B-9522-72E94921219F}"/>
               </a:ext>
             </a:extLst>
           </p:cNvPr>
@@ -7136,266 +8097,16 @@
           <a:p>
             <a:fld id="{5FA8D64E-092D-488F-9555-4FE258A6A447}" type="slidenum">
               <a:rPr lang="de-DE" smtClean="0"/>
-              <a:pPr/>
               <a:t>8</a:t>
             </a:fld>
-            <a:endParaRPr lang="de-DE" dirty="0"/>
-          </a:p>
-        </p:txBody>
-      </p:sp>
-      <p:sp>
-        <p:nvSpPr>
-          <p:cNvPr id="5" name="TextBox 4">
-            <a:extLst>
-              <a:ext uri="{FF2B5EF4-FFF2-40B4-BE49-F238E27FC236}">
-                <a16:creationId xmlns:a16="http://schemas.microsoft.com/office/drawing/2014/main" id="{422E8FB3-EC51-44C3-9D62-B07031AB1741}"/>
-              </a:ext>
-            </a:extLst>
-          </p:cNvPr>
-          <p:cNvSpPr txBox="1"/>
-          <p:nvPr/>
-        </p:nvSpPr>
-        <p:spPr>
-          <a:xfrm>
-            <a:off x="7390546" y="3105834"/>
-            <a:ext cx="4176444" cy="646331"/>
-          </a:xfrm>
-          <a:prstGeom prst="rect">
-            <a:avLst/>
-          </a:prstGeom>
-          <a:noFill/>
-        </p:spPr>
-        <p:txBody>
-          <a:bodyPr wrap="square" rtlCol="0">
-            <a:spAutoFit/>
-          </a:bodyPr>
-          <a:lstStyle/>
-          <a:p>
-            <a:r>
-              <a:rPr lang="de-DE" dirty="0" err="1"/>
-              <a:t>For</a:t>
-            </a:r>
-            <a:r>
-              <a:rPr lang="de-DE" dirty="0"/>
-              <a:t> </a:t>
-            </a:r>
-            <a:r>
-              <a:rPr lang="de-DE" dirty="0" err="1"/>
-              <a:t>the</a:t>
-            </a:r>
-            <a:r>
-              <a:rPr lang="de-DE" dirty="0"/>
-              <a:t> </a:t>
-            </a:r>
-            <a:r>
-              <a:rPr lang="de-DE" b="1" dirty="0" err="1"/>
-              <a:t>masochists</a:t>
-            </a:r>
-            <a:r>
-              <a:rPr lang="de-DE" b="1" dirty="0"/>
-              <a:t>:</a:t>
-            </a:r>
-            <a:endParaRPr lang="de-DE" dirty="0"/>
-          </a:p>
-          <a:p>
-            <a:r>
-              <a:rPr lang="de-DE" dirty="0"/>
-              <a:t>- </a:t>
-            </a:r>
-            <a:r>
-              <a:rPr lang="de-DE" b="1" u="sng" dirty="0" err="1"/>
-              <a:t>IOKit</a:t>
-            </a:r>
-            <a:endParaRPr lang="de-DE" b="1" u="sng" dirty="0"/>
-          </a:p>
-        </p:txBody>
-      </p:sp>
-      <p:sp>
-        <p:nvSpPr>
-          <p:cNvPr id="6" name="TextBox 5">
-            <a:extLst>
-              <a:ext uri="{FF2B5EF4-FFF2-40B4-BE49-F238E27FC236}">
-                <a16:creationId xmlns:a16="http://schemas.microsoft.com/office/drawing/2014/main" id="{B02F673B-0C25-499C-8163-4DC14CF0C607}"/>
-              </a:ext>
-            </a:extLst>
-          </p:cNvPr>
-          <p:cNvSpPr txBox="1"/>
-          <p:nvPr/>
-        </p:nvSpPr>
-        <p:spPr>
-          <a:xfrm>
-            <a:off x="7457328" y="681037"/>
-            <a:ext cx="4176444" cy="1000274"/>
-          </a:xfrm>
-          <a:prstGeom prst="rect">
-            <a:avLst/>
-          </a:prstGeom>
-          <a:noFill/>
-        </p:spPr>
-        <p:txBody>
-          <a:bodyPr wrap="square" rtlCol="0">
-            <a:spAutoFit/>
-          </a:bodyPr>
-          <a:lstStyle/>
-          <a:p>
-            <a:r>
-              <a:rPr lang="de-DE" sz="2300" b="1" dirty="0" err="1"/>
-              <a:t>What</a:t>
-            </a:r>
-            <a:r>
-              <a:rPr lang="de-DE" sz="2300" b="1" dirty="0"/>
-              <a:t> </a:t>
-            </a:r>
-            <a:r>
-              <a:rPr lang="de-DE" sz="2300" b="1" dirty="0" err="1"/>
-              <a:t>we</a:t>
-            </a:r>
-            <a:r>
-              <a:rPr lang="de-DE" sz="2300" b="1" dirty="0"/>
-              <a:t> </a:t>
-            </a:r>
-            <a:r>
-              <a:rPr lang="de-DE" sz="2300" b="1" dirty="0" err="1"/>
-              <a:t>used</a:t>
-            </a:r>
-            <a:r>
-              <a:rPr lang="de-DE" sz="2300" dirty="0"/>
-              <a:t>:</a:t>
-            </a:r>
-            <a:endParaRPr lang="de-DE" dirty="0"/>
-          </a:p>
-          <a:p>
-            <a:pPr marL="285750" indent="-285750">
-              <a:buFontTx/>
-              <a:buChar char="-"/>
-            </a:pPr>
-            <a:r>
-              <a:rPr lang="de-DE" b="1" u="sng" dirty="0" err="1"/>
-              <a:t>ARKit</a:t>
-            </a:r>
-            <a:endParaRPr lang="de-DE" b="1" u="sng" dirty="0"/>
-          </a:p>
-          <a:p>
-            <a:r>
-              <a:rPr lang="de-DE" dirty="0" err="1"/>
-              <a:t>Reason</a:t>
-            </a:r>
-            <a:r>
-              <a:rPr lang="de-DE" dirty="0"/>
-              <a:t>: </a:t>
-            </a:r>
-            <a:r>
-              <a:rPr lang="de-DE" dirty="0" err="1"/>
-              <a:t>Easiest</a:t>
-            </a:r>
-            <a:r>
-              <a:rPr lang="de-DE" dirty="0"/>
-              <a:t> </a:t>
-            </a:r>
-            <a:r>
-              <a:rPr lang="de-DE" dirty="0" err="1"/>
-              <a:t>to</a:t>
-            </a:r>
-            <a:r>
-              <a:rPr lang="de-DE" dirty="0"/>
-              <a:t> </a:t>
-            </a:r>
-            <a:r>
-              <a:rPr lang="de-DE" dirty="0" err="1"/>
-              <a:t>implement</a:t>
-            </a:r>
-            <a:endParaRPr lang="de-DE" dirty="0"/>
-          </a:p>
-        </p:txBody>
-      </p:sp>
-      <p:sp>
-        <p:nvSpPr>
-          <p:cNvPr id="7" name="TextBox 6">
-            <a:extLst>
-              <a:ext uri="{FF2B5EF4-FFF2-40B4-BE49-F238E27FC236}">
-                <a16:creationId xmlns:a16="http://schemas.microsoft.com/office/drawing/2014/main" id="{D0BA2693-12E8-488E-AC72-9098489E5762}"/>
-              </a:ext>
-            </a:extLst>
-          </p:cNvPr>
-          <p:cNvSpPr txBox="1"/>
-          <p:nvPr/>
-        </p:nvSpPr>
-        <p:spPr>
-          <a:xfrm>
-            <a:off x="7390546" y="1825625"/>
-            <a:ext cx="4176444" cy="1000274"/>
-          </a:xfrm>
-          <a:prstGeom prst="rect">
-            <a:avLst/>
-          </a:prstGeom>
-          <a:noFill/>
-        </p:spPr>
-        <p:txBody>
-          <a:bodyPr wrap="square" rtlCol="0">
-            <a:spAutoFit/>
-          </a:bodyPr>
-          <a:lstStyle/>
-          <a:p>
-            <a:r>
-              <a:rPr lang="de-DE" sz="2300" dirty="0" err="1"/>
-              <a:t>Our</a:t>
-            </a:r>
-            <a:r>
-              <a:rPr lang="de-DE" sz="2300" dirty="0"/>
-              <a:t> </a:t>
-            </a:r>
-            <a:r>
-              <a:rPr lang="de-DE" sz="2300" b="1" dirty="0" err="1"/>
-              <a:t>Recommendation</a:t>
-            </a:r>
-            <a:r>
-              <a:rPr lang="de-DE" sz="2300" dirty="0"/>
-              <a:t>:</a:t>
-            </a:r>
-          </a:p>
-          <a:p>
-            <a:r>
-              <a:rPr lang="de-DE" dirty="0" err="1"/>
-              <a:t>If</a:t>
-            </a:r>
-            <a:r>
-              <a:rPr lang="de-DE" dirty="0"/>
-              <a:t> </a:t>
-            </a:r>
-            <a:r>
-              <a:rPr lang="de-DE" dirty="0" err="1"/>
-              <a:t>you</a:t>
-            </a:r>
-            <a:r>
-              <a:rPr lang="de-DE" dirty="0"/>
-              <a:t> </a:t>
-            </a:r>
-            <a:r>
-              <a:rPr lang="de-DE" dirty="0" err="1"/>
-              <a:t>have</a:t>
-            </a:r>
-            <a:r>
-              <a:rPr lang="de-DE" dirty="0"/>
-              <a:t> Time:</a:t>
-            </a:r>
-          </a:p>
-          <a:p>
-            <a:pPr marL="285750" indent="-285750">
-              <a:buFontTx/>
-              <a:buChar char="-"/>
-            </a:pPr>
-            <a:r>
-              <a:rPr lang="de-DE" b="1" u="sng" dirty="0" err="1"/>
-              <a:t>AVFoundatation</a:t>
-            </a:r>
-            <a:endParaRPr lang="de-DE" b="1" u="sng" dirty="0"/>
+            <a:endParaRPr lang="de-DE"/>
           </a:p>
         </p:txBody>
       </p:sp>
     </p:spTree>
     <p:extLst>
       <p:ext uri="{BB962C8B-B14F-4D97-AF65-F5344CB8AC3E}">
-        <p14:creationId xmlns:p14="http://schemas.microsoft.com/office/powerpoint/2010/main" val="2792679453"/>
+        <p14:creationId xmlns:p14="http://schemas.microsoft.com/office/powerpoint/2010/main" val="1686700181"/>
       </p:ext>
     </p:extLst>
   </p:cSld>
@@ -7427,7 +8138,7 @@
           <p:cNvPr id="2" name="Title 1">
             <a:extLst>
               <a:ext uri="{FF2B5EF4-FFF2-40B4-BE49-F238E27FC236}">
-                <a16:creationId xmlns:a16="http://schemas.microsoft.com/office/drawing/2014/main" id="{BF814580-D26F-4187-AB72-571B59DB4B12}"/>
+                <a16:creationId xmlns:a16="http://schemas.microsoft.com/office/drawing/2014/main" id="{778748A8-6B82-4C28-8926-9EBE0D828E80}"/>
               </a:ext>
             </a:extLst>
           </p:cNvPr>
@@ -7436,20 +8147,379 @@
           </p:cNvSpPr>
           <p:nvPr>
             <p:ph type="title"/>
+          </p:nvPr>
+        </p:nvSpPr>
+        <p:spPr/>
+        <p:txBody>
+          <a:bodyPr/>
+          <a:lstStyle/>
+          <a:p>
+            <a:r>
+              <a:rPr lang="de-DE" dirty="0"/>
+              <a:t>Light Sensor and </a:t>
+            </a:r>
+            <a:r>
+              <a:rPr lang="de-DE" dirty="0" err="1"/>
+              <a:t>IOKit</a:t>
+            </a:r>
+            <a:endParaRPr lang="de-DE" dirty="0"/>
+          </a:p>
+        </p:txBody>
+      </p:sp>
+      <p:sp>
+        <p:nvSpPr>
+          <p:cNvPr id="3" name="Content Placeholder 2">
+            <a:extLst>
+              <a:ext uri="{FF2B5EF4-FFF2-40B4-BE49-F238E27FC236}">
+                <a16:creationId xmlns:a16="http://schemas.microsoft.com/office/drawing/2014/main" id="{2F12F616-1822-4585-8E15-C81590209E1C}"/>
+              </a:ext>
+            </a:extLst>
+          </p:cNvPr>
+          <p:cNvSpPr>
+            <a:spLocks noGrp="1"/>
+          </p:cNvSpPr>
+          <p:nvPr>
+            <p:ph idx="1"/>
           </p:nvPr>
         </p:nvSpPr>
         <p:spPr>
           <a:xfrm>
-            <a:off x="6217821" y="486846"/>
-            <a:ext cx="5556499" cy="986790"/>
+            <a:off x="838200" y="1825625"/>
+            <a:ext cx="10515600" cy="4351338"/>
           </a:xfrm>
         </p:spPr>
         <p:txBody>
-          <a:bodyPr>
-            <a:normAutofit/>
-          </a:bodyPr>
-          <a:lstStyle/>
-          <a:p>
+          <a:bodyPr/>
+          <a:lstStyle/>
+          <a:p>
+            <a:r>
+              <a:rPr lang="de-DE" dirty="0"/>
+              <a:t>Ambient Light Sensor</a:t>
+            </a:r>
+          </a:p>
+          <a:p>
+            <a:pPr lvl="1"/>
+            <a:r>
+              <a:rPr lang="de-DE" dirty="0" err="1"/>
+              <a:t>Has</a:t>
+            </a:r>
+            <a:r>
+              <a:rPr lang="de-DE" dirty="0"/>
+              <a:t> </a:t>
+            </a:r>
+            <a:r>
+              <a:rPr lang="de-DE" dirty="0" err="1"/>
+              <a:t>no</a:t>
+            </a:r>
+            <a:r>
+              <a:rPr lang="de-DE" dirty="0"/>
+              <a:t> </a:t>
+            </a:r>
+            <a:r>
+              <a:rPr lang="de-DE" dirty="0" err="1"/>
+              <a:t>dedicated</a:t>
+            </a:r>
+            <a:r>
+              <a:rPr lang="de-DE" dirty="0"/>
+              <a:t> Framework</a:t>
+            </a:r>
+          </a:p>
+          <a:p>
+            <a:pPr lvl="1"/>
+            <a:r>
+              <a:rPr lang="de-DE" dirty="0" err="1"/>
+              <a:t>Therefore</a:t>
+            </a:r>
+            <a:r>
+              <a:rPr lang="de-DE" dirty="0"/>
+              <a:t> </a:t>
+            </a:r>
+            <a:r>
+              <a:rPr lang="de-DE" dirty="0" err="1"/>
+              <a:t>one</a:t>
+            </a:r>
+            <a:r>
+              <a:rPr lang="de-DE" dirty="0"/>
+              <a:t> </a:t>
+            </a:r>
+            <a:r>
+              <a:rPr lang="de-DE" dirty="0" err="1"/>
+              <a:t>can</a:t>
+            </a:r>
+            <a:r>
+              <a:rPr lang="de-DE" dirty="0"/>
+              <a:t> </a:t>
+            </a:r>
+            <a:r>
+              <a:rPr lang="de-DE" dirty="0" err="1"/>
+              <a:t>use</a:t>
+            </a:r>
+            <a:r>
+              <a:rPr lang="de-DE" dirty="0"/>
+              <a:t> </a:t>
+            </a:r>
+            <a:r>
+              <a:rPr lang="de-DE" dirty="0" err="1"/>
+              <a:t>one</a:t>
+            </a:r>
+            <a:r>
+              <a:rPr lang="de-DE" dirty="0"/>
+              <a:t> </a:t>
+            </a:r>
+            <a:r>
+              <a:rPr lang="de-DE" dirty="0" err="1"/>
+              <a:t>of</a:t>
+            </a:r>
+            <a:r>
+              <a:rPr lang="de-DE" dirty="0"/>
+              <a:t> </a:t>
+            </a:r>
+            <a:r>
+              <a:rPr lang="de-DE" dirty="0" err="1"/>
+              <a:t>the</a:t>
+            </a:r>
+            <a:r>
+              <a:rPr lang="de-DE" dirty="0"/>
+              <a:t> </a:t>
+            </a:r>
+            <a:r>
+              <a:rPr lang="de-DE" dirty="0" err="1"/>
+              <a:t>following</a:t>
+            </a:r>
+            <a:r>
+              <a:rPr lang="de-DE" dirty="0"/>
+              <a:t>:</a:t>
+            </a:r>
+          </a:p>
+          <a:p>
+            <a:pPr lvl="2"/>
+            <a:r>
+              <a:rPr lang="de-DE" dirty="0" err="1"/>
+              <a:t>AVFoundation</a:t>
+            </a:r>
+            <a:r>
+              <a:rPr lang="de-DE" dirty="0"/>
+              <a:t>(</a:t>
+            </a:r>
+            <a:r>
+              <a:rPr lang="de-DE" dirty="0" err="1"/>
+              <a:t>For</a:t>
+            </a:r>
+            <a:r>
+              <a:rPr lang="de-DE" dirty="0"/>
+              <a:t> </a:t>
+            </a:r>
+            <a:r>
+              <a:rPr lang="de-DE" dirty="0" err="1"/>
+              <a:t>vanella</a:t>
+            </a:r>
+            <a:r>
+              <a:rPr lang="de-DE" dirty="0"/>
+              <a:t> </a:t>
+            </a:r>
+            <a:r>
+              <a:rPr lang="de-DE" dirty="0" err="1"/>
+              <a:t>camera</a:t>
+            </a:r>
+            <a:r>
+              <a:rPr lang="de-DE" dirty="0"/>
+              <a:t> </a:t>
+            </a:r>
+            <a:r>
+              <a:rPr lang="de-DE" dirty="0" err="1"/>
+              <a:t>data</a:t>
+            </a:r>
+            <a:r>
+              <a:rPr lang="de-DE" dirty="0"/>
+              <a:t>)</a:t>
+            </a:r>
+          </a:p>
+          <a:p>
+            <a:pPr lvl="2"/>
+            <a:r>
+              <a:rPr lang="de-DE" dirty="0" err="1"/>
+              <a:t>ARKit</a:t>
+            </a:r>
+            <a:r>
+              <a:rPr lang="de-DE" dirty="0"/>
+              <a:t> (</a:t>
+            </a:r>
+            <a:r>
+              <a:rPr lang="de-DE" dirty="0" err="1"/>
+              <a:t>Camera</a:t>
+            </a:r>
+            <a:r>
+              <a:rPr lang="de-DE" dirty="0"/>
+              <a:t> </a:t>
+            </a:r>
+            <a:r>
+              <a:rPr lang="de-DE" dirty="0" err="1"/>
+              <a:t>data</a:t>
+            </a:r>
+            <a:r>
+              <a:rPr lang="de-DE" dirty="0"/>
+              <a:t> </a:t>
+            </a:r>
+            <a:r>
+              <a:rPr lang="de-DE" dirty="0" err="1"/>
+              <a:t>with</a:t>
+            </a:r>
+            <a:r>
+              <a:rPr lang="de-DE" dirty="0"/>
+              <a:t> </a:t>
+            </a:r>
+            <a:r>
+              <a:rPr lang="de-DE" dirty="0" err="1"/>
+              <a:t>Augmented</a:t>
+            </a:r>
+            <a:r>
+              <a:rPr lang="de-DE" dirty="0"/>
+              <a:t> Reality) </a:t>
+            </a:r>
+          </a:p>
+          <a:p>
+            <a:pPr lvl="2"/>
+            <a:r>
+              <a:rPr lang="de-DE" dirty="0" err="1"/>
+              <a:t>IOKit</a:t>
+            </a:r>
+            <a:r>
+              <a:rPr lang="de-DE" dirty="0"/>
+              <a:t> (Must </a:t>
+            </a:r>
+            <a:r>
+              <a:rPr lang="de-DE" dirty="0" err="1"/>
+              <a:t>use</a:t>
+            </a:r>
+            <a:r>
+              <a:rPr lang="de-DE" dirty="0"/>
+              <a:t> </a:t>
+            </a:r>
+            <a:r>
+              <a:rPr lang="de-DE" dirty="0" err="1"/>
+              <a:t>ObjectiveC</a:t>
+            </a:r>
+            <a:r>
+              <a:rPr lang="de-DE" dirty="0"/>
+              <a:t>)</a:t>
+            </a:r>
+          </a:p>
+          <a:p>
+            <a:r>
+              <a:rPr lang="de-DE" dirty="0" err="1"/>
+              <a:t>IOKit</a:t>
+            </a:r>
+            <a:endParaRPr lang="de-DE" dirty="0"/>
+          </a:p>
+          <a:p>
+            <a:pPr lvl="1"/>
+            <a:r>
+              <a:rPr lang="de-DE" dirty="0"/>
+              <a:t>Not </a:t>
+            </a:r>
+            <a:r>
+              <a:rPr lang="de-DE" dirty="0" err="1"/>
+              <a:t>supported</a:t>
+            </a:r>
+            <a:r>
+              <a:rPr lang="de-DE" dirty="0"/>
+              <a:t> </a:t>
+            </a:r>
+            <a:r>
+              <a:rPr lang="de-DE" dirty="0" err="1"/>
+              <a:t>by</a:t>
+            </a:r>
+            <a:r>
+              <a:rPr lang="de-DE" dirty="0"/>
+              <a:t> Apple. </a:t>
+            </a:r>
+          </a:p>
+          <a:p>
+            <a:pPr lvl="2"/>
+            <a:r>
+              <a:rPr lang="de-DE" dirty="0" err="1"/>
+              <a:t>Develop</a:t>
+            </a:r>
+            <a:r>
+              <a:rPr lang="de-DE" dirty="0"/>
+              <a:t> will </a:t>
+            </a:r>
+            <a:r>
+              <a:rPr lang="de-DE" dirty="0" err="1"/>
+              <a:t>have</a:t>
+            </a:r>
+            <a:r>
+              <a:rPr lang="de-DE" dirty="0"/>
+              <a:t> </a:t>
+            </a:r>
+            <a:r>
+              <a:rPr lang="de-DE" dirty="0" err="1"/>
+              <a:t>problems</a:t>
+            </a:r>
+            <a:r>
+              <a:rPr lang="de-DE" dirty="0"/>
+              <a:t> </a:t>
+            </a:r>
+            <a:r>
+              <a:rPr lang="de-DE" dirty="0" err="1"/>
+              <a:t>publishing</a:t>
+            </a:r>
+            <a:r>
+              <a:rPr lang="de-DE" dirty="0"/>
+              <a:t> </a:t>
+            </a:r>
+            <a:r>
+              <a:rPr lang="de-DE" dirty="0" err="1"/>
+              <a:t>with</a:t>
+            </a:r>
+            <a:r>
+              <a:rPr lang="de-DE" dirty="0"/>
+              <a:t> </a:t>
+            </a:r>
+            <a:r>
+              <a:rPr lang="de-DE" dirty="0" err="1"/>
+              <a:t>this</a:t>
+            </a:r>
+            <a:r>
+              <a:rPr lang="de-DE" dirty="0"/>
+              <a:t> </a:t>
+            </a:r>
+            <a:r>
+              <a:rPr lang="de-DE" dirty="0" err="1"/>
+              <a:t>framework</a:t>
+            </a:r>
+            <a:endParaRPr lang="de-DE" dirty="0"/>
+          </a:p>
+          <a:p>
+            <a:pPr lvl="1"/>
+            <a:r>
+              <a:rPr lang="de-DE" dirty="0"/>
+              <a:t>Can </a:t>
+            </a:r>
+            <a:r>
+              <a:rPr lang="de-DE" dirty="0" err="1"/>
+              <a:t>only</a:t>
+            </a:r>
+            <a:r>
+              <a:rPr lang="de-DE" dirty="0"/>
+              <a:t> </a:t>
+            </a:r>
+            <a:r>
+              <a:rPr lang="de-DE" dirty="0" err="1"/>
+              <a:t>be</a:t>
+            </a:r>
+            <a:r>
+              <a:rPr lang="de-DE" dirty="0"/>
+              <a:t> </a:t>
+            </a:r>
+            <a:r>
+              <a:rPr lang="de-DE" dirty="0" err="1"/>
+              <a:t>used</a:t>
+            </a:r>
+            <a:r>
+              <a:rPr lang="de-DE" dirty="0"/>
+              <a:t> in </a:t>
+            </a:r>
             <a:r>
               <a:rPr lang="de-DE" dirty="0" err="1"/>
               <a:t>Objective</a:t>
@@ -7458,58 +8528,24 @@
               <a:rPr lang="de-DE" dirty="0"/>
               <a:t>-C </a:t>
             </a:r>
-            <a:r>
-              <a:rPr lang="de-DE" dirty="0" err="1"/>
-              <a:t>to</a:t>
-            </a:r>
-            <a:r>
-              <a:rPr lang="de-DE" dirty="0"/>
-              <a:t> Swift</a:t>
-            </a:r>
-          </a:p>
-        </p:txBody>
-      </p:sp>
-      <p:pic>
-        <p:nvPicPr>
-          <p:cNvPr id="6" name="Content Placeholder 5" descr="A screenshot of a social media post&#10;&#10;Description automatically generated">
-            <a:extLst>
-              <a:ext uri="{FF2B5EF4-FFF2-40B4-BE49-F238E27FC236}">
-                <a16:creationId xmlns:a16="http://schemas.microsoft.com/office/drawing/2014/main" id="{D427F02F-2778-498B-9D47-C23D4287352C}"/>
-              </a:ext>
-            </a:extLst>
-          </p:cNvPr>
-          <p:cNvPicPr>
-            <a:picLocks noGrp="1" noChangeAspect="1"/>
-          </p:cNvPicPr>
-          <p:nvPr>
-            <p:ph idx="1"/>
-          </p:nvPr>
-        </p:nvPicPr>
-        <p:blipFill>
-          <a:blip r:embed="rId2">
-            <a:extLst>
-              <a:ext uri="{28A0092B-C50C-407E-A947-70E740481C1C}">
-                <a14:useLocalDpi xmlns:a14="http://schemas.microsoft.com/office/drawing/2010/main" val="0"/>
-              </a:ext>
-            </a:extLst>
-          </a:blip>
-          <a:stretch>
-            <a:fillRect/>
-          </a:stretch>
-        </p:blipFill>
-        <p:spPr>
-          <a:xfrm>
-            <a:off x="129554" y="1032553"/>
-            <a:ext cx="5670589" cy="3138755"/>
-          </a:xfrm>
-        </p:spPr>
-      </p:pic>
+          </a:p>
+          <a:p>
+            <a:pPr marL="0" indent="0">
+              <a:buNone/>
+            </a:pPr>
+            <a:endParaRPr lang="de-DE" dirty="0"/>
+          </a:p>
+          <a:p>
+            <a:endParaRPr lang="de-DE" dirty="0"/>
+          </a:p>
+        </p:txBody>
+      </p:sp>
       <p:sp>
         <p:nvSpPr>
           <p:cNvPr id="4" name="Slide Number Placeholder 3">
             <a:extLst>
               <a:ext uri="{FF2B5EF4-FFF2-40B4-BE49-F238E27FC236}">
-                <a16:creationId xmlns:a16="http://schemas.microsoft.com/office/drawing/2014/main" id="{77279372-2121-4DDF-9CFD-7998AA2B9215}"/>
+                <a16:creationId xmlns:a16="http://schemas.microsoft.com/office/drawing/2014/main" id="{B1D4263A-1CE1-43D3-9B43-5B347E0D97F4}"/>
               </a:ext>
             </a:extLst>
           </p:cNvPr>
@@ -7534,94 +8570,22 @@
           </a:p>
         </p:txBody>
       </p:sp>
-      <p:pic>
-        <p:nvPicPr>
-          <p:cNvPr id="8" name="Picture 7" descr="A screenshot of a social media post&#10;&#10;Description automatically generated">
-            <a:extLst>
-              <a:ext uri="{FF2B5EF4-FFF2-40B4-BE49-F238E27FC236}">
-                <a16:creationId xmlns:a16="http://schemas.microsoft.com/office/drawing/2014/main" id="{C77A5B33-FC20-4677-B80D-464B23001857}"/>
-              </a:ext>
-            </a:extLst>
-          </p:cNvPr>
-          <p:cNvPicPr>
-            <a:picLocks noChangeAspect="1"/>
-          </p:cNvPicPr>
+      <p:sp>
+        <p:nvSpPr>
+          <p:cNvPr id="5" name="TextBox 4">
+            <a:extLst>
+              <a:ext uri="{FF2B5EF4-FFF2-40B4-BE49-F238E27FC236}">
+                <a16:creationId xmlns:a16="http://schemas.microsoft.com/office/drawing/2014/main" id="{422E8FB3-EC51-44C3-9D62-B07031AB1741}"/>
+              </a:ext>
+            </a:extLst>
+          </p:cNvPr>
+          <p:cNvSpPr txBox="1"/>
           <p:nvPr/>
-        </p:nvPicPr>
-        <p:blipFill>
-          <a:blip r:embed="rId3">
-            <a:extLst>
-              <a:ext uri="{28A0092B-C50C-407E-A947-70E740481C1C}">
-                <a14:useLocalDpi xmlns:a14="http://schemas.microsoft.com/office/drawing/2010/main" val="0"/>
-              </a:ext>
-            </a:extLst>
-          </a:blip>
-          <a:stretch>
-            <a:fillRect/>
-          </a:stretch>
-        </p:blipFill>
+        </p:nvSpPr>
         <p:spPr>
           <a:xfrm>
-            <a:off x="5800143" y="2931488"/>
-            <a:ext cx="6391857" cy="3926512"/>
-          </a:xfrm>
-          <a:prstGeom prst="rect">
-            <a:avLst/>
-          </a:prstGeom>
-        </p:spPr>
-      </p:pic>
-      <p:pic>
-        <p:nvPicPr>
-          <p:cNvPr id="10" name="Picture 9" descr="A screenshot of a social media post&#10;&#10;Description automatically generated">
-            <a:extLst>
-              <a:ext uri="{FF2B5EF4-FFF2-40B4-BE49-F238E27FC236}">
-                <a16:creationId xmlns:a16="http://schemas.microsoft.com/office/drawing/2014/main" id="{DB407BD8-510E-40EC-8811-9984005CB0B0}"/>
-              </a:ext>
-            </a:extLst>
-          </p:cNvPr>
-          <p:cNvPicPr>
-            <a:picLocks noChangeAspect="1"/>
-          </p:cNvPicPr>
-          <p:nvPr/>
-        </p:nvPicPr>
-        <p:blipFill>
-          <a:blip r:embed="rId4">
-            <a:extLst>
-              <a:ext uri="{28A0092B-C50C-407E-A947-70E740481C1C}">
-                <a14:useLocalDpi xmlns:a14="http://schemas.microsoft.com/office/drawing/2010/main" val="0"/>
-              </a:ext>
-            </a:extLst>
-          </a:blip>
-          <a:stretch>
-            <a:fillRect/>
-          </a:stretch>
-        </p:blipFill>
-        <p:spPr>
-          <a:xfrm>
-            <a:off x="0" y="4769895"/>
-            <a:ext cx="6068472" cy="1152763"/>
-          </a:xfrm>
-          <a:prstGeom prst="rect">
-            <a:avLst/>
-          </a:prstGeom>
-        </p:spPr>
-      </p:pic>
-      <p:sp>
-        <p:nvSpPr>
-          <p:cNvPr id="11" name="TextBox 10">
-            <a:extLst>
-              <a:ext uri="{FF2B5EF4-FFF2-40B4-BE49-F238E27FC236}">
-                <a16:creationId xmlns:a16="http://schemas.microsoft.com/office/drawing/2014/main" id="{8E8C498E-7B56-4807-8DC6-ECC75601981D}"/>
-              </a:ext>
-            </a:extLst>
-          </p:cNvPr>
-          <p:cNvSpPr txBox="1"/>
-          <p:nvPr/>
-        </p:nvSpPr>
-        <p:spPr>
-          <a:xfrm>
-            <a:off x="513708" y="4171308"/>
-            <a:ext cx="3580544" cy="646331"/>
+            <a:off x="7390546" y="3105834"/>
+            <a:ext cx="4176444" cy="646331"/>
           </a:xfrm>
           <a:prstGeom prst="rect">
             <a:avLst/>
@@ -7635,54 +8599,50 @@
           <a:lstStyle/>
           <a:p>
             <a:r>
+              <a:rPr lang="de-DE" dirty="0" err="1"/>
+              <a:t>For</a:t>
+            </a:r>
+            <a:r>
+              <a:rPr lang="de-DE" dirty="0"/>
+              <a:t> </a:t>
+            </a:r>
+            <a:r>
+              <a:rPr lang="de-DE" dirty="0" err="1"/>
+              <a:t>the</a:t>
+            </a:r>
+            <a:r>
+              <a:rPr lang="de-DE" dirty="0"/>
+              <a:t> </a:t>
+            </a:r>
+            <a:r>
+              <a:rPr lang="de-DE" b="1" dirty="0" err="1"/>
+              <a:t>masochists</a:t>
+            </a:r>
+            <a:r>
               <a:rPr lang="de-DE" b="1" dirty="0"/>
-              <a:t>Bridge Header </a:t>
-            </a:r>
-            <a:r>
-              <a:rPr lang="de-DE" dirty="0"/>
-              <a:t>– </a:t>
-            </a:r>
-            <a:r>
-              <a:rPr lang="de-DE" dirty="0" err="1"/>
-              <a:t>Used</a:t>
-            </a:r>
-            <a:r>
-              <a:rPr lang="de-DE" dirty="0"/>
-              <a:t> </a:t>
-            </a:r>
-            <a:r>
-              <a:rPr lang="de-DE" dirty="0" err="1"/>
-              <a:t>to</a:t>
-            </a:r>
-            <a:r>
-              <a:rPr lang="de-DE" dirty="0"/>
-              <a:t> connect </a:t>
-            </a:r>
-            <a:r>
-              <a:rPr lang="de-DE" dirty="0" err="1"/>
-              <a:t>Objective</a:t>
-            </a:r>
-            <a:r>
-              <a:rPr lang="de-DE" dirty="0"/>
-              <a:t> C code </a:t>
-            </a:r>
-            <a:r>
-              <a:rPr lang="de-DE" dirty="0" err="1"/>
-              <a:t>to</a:t>
-            </a:r>
-            <a:r>
-              <a:rPr lang="de-DE" dirty="0"/>
-              <a:t> Swift</a:t>
-            </a:r>
-          </a:p>
-        </p:txBody>
-      </p:sp>
-      <p:sp>
-        <p:nvSpPr>
-          <p:cNvPr id="12" name="TextBox 11">
-            <a:extLst>
-              <a:ext uri="{FF2B5EF4-FFF2-40B4-BE49-F238E27FC236}">
-                <a16:creationId xmlns:a16="http://schemas.microsoft.com/office/drawing/2014/main" id="{4D8C4534-1830-4BD0-B2CF-0E9D8C0AABAD}"/>
+              <a:t>:</a:t>
+            </a:r>
+            <a:endParaRPr lang="de-DE" dirty="0"/>
+          </a:p>
+          <a:p>
+            <a:r>
+              <a:rPr lang="de-DE" dirty="0"/>
+              <a:t>- </a:t>
+            </a:r>
+            <a:r>
+              <a:rPr lang="de-DE" b="1" u="sng" dirty="0" err="1"/>
+              <a:t>IOKit</a:t>
+            </a:r>
+            <a:endParaRPr lang="de-DE" b="1" u="sng" dirty="0"/>
+          </a:p>
+        </p:txBody>
+      </p:sp>
+      <p:sp>
+        <p:nvSpPr>
+          <p:cNvPr id="6" name="TextBox 5">
+            <a:extLst>
+              <a:ext uri="{FF2B5EF4-FFF2-40B4-BE49-F238E27FC236}">
+                <a16:creationId xmlns:a16="http://schemas.microsoft.com/office/drawing/2014/main" id="{B02F673B-0C25-499C-8163-4DC14CF0C607}"/>
               </a:ext>
             </a:extLst>
           </p:cNvPr>
@@ -7691,8 +8651,8 @@
         </p:nvSpPr>
         <p:spPr>
           <a:xfrm>
-            <a:off x="231169" y="333910"/>
-            <a:ext cx="4715838" cy="646331"/>
+            <a:off x="7457328" y="681037"/>
+            <a:ext cx="4176444" cy="1000274"/>
           </a:xfrm>
           <a:prstGeom prst="rect">
             <a:avLst/>
@@ -7706,14 +8666,56 @@
           <a:lstStyle/>
           <a:p>
             <a:r>
-              <a:rPr lang="de-DE" b="1" dirty="0"/>
-              <a:t>.h File </a:t>
-            </a:r>
-            <a:r>
-              <a:rPr lang="de-DE" dirty="0" err="1"/>
+              <a:rPr lang="de-DE" sz="2300" b="1" dirty="0" err="1"/>
+              <a:t>What</a:t>
+            </a:r>
+            <a:r>
+              <a:rPr lang="de-DE" sz="2300" b="1" dirty="0"/>
+              <a:t> </a:t>
+            </a:r>
+            <a:r>
+              <a:rPr lang="de-DE" sz="2300" b="1" dirty="0" err="1"/>
+              <a:t>we</a:t>
+            </a:r>
+            <a:r>
+              <a:rPr lang="de-DE" sz="2300" b="1" dirty="0"/>
+              <a:t> </a:t>
+            </a:r>
+            <a:r>
+              <a:rPr lang="de-DE" sz="2300" b="1" dirty="0" err="1"/>
               <a:t>used</a:t>
             </a:r>
             <a:r>
+              <a:rPr lang="de-DE" sz="2300" dirty="0"/>
+              <a:t>:</a:t>
+            </a:r>
+            <a:endParaRPr lang="de-DE" dirty="0"/>
+          </a:p>
+          <a:p>
+            <a:pPr marL="285750" indent="-285750">
+              <a:buFontTx/>
+              <a:buChar char="-"/>
+            </a:pPr>
+            <a:r>
+              <a:rPr lang="de-DE" b="1" u="sng" dirty="0" err="1"/>
+              <a:t>ARKit</a:t>
+            </a:r>
+            <a:endParaRPr lang="de-DE" b="1" u="sng" dirty="0"/>
+          </a:p>
+          <a:p>
+            <a:r>
+              <a:rPr lang="de-DE" dirty="0" err="1"/>
+              <a:t>Reason</a:t>
+            </a:r>
+            <a:r>
+              <a:rPr lang="de-DE" dirty="0"/>
+              <a:t>: </a:t>
+            </a:r>
+            <a:r>
+              <a:rPr lang="de-DE" dirty="0" err="1"/>
+              <a:t>Easiest</a:t>
+            </a:r>
+            <a:r>
               <a:rPr lang="de-DE" dirty="0"/>
               <a:t> </a:t>
             </a:r>
@@ -7727,81 +8729,18 @@
             </a:r>
             <a:r>
               <a:rPr lang="de-DE" dirty="0" err="1"/>
-              <a:t>initialise</a:t>
-            </a:r>
-            <a:r>
-              <a:rPr lang="de-DE" dirty="0"/>
-              <a:t> all variables </a:t>
-            </a:r>
-            <a:r>
-              <a:rPr lang="de-DE" dirty="0" err="1"/>
-              <a:t>the</a:t>
-            </a:r>
-            <a:r>
-              <a:rPr lang="de-DE" dirty="0"/>
-              <a:t> </a:t>
-            </a:r>
-            <a:r>
-              <a:rPr lang="de-DE" b="1" dirty="0"/>
-              <a:t>.m File </a:t>
-            </a:r>
-            <a:r>
-              <a:rPr lang="de-DE" dirty="0" err="1"/>
-              <a:t>be</a:t>
-            </a:r>
-            <a:r>
-              <a:rPr lang="de-DE" dirty="0"/>
-              <a:t> </a:t>
-            </a:r>
-            <a:r>
-              <a:rPr lang="de-DE" dirty="0" err="1"/>
-              <a:t>it</a:t>
-            </a:r>
-            <a:r>
-              <a:rPr lang="de-DE" dirty="0"/>
-              <a:t> a </a:t>
-            </a:r>
-            <a:r>
-              <a:rPr lang="de-DE" dirty="0" err="1"/>
-              <a:t>class</a:t>
-            </a:r>
-            <a:r>
-              <a:rPr lang="de-DE" dirty="0"/>
-              <a:t> </a:t>
-            </a:r>
-            <a:r>
-              <a:rPr lang="de-DE" dirty="0" err="1"/>
-              <a:t>or</a:t>
-            </a:r>
-            <a:r>
-              <a:rPr lang="de-DE" dirty="0"/>
-              <a:t> </a:t>
-            </a:r>
-            <a:r>
-              <a:rPr lang="de-DE" dirty="0" err="1"/>
-              <a:t>several</a:t>
-            </a:r>
-            <a:r>
-              <a:rPr lang="de-DE" dirty="0"/>
-              <a:t> </a:t>
-            </a:r>
-            <a:r>
-              <a:rPr lang="de-DE" dirty="0" err="1"/>
-              <a:t>functions</a:t>
-            </a:r>
-            <a:r>
-              <a:rPr lang="de-DE" dirty="0"/>
-              <a:t> just like in C++</a:t>
-            </a:r>
-          </a:p>
-        </p:txBody>
-      </p:sp>
-      <p:sp>
-        <p:nvSpPr>
-          <p:cNvPr id="13" name="TextBox 12">
-            <a:extLst>
-              <a:ext uri="{FF2B5EF4-FFF2-40B4-BE49-F238E27FC236}">
-                <a16:creationId xmlns:a16="http://schemas.microsoft.com/office/drawing/2014/main" id="{7AC3BF75-383D-4904-9F63-ED5A32B66240}"/>
+              <a:t>implement</a:t>
+            </a:r>
+            <a:endParaRPr lang="de-DE" dirty="0"/>
+          </a:p>
+        </p:txBody>
+      </p:sp>
+      <p:sp>
+        <p:nvSpPr>
+          <p:cNvPr id="7" name="TextBox 6">
+            <a:extLst>
+              <a:ext uri="{FF2B5EF4-FFF2-40B4-BE49-F238E27FC236}">
+                <a16:creationId xmlns:a16="http://schemas.microsoft.com/office/drawing/2014/main" id="{D0BA2693-12E8-488E-AC72-9098489E5762}"/>
               </a:ext>
             </a:extLst>
           </p:cNvPr>
@@ -7810,8 +8749,8 @@
         </p:nvSpPr>
         <p:spPr>
           <a:xfrm>
-            <a:off x="6638152" y="2148632"/>
-            <a:ext cx="4715838" cy="646331"/>
+            <a:off x="7390546" y="1825625"/>
+            <a:ext cx="4176444" cy="1000274"/>
           </a:xfrm>
           <a:prstGeom prst="rect">
             <a:avLst/>
@@ -7825,80 +8764,65 @@
           <a:lstStyle/>
           <a:p>
             <a:r>
-              <a:rPr lang="de-DE" b="1" dirty="0"/>
-              <a:t>.m File </a:t>
-            </a:r>
-            <a:r>
-              <a:rPr lang="de-DE" dirty="0" err="1"/>
-              <a:t>used</a:t>
-            </a:r>
-            <a:r>
-              <a:rPr lang="de-DE" dirty="0"/>
-              <a:t> </a:t>
-            </a:r>
-            <a:r>
-              <a:rPr lang="de-DE" dirty="0" err="1"/>
-              <a:t>to</a:t>
-            </a:r>
-            <a:r>
-              <a:rPr lang="de-DE" dirty="0"/>
-              <a:t> </a:t>
-            </a:r>
-            <a:r>
-              <a:rPr lang="de-DE" dirty="0" err="1"/>
-              <a:t>fill</a:t>
-            </a:r>
-            <a:r>
-              <a:rPr lang="de-DE" dirty="0"/>
-              <a:t> and </a:t>
-            </a:r>
-            <a:r>
-              <a:rPr lang="de-DE" dirty="0" err="1"/>
-              <a:t>give</a:t>
-            </a:r>
-            <a:r>
-              <a:rPr lang="de-DE" dirty="0"/>
-              <a:t> </a:t>
-            </a:r>
-            <a:r>
-              <a:rPr lang="de-DE" dirty="0" err="1"/>
-              <a:t>value</a:t>
-            </a:r>
-            <a:r>
-              <a:rPr lang="de-DE" dirty="0"/>
-              <a:t> </a:t>
-            </a:r>
-            <a:r>
-              <a:rPr lang="de-DE" dirty="0" err="1"/>
-              <a:t>to</a:t>
-            </a:r>
-            <a:r>
-              <a:rPr lang="de-DE" dirty="0"/>
-              <a:t> </a:t>
-            </a:r>
-            <a:r>
-              <a:rPr lang="de-DE" dirty="0" err="1"/>
-              <a:t>initialised</a:t>
-            </a:r>
-            <a:r>
-              <a:rPr lang="de-DE" dirty="0"/>
-              <a:t> </a:t>
-            </a:r>
-            <a:r>
-              <a:rPr lang="de-DE" dirty="0" err="1"/>
-              <a:t>values</a:t>
-            </a:r>
-            <a:r>
-              <a:rPr lang="de-DE" dirty="0"/>
-              <a:t> in .h File</a:t>
-            </a:r>
+              <a:rPr lang="de-DE" sz="2300" dirty="0" err="1"/>
+              <a:t>Our</a:t>
+            </a:r>
+            <a:r>
+              <a:rPr lang="de-DE" sz="2300" dirty="0"/>
+              <a:t> </a:t>
+            </a:r>
+            <a:r>
+              <a:rPr lang="de-DE" sz="2300" b="1" dirty="0" err="1"/>
+              <a:t>Recommendation</a:t>
+            </a:r>
+            <a:r>
+              <a:rPr lang="de-DE" sz="2300" dirty="0"/>
+              <a:t>:</a:t>
+            </a:r>
+          </a:p>
+          <a:p>
+            <a:r>
+              <a:rPr lang="de-DE" dirty="0" err="1"/>
+              <a:t>If</a:t>
+            </a:r>
+            <a:r>
+              <a:rPr lang="de-DE" dirty="0"/>
+              <a:t> </a:t>
+            </a:r>
+            <a:r>
+              <a:rPr lang="de-DE" dirty="0" err="1"/>
+              <a:t>you</a:t>
+            </a:r>
+            <a:r>
+              <a:rPr lang="de-DE" dirty="0"/>
+              <a:t> </a:t>
+            </a:r>
+            <a:r>
+              <a:rPr lang="de-DE" dirty="0" err="1"/>
+              <a:t>have</a:t>
+            </a:r>
+            <a:r>
+              <a:rPr lang="de-DE" dirty="0"/>
+              <a:t> Time:</a:t>
+            </a:r>
+          </a:p>
+          <a:p>
+            <a:pPr marL="285750" indent="-285750">
+              <a:buFontTx/>
+              <a:buChar char="-"/>
+            </a:pPr>
+            <a:r>
+              <a:rPr lang="de-DE" b="1" u="sng" dirty="0" err="1"/>
+              <a:t>AVFoundatation</a:t>
+            </a:r>
+            <a:endParaRPr lang="de-DE" b="1" u="sng" dirty="0"/>
           </a:p>
         </p:txBody>
       </p:sp>
     </p:spTree>
     <p:extLst>
       <p:ext uri="{BB962C8B-B14F-4D97-AF65-F5344CB8AC3E}">
-        <p14:creationId xmlns:p14="http://schemas.microsoft.com/office/powerpoint/2010/main" val="418916351"/>
+        <p14:creationId xmlns:p14="http://schemas.microsoft.com/office/powerpoint/2010/main" val="2792679453"/>
       </p:ext>
     </p:extLst>
   </p:cSld>

--- a/projectPresentation/WatchOut Presentation.pptx
+++ b/projectPresentation/WatchOut Presentation.pptx
@@ -5,7 +5,7 @@
     <p:sldMasterId id="2147483648" r:id="rId1"/>
   </p:sldMasterIdLst>
   <p:notesMasterIdLst>
-    <p:notesMasterId r:id="rId21"/>
+    <p:notesMasterId r:id="rId22"/>
   </p:notesMasterIdLst>
   <p:sldIdLst>
     <p:sldId id="256" r:id="rId2"/>
@@ -22,11 +22,12 @@
     <p:sldId id="289" r:id="rId13"/>
     <p:sldId id="283" r:id="rId14"/>
     <p:sldId id="291" r:id="rId15"/>
-    <p:sldId id="292" r:id="rId16"/>
-    <p:sldId id="297" r:id="rId17"/>
-    <p:sldId id="298" r:id="rId18"/>
-    <p:sldId id="299" r:id="rId19"/>
-    <p:sldId id="300" r:id="rId20"/>
+    <p:sldId id="301" r:id="rId16"/>
+    <p:sldId id="292" r:id="rId17"/>
+    <p:sldId id="297" r:id="rId18"/>
+    <p:sldId id="298" r:id="rId19"/>
+    <p:sldId id="299" r:id="rId20"/>
+    <p:sldId id="300" r:id="rId21"/>
   </p:sldIdLst>
   <p:sldSz cx="12192000" cy="6858000"/>
   <p:notesSz cx="6858000" cy="9144000"/>
@@ -3674,56 +3675,12 @@
           <a:chExt cx="0" cy="0"/>
         </a:xfrm>
       </p:grpSpPr>
-      <p:sp>
-        <p:nvSpPr>
-          <p:cNvPr id="3" name="Subtitle 2">
-            <a:extLst>
-              <a:ext uri="{FF2B5EF4-FFF2-40B4-BE49-F238E27FC236}">
-                <a16:creationId xmlns:a16="http://schemas.microsoft.com/office/drawing/2014/main" id="{E10372F9-DB85-4C41-8882-72975BD3F840}"/>
-              </a:ext>
-            </a:extLst>
-          </p:cNvPr>
-          <p:cNvSpPr>
-            <a:spLocks noGrp="1"/>
-          </p:cNvSpPr>
-          <p:nvPr>
-            <p:ph type="subTitle" idx="1"/>
-          </p:nvPr>
-        </p:nvSpPr>
-        <p:spPr>
-          <a:xfrm>
-            <a:off x="1523999" y="3208633"/>
-            <a:ext cx="9144000" cy="1655762"/>
-          </a:xfrm>
-        </p:spPr>
-        <p:txBody>
-          <a:bodyPr/>
-          <a:lstStyle/>
-          <a:p>
-            <a:r>
-              <a:rPr lang="de-DE" dirty="0"/>
-              <a:t>Huynh Bao </a:t>
-            </a:r>
-            <a:r>
-              <a:rPr lang="de-DE" dirty="0" err="1"/>
-              <a:t>Trung</a:t>
-            </a:r>
-            <a:r>
-              <a:rPr lang="de-DE" dirty="0"/>
-              <a:t> Nguyen, Andreas Stiller, Luke Gavin</a:t>
-            </a:r>
-          </a:p>
-          <a:p>
-            <a:endParaRPr lang="de-DE" dirty="0"/>
-          </a:p>
-        </p:txBody>
-      </p:sp>
       <p:pic>
         <p:nvPicPr>
-          <p:cNvPr id="9" name="Picture 8" descr="A picture containing drawing&#10;&#10;Description automatically generated">
-            <a:extLst>
-              <a:ext uri="{FF2B5EF4-FFF2-40B4-BE49-F238E27FC236}">
-                <a16:creationId xmlns:a16="http://schemas.microsoft.com/office/drawing/2014/main" id="{AB671166-F0C8-4B17-84D1-DC7166FEBA86}"/>
+          <p:cNvPr id="4" name="Picture 3" descr="A close up of a logo&#10;&#10;Description automatically generated">
+            <a:extLst>
+              <a:ext uri="{FF2B5EF4-FFF2-40B4-BE49-F238E27FC236}">
+                <a16:creationId xmlns:a16="http://schemas.microsoft.com/office/drawing/2014/main" id="{E0521686-C618-47B7-9000-C038A6DA92A7}"/>
               </a:ext>
             </a:extLst>
           </p:cNvPr>
@@ -3746,14 +3703,58 @@
         </p:blipFill>
         <p:spPr>
           <a:xfrm>
-            <a:off x="3305030" y="1260431"/>
-            <a:ext cx="5581937" cy="1708238"/>
+            <a:off x="3657599" y="770233"/>
+            <a:ext cx="4876800" cy="4876800"/>
           </a:xfrm>
           <a:prstGeom prst="rect">
             <a:avLst/>
           </a:prstGeom>
         </p:spPr>
       </p:pic>
+      <p:sp>
+        <p:nvSpPr>
+          <p:cNvPr id="3" name="Subtitle 2">
+            <a:extLst>
+              <a:ext uri="{FF2B5EF4-FFF2-40B4-BE49-F238E27FC236}">
+                <a16:creationId xmlns:a16="http://schemas.microsoft.com/office/drawing/2014/main" id="{E10372F9-DB85-4C41-8882-72975BD3F840}"/>
+              </a:ext>
+            </a:extLst>
+          </p:cNvPr>
+          <p:cNvSpPr>
+            <a:spLocks noGrp="1"/>
+          </p:cNvSpPr>
+          <p:nvPr>
+            <p:ph type="subTitle" idx="1"/>
+          </p:nvPr>
+        </p:nvSpPr>
+        <p:spPr>
+          <a:xfrm>
+            <a:off x="1523999" y="5101228"/>
+            <a:ext cx="9144000" cy="1655762"/>
+          </a:xfrm>
+        </p:spPr>
+        <p:txBody>
+          <a:bodyPr/>
+          <a:lstStyle/>
+          <a:p>
+            <a:r>
+              <a:rPr lang="de-DE" dirty="0"/>
+              <a:t>Huynh Bao </a:t>
+            </a:r>
+            <a:r>
+              <a:rPr lang="de-DE" dirty="0" err="1"/>
+              <a:t>Trung</a:t>
+            </a:r>
+            <a:r>
+              <a:rPr lang="de-DE" dirty="0"/>
+              <a:t> Nguyen, Andreas Stiller, Luke Gavin</a:t>
+            </a:r>
+          </a:p>
+          <a:p>
+            <a:endParaRPr lang="de-DE" dirty="0"/>
+          </a:p>
+        </p:txBody>
+      </p:sp>
     </p:spTree>
     <p:extLst>
       <p:ext uri="{BB962C8B-B14F-4D97-AF65-F5344CB8AC3E}">
@@ -5265,7 +5266,7 @@
           <p:cNvPr id="2" name="Title 1">
             <a:extLst>
               <a:ext uri="{FF2B5EF4-FFF2-40B4-BE49-F238E27FC236}">
-                <a16:creationId xmlns:a16="http://schemas.microsoft.com/office/drawing/2014/main" id="{4EBB9E41-D53E-4376-A98F-5448BD4EC638}"/>
+                <a16:creationId xmlns:a16="http://schemas.microsoft.com/office/drawing/2014/main" id="{3FA7DF47-F845-4251-BD28-7B4C341FD651}"/>
               </a:ext>
             </a:extLst>
           </p:cNvPr>
@@ -5283,66 +5284,164 @@
           <a:p>
             <a:pPr algn="ctr"/>
             <a:r>
+              <a:rPr lang="de-DE" dirty="0"/>
+              <a:t>Additional </a:t>
+            </a:r>
+            <a:r>
+              <a:rPr lang="de-DE" dirty="0" err="1"/>
+              <a:t>ideas</a:t>
+            </a:r>
+            <a:r>
+              <a:rPr lang="de-DE" dirty="0"/>
+              <a:t> &amp; </a:t>
+            </a:r>
+            <a:r>
+              <a:rPr lang="de-DE" dirty="0" err="1"/>
+              <a:t>changes</a:t>
+            </a:r>
+            <a:endParaRPr lang="en-GB" dirty="0"/>
+          </a:p>
+        </p:txBody>
+      </p:sp>
+      <p:sp>
+        <p:nvSpPr>
+          <p:cNvPr id="3" name="Content Placeholder 2">
+            <a:extLst>
+              <a:ext uri="{FF2B5EF4-FFF2-40B4-BE49-F238E27FC236}">
+                <a16:creationId xmlns:a16="http://schemas.microsoft.com/office/drawing/2014/main" id="{5B71D88D-2510-42D2-82EE-9363D00EF2B9}"/>
+              </a:ext>
+            </a:extLst>
+          </p:cNvPr>
+          <p:cNvSpPr>
+            <a:spLocks noGrp="1"/>
+          </p:cNvSpPr>
+          <p:nvPr>
+            <p:ph idx="1"/>
+          </p:nvPr>
+        </p:nvSpPr>
+        <p:spPr>
+          <a:xfrm>
+            <a:off x="838200" y="1825625"/>
+            <a:ext cx="10515600" cy="4351338"/>
+          </a:xfrm>
+        </p:spPr>
+        <p:txBody>
+          <a:bodyPr>
+            <a:normAutofit lnSpcReduction="10000"/>
+          </a:bodyPr>
+          <a:lstStyle/>
+          <a:p>
+            <a:r>
+              <a:rPr lang="de-DE" dirty="0"/>
+              <a:t>More </a:t>
+            </a:r>
+            <a:r>
+              <a:rPr lang="de-DE" dirty="0" err="1"/>
+              <a:t>task</a:t>
+            </a:r>
+            <a:r>
               <a:rPr lang="en-GB" dirty="0"/>
-              <a:t>Code examples</a:t>
-            </a:r>
+              <a:t>s	</a:t>
+            </a:r>
+          </a:p>
+          <a:p>
+            <a:pPr lvl="1"/>
+            <a:r>
+              <a:rPr lang="en-GB" dirty="0"/>
+              <a:t>Knock Rhythm with help of Sound recording</a:t>
+            </a:r>
+          </a:p>
+          <a:p>
+            <a:pPr lvl="1"/>
+            <a:r>
+              <a:rPr lang="en-GB" dirty="0"/>
+              <a:t>Count Shakes</a:t>
+            </a:r>
+          </a:p>
+          <a:p>
+            <a:pPr lvl="1"/>
+            <a:r>
+              <a:rPr lang="en-GB" dirty="0"/>
+              <a:t>Ball balance</a:t>
+            </a:r>
+          </a:p>
+          <a:p>
+            <a:r>
+              <a:rPr lang="en-GB" dirty="0" err="1"/>
+              <a:t>Highscore</a:t>
+            </a:r>
+            <a:r>
+              <a:rPr lang="en-GB" dirty="0"/>
+              <a:t> for Players</a:t>
+            </a:r>
+          </a:p>
+          <a:p>
+            <a:r>
+              <a:rPr lang="en-GB" dirty="0"/>
+              <a:t>Better unwrap Directions of Use</a:t>
+            </a:r>
+          </a:p>
+          <a:p>
+            <a:r>
+              <a:rPr lang="en-GB" dirty="0"/>
+              <a:t>More Twitch Directions of Movement</a:t>
+            </a:r>
+          </a:p>
+          <a:p>
+            <a:r>
+              <a:rPr lang="en-GB" dirty="0"/>
+              <a:t>Structure of program</a:t>
+            </a:r>
+          </a:p>
+          <a:p>
+            <a:pPr lvl="1"/>
+            <a:r>
+              <a:rPr lang="en-GB" dirty="0"/>
+              <a:t>More Abstraction</a:t>
+            </a:r>
+          </a:p>
+          <a:p>
+            <a:pPr lvl="1"/>
+            <a:r>
+              <a:rPr lang="en-GB" dirty="0"/>
+              <a:t>More polymorphism</a:t>
+            </a:r>
+          </a:p>
+          <a:p>
+            <a:endParaRPr lang="en-GB" dirty="0"/>
+          </a:p>
+          <a:p>
+            <a:pPr lvl="1"/>
+            <a:endParaRPr lang="en-GB" dirty="0"/>
+          </a:p>
+          <a:p>
+            <a:pPr lvl="2"/>
+            <a:endParaRPr lang="en-GB" dirty="0"/>
+          </a:p>
+          <a:p>
+            <a:pPr lvl="1"/>
+            <a:endParaRPr lang="en-GB" dirty="0"/>
+          </a:p>
+          <a:p>
+            <a:pPr lvl="2"/>
+            <a:endParaRPr lang="en-GB" dirty="0"/>
+          </a:p>
+          <a:p>
+            <a:pPr lvl="1"/>
+            <a:endParaRPr lang="en-GB" dirty="0"/>
+          </a:p>
+          <a:p>
+            <a:pPr lvl="1"/>
             <a:endParaRPr lang="de-DE" dirty="0"/>
           </a:p>
         </p:txBody>
       </p:sp>
       <p:sp>
         <p:nvSpPr>
-          <p:cNvPr id="3" name="Content Placeholder 2">
-            <a:extLst>
-              <a:ext uri="{FF2B5EF4-FFF2-40B4-BE49-F238E27FC236}">
-                <a16:creationId xmlns:a16="http://schemas.microsoft.com/office/drawing/2014/main" id="{688DDCCC-3442-4F95-AD39-7A5E7E906537}"/>
-              </a:ext>
-            </a:extLst>
-          </p:cNvPr>
-          <p:cNvSpPr>
-            <a:spLocks noGrp="1"/>
-          </p:cNvSpPr>
-          <p:nvPr>
-            <p:ph idx="1"/>
-          </p:nvPr>
-        </p:nvSpPr>
-        <p:spPr/>
-        <p:txBody>
-          <a:bodyPr/>
-          <a:lstStyle/>
-          <a:p>
-            <a:r>
-              <a:rPr lang="en-GB" dirty="0"/>
-              <a:t>Twitch</a:t>
-            </a:r>
-          </a:p>
-          <a:p>
-            <a:r>
-              <a:rPr lang="en-GB" dirty="0"/>
-              <a:t>Light manager</a:t>
-            </a:r>
-          </a:p>
-          <a:p>
-            <a:r>
-              <a:rPr lang="en-GB" dirty="0"/>
-              <a:t>Unwrap</a:t>
-            </a:r>
-          </a:p>
-          <a:p>
-            <a:r>
-              <a:rPr lang="en-GB" dirty="0"/>
-              <a:t>Deliver</a:t>
-            </a:r>
-            <a:endParaRPr lang="de-DE" dirty="0"/>
-          </a:p>
-        </p:txBody>
-      </p:sp>
-      <p:sp>
-        <p:nvSpPr>
           <p:cNvPr id="4" name="Slide Number Placeholder 3">
             <a:extLst>
               <a:ext uri="{FF2B5EF4-FFF2-40B4-BE49-F238E27FC236}">
-                <a16:creationId xmlns:a16="http://schemas.microsoft.com/office/drawing/2014/main" id="{25DF7500-0441-4913-A8E7-A9C6D7DB5ADD}"/>
+                <a16:creationId xmlns:a16="http://schemas.microsoft.com/office/drawing/2014/main" id="{5FBC4890-7A13-450E-9EFB-CCDFFFA05B48}"/>
               </a:ext>
             </a:extLst>
           </p:cNvPr>
@@ -5370,7 +5469,7 @@
     </p:spTree>
     <p:extLst>
       <p:ext uri="{BB962C8B-B14F-4D97-AF65-F5344CB8AC3E}">
-        <p14:creationId xmlns:p14="http://schemas.microsoft.com/office/powerpoint/2010/main" val="345537623"/>
+        <p14:creationId xmlns:p14="http://schemas.microsoft.com/office/powerpoint/2010/main" val="394130377"/>
       </p:ext>
     </p:extLst>
   </p:cSld>
@@ -5402,6 +5501,143 @@
           <p:cNvPr id="2" name="Title 1">
             <a:extLst>
               <a:ext uri="{FF2B5EF4-FFF2-40B4-BE49-F238E27FC236}">
+                <a16:creationId xmlns:a16="http://schemas.microsoft.com/office/drawing/2014/main" id="{4EBB9E41-D53E-4376-A98F-5448BD4EC638}"/>
+              </a:ext>
+            </a:extLst>
+          </p:cNvPr>
+          <p:cNvSpPr>
+            <a:spLocks noGrp="1"/>
+          </p:cNvSpPr>
+          <p:nvPr>
+            <p:ph type="title"/>
+          </p:nvPr>
+        </p:nvSpPr>
+        <p:spPr/>
+        <p:txBody>
+          <a:bodyPr/>
+          <a:lstStyle/>
+          <a:p>
+            <a:pPr algn="ctr"/>
+            <a:r>
+              <a:rPr lang="en-GB" dirty="0"/>
+              <a:t>Code examples</a:t>
+            </a:r>
+            <a:endParaRPr lang="de-DE" dirty="0"/>
+          </a:p>
+        </p:txBody>
+      </p:sp>
+      <p:sp>
+        <p:nvSpPr>
+          <p:cNvPr id="3" name="Content Placeholder 2">
+            <a:extLst>
+              <a:ext uri="{FF2B5EF4-FFF2-40B4-BE49-F238E27FC236}">
+                <a16:creationId xmlns:a16="http://schemas.microsoft.com/office/drawing/2014/main" id="{688DDCCC-3442-4F95-AD39-7A5E7E906537}"/>
+              </a:ext>
+            </a:extLst>
+          </p:cNvPr>
+          <p:cNvSpPr>
+            <a:spLocks noGrp="1"/>
+          </p:cNvSpPr>
+          <p:nvPr>
+            <p:ph idx="1"/>
+          </p:nvPr>
+        </p:nvSpPr>
+        <p:spPr/>
+        <p:txBody>
+          <a:bodyPr/>
+          <a:lstStyle/>
+          <a:p>
+            <a:r>
+              <a:rPr lang="en-GB" dirty="0"/>
+              <a:t>Twitch</a:t>
+            </a:r>
+          </a:p>
+          <a:p>
+            <a:r>
+              <a:rPr lang="en-GB" dirty="0"/>
+              <a:t>Light manager</a:t>
+            </a:r>
+          </a:p>
+          <a:p>
+            <a:r>
+              <a:rPr lang="en-GB" dirty="0"/>
+              <a:t>Unwrap</a:t>
+            </a:r>
+          </a:p>
+          <a:p>
+            <a:r>
+              <a:rPr lang="en-GB" dirty="0"/>
+              <a:t>Deliver</a:t>
+            </a:r>
+            <a:endParaRPr lang="de-DE" dirty="0"/>
+          </a:p>
+        </p:txBody>
+      </p:sp>
+      <p:sp>
+        <p:nvSpPr>
+          <p:cNvPr id="4" name="Slide Number Placeholder 3">
+            <a:extLst>
+              <a:ext uri="{FF2B5EF4-FFF2-40B4-BE49-F238E27FC236}">
+                <a16:creationId xmlns:a16="http://schemas.microsoft.com/office/drawing/2014/main" id="{25DF7500-0441-4913-A8E7-A9C6D7DB5ADD}"/>
+              </a:ext>
+            </a:extLst>
+          </p:cNvPr>
+          <p:cNvSpPr>
+            <a:spLocks noGrp="1"/>
+          </p:cNvSpPr>
+          <p:nvPr>
+            <p:ph type="sldNum" sz="quarter" idx="12"/>
+          </p:nvPr>
+        </p:nvSpPr>
+        <p:spPr/>
+        <p:txBody>
+          <a:bodyPr/>
+          <a:lstStyle/>
+          <a:p>
+            <a:fld id="{5FA8D64E-092D-488F-9555-4FE258A6A447}" type="slidenum">
+              <a:rPr lang="de-DE" smtClean="0"/>
+              <a:pPr/>
+              <a:t>16</a:t>
+            </a:fld>
+            <a:endParaRPr lang="de-DE" dirty="0"/>
+          </a:p>
+        </p:txBody>
+      </p:sp>
+    </p:spTree>
+    <p:extLst>
+      <p:ext uri="{BB962C8B-B14F-4D97-AF65-F5344CB8AC3E}">
+        <p14:creationId xmlns:p14="http://schemas.microsoft.com/office/powerpoint/2010/main" val="345537623"/>
+      </p:ext>
+    </p:extLst>
+  </p:cSld>
+  <p:clrMapOvr>
+    <a:masterClrMapping/>
+  </p:clrMapOvr>
+</p:sld>
+</file>
+
+<file path=ppt/slides/slide17.xml><?xml version="1.0" encoding="utf-8"?>
+<p:sld xmlns:a="http://schemas.openxmlformats.org/drawingml/2006/main" xmlns:r="http://schemas.openxmlformats.org/officeDocument/2006/relationships" xmlns:p="http://schemas.openxmlformats.org/presentationml/2006/main">
+  <p:cSld>
+    <p:spTree>
+      <p:nvGrpSpPr>
+        <p:cNvPr id="1" name=""/>
+        <p:cNvGrpSpPr/>
+        <p:nvPr/>
+      </p:nvGrpSpPr>
+      <p:grpSpPr>
+        <a:xfrm>
+          <a:off x="0" y="0"/>
+          <a:ext cx="0" cy="0"/>
+          <a:chOff x="0" y="0"/>
+          <a:chExt cx="0" cy="0"/>
+        </a:xfrm>
+      </p:grpSpPr>
+      <p:sp>
+        <p:nvSpPr>
+          <p:cNvPr id="2" name="Title 1">
+            <a:extLst>
+              <a:ext uri="{FF2B5EF4-FFF2-40B4-BE49-F238E27FC236}">
                 <a16:creationId xmlns:a16="http://schemas.microsoft.com/office/drawing/2014/main" id="{077A55E0-63C4-4323-986A-FE3EAF60ECB4}"/>
               </a:ext>
             </a:extLst>
@@ -5495,7 +5731,7 @@
             <a:fld id="{5FA8D64E-092D-488F-9555-4FE258A6A447}" type="slidenum">
               <a:rPr lang="de-DE" smtClean="0"/>
               <a:pPr/>
-              <a:t>16</a:t>
+              <a:t>17</a:t>
             </a:fld>
             <a:endParaRPr lang="de-DE" dirty="0"/>
           </a:p>
@@ -5785,7 +6021,7 @@
 </p:sld>
 </file>
 
-<file path=ppt/slides/slide17.xml><?xml version="1.0" encoding="utf-8"?>
+<file path=ppt/slides/slide18.xml><?xml version="1.0" encoding="utf-8"?>
 <p:sld xmlns:a="http://schemas.openxmlformats.org/drawingml/2006/main" xmlns:r="http://schemas.openxmlformats.org/officeDocument/2006/relationships" xmlns:p="http://schemas.openxmlformats.org/presentationml/2006/main">
   <p:cSld>
     <p:spTree>
@@ -5899,7 +6135,7 @@
             <a:fld id="{5FA8D64E-092D-488F-9555-4FE258A6A447}" type="slidenum">
               <a:rPr lang="de-DE" smtClean="0"/>
               <a:pPr/>
-              <a:t>17</a:t>
+              <a:t>18</a:t>
             </a:fld>
             <a:endParaRPr lang="de-DE" dirty="0"/>
           </a:p>
@@ -5954,7 +6190,7 @@
 </p:sld>
 </file>
 
-<file path=ppt/slides/slide18.xml><?xml version="1.0" encoding="utf-8"?>
+<file path=ppt/slides/slide19.xml><?xml version="1.0" encoding="utf-8"?>
 <p:sld xmlns:a="http://schemas.openxmlformats.org/drawingml/2006/main" xmlns:r="http://schemas.openxmlformats.org/officeDocument/2006/relationships" xmlns:p="http://schemas.openxmlformats.org/presentationml/2006/main">
   <p:cSld>
     <p:spTree>
@@ -6058,7 +6294,7 @@
             <a:fld id="{5FA8D64E-092D-488F-9555-4FE258A6A447}" type="slidenum">
               <a:rPr lang="de-DE" smtClean="0"/>
               <a:pPr/>
-              <a:t>18</a:t>
+              <a:t>19</a:t>
             </a:fld>
             <a:endParaRPr lang="de-DE" dirty="0"/>
           </a:p>
@@ -6113,167 +6349,6 @@
 </p:sld>
 </file>
 
-<file path=ppt/slides/slide19.xml><?xml version="1.0" encoding="utf-8"?>
-<p:sld xmlns:a="http://schemas.openxmlformats.org/drawingml/2006/main" xmlns:r="http://schemas.openxmlformats.org/officeDocument/2006/relationships" xmlns:p="http://schemas.openxmlformats.org/presentationml/2006/main">
-  <p:cSld>
-    <p:spTree>
-      <p:nvGrpSpPr>
-        <p:cNvPr id="1" name=""/>
-        <p:cNvGrpSpPr/>
-        <p:nvPr/>
-      </p:nvGrpSpPr>
-      <p:grpSpPr>
-        <a:xfrm>
-          <a:off x="0" y="0"/>
-          <a:ext cx="0" cy="0"/>
-          <a:chOff x="0" y="0"/>
-          <a:chExt cx="0" cy="0"/>
-        </a:xfrm>
-      </p:grpSpPr>
-      <p:pic>
-        <p:nvPicPr>
-          <p:cNvPr id="8" name="Picture 7" descr="A screenshot of a social media post&#10;&#10;Description automatically generated">
-            <a:extLst>
-              <a:ext uri="{FF2B5EF4-FFF2-40B4-BE49-F238E27FC236}">
-                <a16:creationId xmlns:a16="http://schemas.microsoft.com/office/drawing/2014/main" id="{6FF1FBFC-E536-4965-9C90-D5AE9109D8E1}"/>
-              </a:ext>
-            </a:extLst>
-          </p:cNvPr>
-          <p:cNvPicPr>
-            <a:picLocks noChangeAspect="1"/>
-          </p:cNvPicPr>
-          <p:nvPr/>
-        </p:nvPicPr>
-        <p:blipFill>
-          <a:blip r:embed="rId2">
-            <a:extLst>
-              <a:ext uri="{28A0092B-C50C-407E-A947-70E740481C1C}">
-                <a14:useLocalDpi xmlns:a14="http://schemas.microsoft.com/office/drawing/2010/main" val="0"/>
-              </a:ext>
-            </a:extLst>
-          </a:blip>
-          <a:stretch>
-            <a:fillRect/>
-          </a:stretch>
-        </p:blipFill>
-        <p:spPr>
-          <a:xfrm>
-            <a:off x="838197" y="2489000"/>
-            <a:ext cx="11024864" cy="4104000"/>
-          </a:xfrm>
-          <a:prstGeom prst="rect">
-            <a:avLst/>
-          </a:prstGeom>
-        </p:spPr>
-      </p:pic>
-      <p:sp>
-        <p:nvSpPr>
-          <p:cNvPr id="2" name="Title 1">
-            <a:extLst>
-              <a:ext uri="{FF2B5EF4-FFF2-40B4-BE49-F238E27FC236}">
-                <a16:creationId xmlns:a16="http://schemas.microsoft.com/office/drawing/2014/main" id="{840336D5-8B75-40CA-B0C9-190D0E8F297B}"/>
-              </a:ext>
-            </a:extLst>
-          </p:cNvPr>
-          <p:cNvSpPr>
-            <a:spLocks noGrp="1"/>
-          </p:cNvSpPr>
-          <p:nvPr>
-            <p:ph type="title"/>
-          </p:nvPr>
-        </p:nvSpPr>
-        <p:spPr/>
-        <p:txBody>
-          <a:bodyPr/>
-          <a:lstStyle/>
-          <a:p>
-            <a:pPr algn="ctr"/>
-            <a:r>
-              <a:rPr lang="de-DE" dirty="0"/>
-              <a:t>Twitch Code</a:t>
-            </a:r>
-            <a:endParaRPr lang="en-GB" dirty="0"/>
-          </a:p>
-        </p:txBody>
-      </p:sp>
-      <p:sp>
-        <p:nvSpPr>
-          <p:cNvPr id="3" name="Content Placeholder 2">
-            <a:extLst>
-              <a:ext uri="{FF2B5EF4-FFF2-40B4-BE49-F238E27FC236}">
-                <a16:creationId xmlns:a16="http://schemas.microsoft.com/office/drawing/2014/main" id="{B9283830-3920-478C-9132-ADFC86ED846A}"/>
-              </a:ext>
-            </a:extLst>
-          </p:cNvPr>
-          <p:cNvSpPr>
-            <a:spLocks noGrp="1"/>
-          </p:cNvSpPr>
-          <p:nvPr>
-            <p:ph idx="1"/>
-          </p:nvPr>
-        </p:nvSpPr>
-        <p:spPr>
-          <a:xfrm>
-            <a:off x="838200" y="1825625"/>
-            <a:ext cx="10515600" cy="460375"/>
-          </a:xfrm>
-        </p:spPr>
-        <p:txBody>
-          <a:bodyPr>
-            <a:normAutofit lnSpcReduction="10000"/>
-          </a:bodyPr>
-          <a:lstStyle/>
-          <a:p>
-            <a:r>
-              <a:rPr lang="en-GB" dirty="0"/>
-              <a:t>Navigator</a:t>
-            </a:r>
-          </a:p>
-        </p:txBody>
-      </p:sp>
-      <p:sp>
-        <p:nvSpPr>
-          <p:cNvPr id="4" name="Slide Number Placeholder 3">
-            <a:extLst>
-              <a:ext uri="{FF2B5EF4-FFF2-40B4-BE49-F238E27FC236}">
-                <a16:creationId xmlns:a16="http://schemas.microsoft.com/office/drawing/2014/main" id="{5F3B4A6E-1EFA-40F3-B63D-6A2C956993B6}"/>
-              </a:ext>
-            </a:extLst>
-          </p:cNvPr>
-          <p:cNvSpPr>
-            <a:spLocks noGrp="1"/>
-          </p:cNvSpPr>
-          <p:nvPr>
-            <p:ph type="sldNum" sz="quarter" idx="12"/>
-          </p:nvPr>
-        </p:nvSpPr>
-        <p:spPr/>
-        <p:txBody>
-          <a:bodyPr/>
-          <a:lstStyle/>
-          <a:p>
-            <a:fld id="{5FA8D64E-092D-488F-9555-4FE258A6A447}" type="slidenum">
-              <a:rPr lang="de-DE" smtClean="0"/>
-              <a:pPr/>
-              <a:t>19</a:t>
-            </a:fld>
-            <a:endParaRPr lang="de-DE" dirty="0"/>
-          </a:p>
-        </p:txBody>
-      </p:sp>
-    </p:spTree>
-    <p:extLst>
-      <p:ext uri="{BB962C8B-B14F-4D97-AF65-F5344CB8AC3E}">
-        <p14:creationId xmlns:p14="http://schemas.microsoft.com/office/powerpoint/2010/main" val="810339624"/>
-      </p:ext>
-    </p:extLst>
-  </p:cSld>
-  <p:clrMapOvr>
-    <a:masterClrMapping/>
-  </p:clrMapOvr>
-</p:sld>
-</file>
-
 <file path=ppt/slides/slide2.xml><?xml version="1.0" encoding="utf-8"?>
 <p:sld xmlns:a="http://schemas.openxmlformats.org/drawingml/2006/main" xmlns:r="http://schemas.openxmlformats.org/officeDocument/2006/relationships" xmlns:p="http://schemas.openxmlformats.org/presentationml/2006/main">
   <p:cSld>
@@ -6599,6 +6674,167 @@
     <p:extLst>
       <p:ext uri="{BB962C8B-B14F-4D97-AF65-F5344CB8AC3E}">
         <p14:creationId xmlns:p14="http://schemas.microsoft.com/office/powerpoint/2010/main" val="4050885700"/>
+      </p:ext>
+    </p:extLst>
+  </p:cSld>
+  <p:clrMapOvr>
+    <a:masterClrMapping/>
+  </p:clrMapOvr>
+</p:sld>
+</file>
+
+<file path=ppt/slides/slide20.xml><?xml version="1.0" encoding="utf-8"?>
+<p:sld xmlns:a="http://schemas.openxmlformats.org/drawingml/2006/main" xmlns:r="http://schemas.openxmlformats.org/officeDocument/2006/relationships" xmlns:p="http://schemas.openxmlformats.org/presentationml/2006/main">
+  <p:cSld>
+    <p:spTree>
+      <p:nvGrpSpPr>
+        <p:cNvPr id="1" name=""/>
+        <p:cNvGrpSpPr/>
+        <p:nvPr/>
+      </p:nvGrpSpPr>
+      <p:grpSpPr>
+        <a:xfrm>
+          <a:off x="0" y="0"/>
+          <a:ext cx="0" cy="0"/>
+          <a:chOff x="0" y="0"/>
+          <a:chExt cx="0" cy="0"/>
+        </a:xfrm>
+      </p:grpSpPr>
+      <p:pic>
+        <p:nvPicPr>
+          <p:cNvPr id="8" name="Picture 7" descr="A screenshot of a social media post&#10;&#10;Description automatically generated">
+            <a:extLst>
+              <a:ext uri="{FF2B5EF4-FFF2-40B4-BE49-F238E27FC236}">
+                <a16:creationId xmlns:a16="http://schemas.microsoft.com/office/drawing/2014/main" id="{6FF1FBFC-E536-4965-9C90-D5AE9109D8E1}"/>
+              </a:ext>
+            </a:extLst>
+          </p:cNvPr>
+          <p:cNvPicPr>
+            <a:picLocks noChangeAspect="1"/>
+          </p:cNvPicPr>
+          <p:nvPr/>
+        </p:nvPicPr>
+        <p:blipFill>
+          <a:blip r:embed="rId2">
+            <a:extLst>
+              <a:ext uri="{28A0092B-C50C-407E-A947-70E740481C1C}">
+                <a14:useLocalDpi xmlns:a14="http://schemas.microsoft.com/office/drawing/2010/main" val="0"/>
+              </a:ext>
+            </a:extLst>
+          </a:blip>
+          <a:stretch>
+            <a:fillRect/>
+          </a:stretch>
+        </p:blipFill>
+        <p:spPr>
+          <a:xfrm>
+            <a:off x="838197" y="2489000"/>
+            <a:ext cx="11024864" cy="4104000"/>
+          </a:xfrm>
+          <a:prstGeom prst="rect">
+            <a:avLst/>
+          </a:prstGeom>
+        </p:spPr>
+      </p:pic>
+      <p:sp>
+        <p:nvSpPr>
+          <p:cNvPr id="2" name="Title 1">
+            <a:extLst>
+              <a:ext uri="{FF2B5EF4-FFF2-40B4-BE49-F238E27FC236}">
+                <a16:creationId xmlns:a16="http://schemas.microsoft.com/office/drawing/2014/main" id="{840336D5-8B75-40CA-B0C9-190D0E8F297B}"/>
+              </a:ext>
+            </a:extLst>
+          </p:cNvPr>
+          <p:cNvSpPr>
+            <a:spLocks noGrp="1"/>
+          </p:cNvSpPr>
+          <p:nvPr>
+            <p:ph type="title"/>
+          </p:nvPr>
+        </p:nvSpPr>
+        <p:spPr/>
+        <p:txBody>
+          <a:bodyPr/>
+          <a:lstStyle/>
+          <a:p>
+            <a:pPr algn="ctr"/>
+            <a:r>
+              <a:rPr lang="de-DE" dirty="0"/>
+              <a:t>Twitch Code</a:t>
+            </a:r>
+            <a:endParaRPr lang="en-GB" dirty="0"/>
+          </a:p>
+        </p:txBody>
+      </p:sp>
+      <p:sp>
+        <p:nvSpPr>
+          <p:cNvPr id="3" name="Content Placeholder 2">
+            <a:extLst>
+              <a:ext uri="{FF2B5EF4-FFF2-40B4-BE49-F238E27FC236}">
+                <a16:creationId xmlns:a16="http://schemas.microsoft.com/office/drawing/2014/main" id="{B9283830-3920-478C-9132-ADFC86ED846A}"/>
+              </a:ext>
+            </a:extLst>
+          </p:cNvPr>
+          <p:cNvSpPr>
+            <a:spLocks noGrp="1"/>
+          </p:cNvSpPr>
+          <p:nvPr>
+            <p:ph idx="1"/>
+          </p:nvPr>
+        </p:nvSpPr>
+        <p:spPr>
+          <a:xfrm>
+            <a:off x="838200" y="1825625"/>
+            <a:ext cx="10515600" cy="460375"/>
+          </a:xfrm>
+        </p:spPr>
+        <p:txBody>
+          <a:bodyPr>
+            <a:normAutofit lnSpcReduction="10000"/>
+          </a:bodyPr>
+          <a:lstStyle/>
+          <a:p>
+            <a:r>
+              <a:rPr lang="en-GB" dirty="0"/>
+              <a:t>Navigator</a:t>
+            </a:r>
+          </a:p>
+        </p:txBody>
+      </p:sp>
+      <p:sp>
+        <p:nvSpPr>
+          <p:cNvPr id="4" name="Slide Number Placeholder 3">
+            <a:extLst>
+              <a:ext uri="{FF2B5EF4-FFF2-40B4-BE49-F238E27FC236}">
+                <a16:creationId xmlns:a16="http://schemas.microsoft.com/office/drawing/2014/main" id="{5F3B4A6E-1EFA-40F3-B63D-6A2C956993B6}"/>
+              </a:ext>
+            </a:extLst>
+          </p:cNvPr>
+          <p:cNvSpPr>
+            <a:spLocks noGrp="1"/>
+          </p:cNvSpPr>
+          <p:nvPr>
+            <p:ph type="sldNum" sz="quarter" idx="12"/>
+          </p:nvPr>
+        </p:nvSpPr>
+        <p:spPr/>
+        <p:txBody>
+          <a:bodyPr/>
+          <a:lstStyle/>
+          <a:p>
+            <a:fld id="{5FA8D64E-092D-488F-9555-4FE258A6A447}" type="slidenum">
+              <a:rPr lang="de-DE" smtClean="0"/>
+              <a:pPr/>
+              <a:t>20</a:t>
+            </a:fld>
+            <a:endParaRPr lang="de-DE" dirty="0"/>
+          </a:p>
+        </p:txBody>
+      </p:sp>
+    </p:spTree>
+    <p:extLst>
+      <p:ext uri="{BB962C8B-B14F-4D97-AF65-F5344CB8AC3E}">
+        <p14:creationId xmlns:p14="http://schemas.microsoft.com/office/powerpoint/2010/main" val="810339624"/>
       </p:ext>
     </p:extLst>
   </p:cSld>

--- a/projectPresentation/WatchOut Presentation.pptx
+++ b/projectPresentation/WatchOut Presentation.pptx
@@ -5,7 +5,7 @@
     <p:sldMasterId id="2147483648" r:id="rId1"/>
   </p:sldMasterIdLst>
   <p:notesMasterIdLst>
-    <p:notesMasterId r:id="rId22"/>
+    <p:notesMasterId r:id="rId30"/>
   </p:notesMasterIdLst>
   <p:sldIdLst>
     <p:sldId id="256" r:id="rId2"/>
@@ -21,13 +21,21 @@
     <p:sldId id="295" r:id="rId12"/>
     <p:sldId id="289" r:id="rId13"/>
     <p:sldId id="283" r:id="rId14"/>
-    <p:sldId id="291" r:id="rId15"/>
-    <p:sldId id="301" r:id="rId16"/>
+    <p:sldId id="301" r:id="rId15"/>
+    <p:sldId id="291" r:id="rId16"/>
     <p:sldId id="292" r:id="rId17"/>
     <p:sldId id="297" r:id="rId18"/>
     <p:sldId id="298" r:id="rId19"/>
     <p:sldId id="299" r:id="rId20"/>
     <p:sldId id="300" r:id="rId21"/>
+    <p:sldId id="307" r:id="rId22"/>
+    <p:sldId id="309" r:id="rId23"/>
+    <p:sldId id="310" r:id="rId24"/>
+    <p:sldId id="302" r:id="rId25"/>
+    <p:sldId id="303" r:id="rId26"/>
+    <p:sldId id="308" r:id="rId27"/>
+    <p:sldId id="305" r:id="rId28"/>
+    <p:sldId id="306" r:id="rId29"/>
   </p:sldIdLst>
   <p:sldSz cx="12192000" cy="6858000"/>
   <p:notesSz cx="6858000" cy="9144000"/>
@@ -5021,7 +5029,7 @@
           <p:cNvPr id="2" name="Title 1">
             <a:extLst>
               <a:ext uri="{FF2B5EF4-FFF2-40B4-BE49-F238E27FC236}">
-                <a16:creationId xmlns:a16="http://schemas.microsoft.com/office/drawing/2014/main" id="{6092F721-B83E-4186-B231-369E6CD0D635}"/>
+                <a16:creationId xmlns:a16="http://schemas.microsoft.com/office/drawing/2014/main" id="{3FA7DF47-F845-4251-BD28-7B4C341FD651}"/>
               </a:ext>
             </a:extLst>
           </p:cNvPr>
@@ -5040,8 +5048,21 @@
             <a:pPr algn="ctr"/>
             <a:r>
               <a:rPr lang="de-DE" dirty="0"/>
-              <a:t>Problems</a:t>
-            </a:r>
+              <a:t>Additional </a:t>
+            </a:r>
+            <a:r>
+              <a:rPr lang="de-DE" dirty="0" err="1"/>
+              <a:t>ideas</a:t>
+            </a:r>
+            <a:r>
+              <a:rPr lang="de-DE" dirty="0"/>
+              <a:t> &amp; </a:t>
+            </a:r>
+            <a:r>
+              <a:rPr lang="de-DE" dirty="0" err="1"/>
+              <a:t>changes</a:t>
+            </a:r>
+            <a:endParaRPr lang="en-GB" dirty="0"/>
           </a:p>
         </p:txBody>
       </p:sp>
@@ -5050,7 +5071,7 @@
           <p:cNvPr id="3" name="Content Placeholder 2">
             <a:extLst>
               <a:ext uri="{FF2B5EF4-FFF2-40B4-BE49-F238E27FC236}">
-                <a16:creationId xmlns:a16="http://schemas.microsoft.com/office/drawing/2014/main" id="{3C54E6E1-CF08-4325-A1C6-C4FFDF5DF6D0}"/>
+                <a16:creationId xmlns:a16="http://schemas.microsoft.com/office/drawing/2014/main" id="{5B71D88D-2510-42D2-82EE-9363D00EF2B9}"/>
               </a:ext>
             </a:extLst>
           </p:cNvPr>
@@ -5061,144 +5082,127 @@
             <p:ph idx="1"/>
           </p:nvPr>
         </p:nvSpPr>
-        <p:spPr/>
-        <p:txBody>
-          <a:bodyPr/>
-          <a:lstStyle/>
-          <a:p>
-            <a:r>
-              <a:rPr lang="de-DE" dirty="0" err="1"/>
-              <a:t>One</a:t>
-            </a:r>
-            <a:r>
-              <a:rPr lang="de-DE" dirty="0"/>
-              <a:t> iPhone and </a:t>
-            </a:r>
-            <a:r>
-              <a:rPr lang="de-DE" dirty="0" err="1"/>
-              <a:t>macbook</a:t>
-            </a:r>
+        <p:spPr>
+          <a:xfrm>
+            <a:off x="838200" y="1825625"/>
+            <a:ext cx="10515600" cy="4351338"/>
+          </a:xfrm>
+        </p:spPr>
+        <p:txBody>
+          <a:bodyPr>
+            <a:normAutofit fontScale="92500" lnSpcReduction="10000"/>
+          </a:bodyPr>
+          <a:lstStyle/>
+          <a:p>
+            <a:r>
+              <a:rPr lang="de-DE" dirty="0"/>
+              <a:t>More </a:t>
+            </a:r>
+            <a:r>
+              <a:rPr lang="de-DE" dirty="0" err="1"/>
+              <a:t>task</a:t>
+            </a:r>
+            <a:r>
+              <a:rPr lang="en-GB" dirty="0"/>
+              <a:t>s	</a:t>
+            </a:r>
+          </a:p>
+          <a:p>
+            <a:pPr lvl="1"/>
+            <a:r>
+              <a:rPr lang="en-GB" dirty="0"/>
+              <a:t>Knock Rhythm with help of Sound recording</a:t>
+            </a:r>
+          </a:p>
+          <a:p>
+            <a:pPr lvl="1"/>
+            <a:r>
+              <a:rPr lang="en-GB" dirty="0"/>
+              <a:t>Count Shakes</a:t>
+            </a:r>
+          </a:p>
+          <a:p>
+            <a:pPr lvl="1"/>
+            <a:r>
+              <a:rPr lang="en-GB" dirty="0"/>
+              <a:t>Ball balance</a:t>
+            </a:r>
+          </a:p>
+          <a:p>
+            <a:r>
+              <a:rPr lang="en-GB" dirty="0" err="1"/>
+              <a:t>Highscore</a:t>
+            </a:r>
+            <a:r>
+              <a:rPr lang="en-GB" dirty="0"/>
+              <a:t> for Players</a:t>
+            </a:r>
+          </a:p>
+          <a:p>
+            <a:r>
+              <a:rPr lang="en-GB" dirty="0"/>
+              <a:t>Better unwrap Directions of Use</a:t>
+            </a:r>
+          </a:p>
+          <a:p>
+            <a:r>
+              <a:rPr lang="en-GB" dirty="0"/>
+              <a:t>More Twitch Directions of Movement</a:t>
+            </a:r>
+          </a:p>
+          <a:p>
+            <a:r>
+              <a:rPr lang="en-GB" dirty="0"/>
+              <a:t>Better UI</a:t>
+            </a:r>
+          </a:p>
+          <a:p>
+            <a:r>
+              <a:rPr lang="en-GB" dirty="0"/>
+              <a:t>Structure of program</a:t>
+            </a:r>
+          </a:p>
+          <a:p>
+            <a:pPr lvl="1"/>
+            <a:r>
+              <a:rPr lang="en-GB" dirty="0"/>
+              <a:t>More Abstraction</a:t>
+            </a:r>
+          </a:p>
+          <a:p>
+            <a:pPr lvl="1"/>
+            <a:r>
+              <a:rPr lang="en-GB" dirty="0"/>
+              <a:t>More polymorphism</a:t>
+            </a:r>
+          </a:p>
+          <a:p>
+            <a:endParaRPr lang="en-GB" dirty="0"/>
+          </a:p>
+          <a:p>
+            <a:pPr lvl="1"/>
+            <a:endParaRPr lang="en-GB" dirty="0"/>
+          </a:p>
+          <a:p>
+            <a:pPr lvl="2"/>
+            <a:endParaRPr lang="en-GB" dirty="0"/>
+          </a:p>
+          <a:p>
+            <a:pPr lvl="1"/>
+            <a:endParaRPr lang="en-GB" dirty="0"/>
+          </a:p>
+          <a:p>
+            <a:pPr lvl="2"/>
+            <a:endParaRPr lang="en-GB" dirty="0"/>
+          </a:p>
+          <a:p>
+            <a:pPr lvl="1"/>
+            <a:endParaRPr lang="en-GB" dirty="0"/>
+          </a:p>
+          <a:p>
+            <a:pPr lvl="1"/>
             <a:endParaRPr lang="de-DE" dirty="0"/>
           </a:p>
-          <a:p>
-            <a:r>
-              <a:rPr lang="de-DE" dirty="0" err="1"/>
-              <a:t>Github</a:t>
-            </a:r>
-            <a:r>
-              <a:rPr lang="de-DE" dirty="0"/>
-              <a:t> </a:t>
-            </a:r>
-            <a:r>
-              <a:rPr lang="de-DE" dirty="0" err="1"/>
-              <a:t>merge</a:t>
-            </a:r>
-            <a:r>
-              <a:rPr lang="de-DE" dirty="0"/>
-              <a:t> </a:t>
-            </a:r>
-            <a:r>
-              <a:rPr lang="de-DE" dirty="0" err="1"/>
-              <a:t>of</a:t>
-            </a:r>
-            <a:r>
-              <a:rPr lang="de-DE" dirty="0"/>
-              <a:t> </a:t>
-            </a:r>
-            <a:r>
-              <a:rPr lang="de-DE" dirty="0" err="1"/>
-              <a:t>main.storyboard</a:t>
-            </a:r>
-            <a:endParaRPr lang="de-DE" dirty="0"/>
-          </a:p>
-          <a:p>
-            <a:r>
-              <a:rPr lang="de-DE" dirty="0" err="1"/>
-              <a:t>rbi-room</a:t>
-            </a:r>
-            <a:r>
-              <a:rPr lang="de-DE" dirty="0"/>
-              <a:t> </a:t>
-            </a:r>
-            <a:r>
-              <a:rPr lang="de-DE" dirty="0" err="1"/>
-              <a:t>is</a:t>
-            </a:r>
-            <a:r>
-              <a:rPr lang="de-DE" dirty="0"/>
-              <a:t> not </a:t>
-            </a:r>
-            <a:r>
-              <a:rPr lang="de-DE" dirty="0" err="1"/>
-              <a:t>always</a:t>
-            </a:r>
-            <a:r>
-              <a:rPr lang="de-DE" dirty="0"/>
-              <a:t> </a:t>
-            </a:r>
-            <a:r>
-              <a:rPr lang="de-DE" dirty="0" err="1"/>
-              <a:t>available</a:t>
-            </a:r>
-            <a:endParaRPr lang="de-DE" dirty="0"/>
-          </a:p>
-          <a:p>
-            <a:r>
-              <a:rPr lang="de-DE" dirty="0"/>
-              <a:t>Start </a:t>
-            </a:r>
-            <a:r>
-              <a:rPr lang="de-DE" dirty="0" err="1"/>
-              <a:t>earlier</a:t>
-            </a:r>
-            <a:r>
-              <a:rPr lang="de-DE" dirty="0"/>
-              <a:t> (</a:t>
-            </a:r>
-            <a:r>
-              <a:rPr lang="de-DE" dirty="0" err="1"/>
-              <a:t>especially</a:t>
-            </a:r>
-            <a:r>
-              <a:rPr lang="de-DE" dirty="0"/>
-              <a:t> </a:t>
-            </a:r>
-            <a:r>
-              <a:rPr lang="de-DE" dirty="0" err="1"/>
-              <a:t>when</a:t>
-            </a:r>
-            <a:r>
-              <a:rPr lang="de-DE" dirty="0"/>
-              <a:t> </a:t>
-            </a:r>
-            <a:r>
-              <a:rPr lang="de-DE" dirty="0" err="1"/>
-              <a:t>researching</a:t>
-            </a:r>
-            <a:r>
-              <a:rPr lang="de-DE" dirty="0"/>
-              <a:t> </a:t>
-            </a:r>
-            <a:r>
-              <a:rPr lang="de-DE" dirty="0" err="1"/>
-              <a:t>the</a:t>
-            </a:r>
-            <a:r>
-              <a:rPr lang="de-DE" dirty="0"/>
-              <a:t> </a:t>
-            </a:r>
-            <a:r>
-              <a:rPr lang="de-DE" dirty="0" err="1"/>
-              <a:t>frameworks</a:t>
-            </a:r>
-            <a:r>
-              <a:rPr lang="de-DE" dirty="0"/>
-              <a:t>)</a:t>
-            </a:r>
-          </a:p>
-          <a:p>
-            <a:endParaRPr lang="de-DE" dirty="0"/>
-          </a:p>
         </p:txBody>
       </p:sp>
       <p:sp>
@@ -5206,7 +5210,7 @@
           <p:cNvPr id="4" name="Slide Number Placeholder 3">
             <a:extLst>
               <a:ext uri="{FF2B5EF4-FFF2-40B4-BE49-F238E27FC236}">
-                <a16:creationId xmlns:a16="http://schemas.microsoft.com/office/drawing/2014/main" id="{F248A981-A00B-437E-87B4-9A6490C6B3E5}"/>
+                <a16:creationId xmlns:a16="http://schemas.microsoft.com/office/drawing/2014/main" id="{5FBC4890-7A13-450E-9EFB-CCDFFFA05B48}"/>
               </a:ext>
             </a:extLst>
           </p:cNvPr>
@@ -5234,7 +5238,7 @@
     </p:spTree>
     <p:extLst>
       <p:ext uri="{BB962C8B-B14F-4D97-AF65-F5344CB8AC3E}">
-        <p14:creationId xmlns:p14="http://schemas.microsoft.com/office/powerpoint/2010/main" val="2249742481"/>
+        <p14:creationId xmlns:p14="http://schemas.microsoft.com/office/powerpoint/2010/main" val="394130377"/>
       </p:ext>
     </p:extLst>
   </p:cSld>
@@ -5266,7 +5270,7 @@
           <p:cNvPr id="2" name="Title 1">
             <a:extLst>
               <a:ext uri="{FF2B5EF4-FFF2-40B4-BE49-F238E27FC236}">
-                <a16:creationId xmlns:a16="http://schemas.microsoft.com/office/drawing/2014/main" id="{3FA7DF47-F845-4251-BD28-7B4C341FD651}"/>
+                <a16:creationId xmlns:a16="http://schemas.microsoft.com/office/drawing/2014/main" id="{6092F721-B83E-4186-B231-369E6CD0D635}"/>
               </a:ext>
             </a:extLst>
           </p:cNvPr>
@@ -5285,21 +5289,8 @@
             <a:pPr algn="ctr"/>
             <a:r>
               <a:rPr lang="de-DE" dirty="0"/>
-              <a:t>Additional </a:t>
-            </a:r>
-            <a:r>
-              <a:rPr lang="de-DE" dirty="0" err="1"/>
-              <a:t>ideas</a:t>
-            </a:r>
-            <a:r>
-              <a:rPr lang="de-DE" dirty="0"/>
-              <a:t> &amp; </a:t>
-            </a:r>
-            <a:r>
-              <a:rPr lang="de-DE" dirty="0" err="1"/>
-              <a:t>changes</a:t>
-            </a:r>
-            <a:endParaRPr lang="en-GB" dirty="0"/>
+              <a:t>Problems</a:t>
+            </a:r>
           </a:p>
         </p:txBody>
       </p:sp>
@@ -5308,7 +5299,7 @@
           <p:cNvPr id="3" name="Content Placeholder 2">
             <a:extLst>
               <a:ext uri="{FF2B5EF4-FFF2-40B4-BE49-F238E27FC236}">
-                <a16:creationId xmlns:a16="http://schemas.microsoft.com/office/drawing/2014/main" id="{5B71D88D-2510-42D2-82EE-9363D00EF2B9}"/>
+                <a16:creationId xmlns:a16="http://schemas.microsoft.com/office/drawing/2014/main" id="{3C54E6E1-CF08-4325-A1C6-C4FFDF5DF6D0}"/>
               </a:ext>
             </a:extLst>
           </p:cNvPr>
@@ -5319,121 +5310,144 @@
             <p:ph idx="1"/>
           </p:nvPr>
         </p:nvSpPr>
-        <p:spPr>
-          <a:xfrm>
-            <a:off x="838200" y="1825625"/>
-            <a:ext cx="10515600" cy="4351338"/>
-          </a:xfrm>
-        </p:spPr>
-        <p:txBody>
-          <a:bodyPr>
-            <a:normAutofit lnSpcReduction="10000"/>
-          </a:bodyPr>
-          <a:lstStyle/>
-          <a:p>
-            <a:r>
-              <a:rPr lang="de-DE" dirty="0"/>
-              <a:t>More </a:t>
-            </a:r>
-            <a:r>
-              <a:rPr lang="de-DE" dirty="0" err="1"/>
-              <a:t>task</a:t>
-            </a:r>
-            <a:r>
-              <a:rPr lang="en-GB" dirty="0"/>
-              <a:t>s	</a:t>
-            </a:r>
-          </a:p>
-          <a:p>
-            <a:pPr lvl="1"/>
-            <a:r>
-              <a:rPr lang="en-GB" dirty="0"/>
-              <a:t>Knock Rhythm with help of Sound recording</a:t>
-            </a:r>
-          </a:p>
-          <a:p>
-            <a:pPr lvl="1"/>
-            <a:r>
-              <a:rPr lang="en-GB" dirty="0"/>
-              <a:t>Count Shakes</a:t>
-            </a:r>
-          </a:p>
-          <a:p>
-            <a:pPr lvl="1"/>
-            <a:r>
-              <a:rPr lang="en-GB" dirty="0"/>
-              <a:t>Ball balance</a:t>
-            </a:r>
-          </a:p>
-          <a:p>
-            <a:r>
-              <a:rPr lang="en-GB" dirty="0" err="1"/>
-              <a:t>Highscore</a:t>
-            </a:r>
-            <a:r>
-              <a:rPr lang="en-GB" dirty="0"/>
-              <a:t> for Players</a:t>
-            </a:r>
-          </a:p>
-          <a:p>
-            <a:r>
-              <a:rPr lang="en-GB" dirty="0"/>
-              <a:t>Better unwrap Directions of Use</a:t>
-            </a:r>
-          </a:p>
-          <a:p>
-            <a:r>
-              <a:rPr lang="en-GB" dirty="0"/>
-              <a:t>More Twitch Directions of Movement</a:t>
-            </a:r>
-          </a:p>
-          <a:p>
-            <a:r>
-              <a:rPr lang="en-GB" dirty="0"/>
-              <a:t>Structure of program</a:t>
-            </a:r>
-          </a:p>
-          <a:p>
-            <a:pPr lvl="1"/>
-            <a:r>
-              <a:rPr lang="en-GB" dirty="0"/>
-              <a:t>More Abstraction</a:t>
-            </a:r>
-          </a:p>
-          <a:p>
-            <a:pPr lvl="1"/>
-            <a:r>
-              <a:rPr lang="en-GB" dirty="0"/>
-              <a:t>More polymorphism</a:t>
-            </a:r>
-          </a:p>
-          <a:p>
-            <a:endParaRPr lang="en-GB" dirty="0"/>
-          </a:p>
-          <a:p>
-            <a:pPr lvl="1"/>
-            <a:endParaRPr lang="en-GB" dirty="0"/>
-          </a:p>
-          <a:p>
-            <a:pPr lvl="2"/>
-            <a:endParaRPr lang="en-GB" dirty="0"/>
-          </a:p>
-          <a:p>
-            <a:pPr lvl="1"/>
-            <a:endParaRPr lang="en-GB" dirty="0"/>
-          </a:p>
-          <a:p>
-            <a:pPr lvl="2"/>
-            <a:endParaRPr lang="en-GB" dirty="0"/>
-          </a:p>
-          <a:p>
-            <a:pPr lvl="1"/>
-            <a:endParaRPr lang="en-GB" dirty="0"/>
-          </a:p>
-          <a:p>
-            <a:pPr lvl="1"/>
+        <p:spPr/>
+        <p:txBody>
+          <a:bodyPr/>
+          <a:lstStyle/>
+          <a:p>
+            <a:r>
+              <a:rPr lang="de-DE" dirty="0" err="1"/>
+              <a:t>One</a:t>
+            </a:r>
+            <a:r>
+              <a:rPr lang="de-DE" dirty="0"/>
+              <a:t> iPhone and </a:t>
+            </a:r>
+            <a:r>
+              <a:rPr lang="de-DE" dirty="0" err="1"/>
+              <a:t>macbook</a:t>
+            </a:r>
             <a:endParaRPr lang="de-DE" dirty="0"/>
           </a:p>
+          <a:p>
+            <a:r>
+              <a:rPr lang="de-DE" dirty="0" err="1"/>
+              <a:t>Github</a:t>
+            </a:r>
+            <a:r>
+              <a:rPr lang="de-DE" dirty="0"/>
+              <a:t> </a:t>
+            </a:r>
+            <a:r>
+              <a:rPr lang="de-DE" dirty="0" err="1"/>
+              <a:t>merge</a:t>
+            </a:r>
+            <a:r>
+              <a:rPr lang="de-DE" dirty="0"/>
+              <a:t> </a:t>
+            </a:r>
+            <a:r>
+              <a:rPr lang="de-DE" dirty="0" err="1"/>
+              <a:t>of</a:t>
+            </a:r>
+            <a:r>
+              <a:rPr lang="de-DE" dirty="0"/>
+              <a:t> </a:t>
+            </a:r>
+            <a:r>
+              <a:rPr lang="de-DE" dirty="0" err="1"/>
+              <a:t>main.storyboard</a:t>
+            </a:r>
+            <a:endParaRPr lang="de-DE" dirty="0"/>
+          </a:p>
+          <a:p>
+            <a:r>
+              <a:rPr lang="de-DE" dirty="0" err="1"/>
+              <a:t>rbi-room</a:t>
+            </a:r>
+            <a:r>
+              <a:rPr lang="de-DE" dirty="0"/>
+              <a:t> </a:t>
+            </a:r>
+            <a:r>
+              <a:rPr lang="de-DE" dirty="0" err="1"/>
+              <a:t>is</a:t>
+            </a:r>
+            <a:r>
+              <a:rPr lang="de-DE" dirty="0"/>
+              <a:t> not </a:t>
+            </a:r>
+            <a:r>
+              <a:rPr lang="de-DE" dirty="0" err="1"/>
+              <a:t>always</a:t>
+            </a:r>
+            <a:r>
+              <a:rPr lang="de-DE" dirty="0"/>
+              <a:t> </a:t>
+            </a:r>
+            <a:r>
+              <a:rPr lang="de-DE" dirty="0" err="1"/>
+              <a:t>available</a:t>
+            </a:r>
+            <a:endParaRPr lang="de-DE" dirty="0"/>
+          </a:p>
+          <a:p>
+            <a:r>
+              <a:rPr lang="de-DE" dirty="0"/>
+              <a:t>Start </a:t>
+            </a:r>
+            <a:r>
+              <a:rPr lang="de-DE" dirty="0" err="1"/>
+              <a:t>earlier</a:t>
+            </a:r>
+            <a:r>
+              <a:rPr lang="de-DE" dirty="0"/>
+              <a:t> (</a:t>
+            </a:r>
+            <a:r>
+              <a:rPr lang="de-DE" dirty="0" err="1"/>
+              <a:t>especially</a:t>
+            </a:r>
+            <a:r>
+              <a:rPr lang="de-DE" dirty="0"/>
+              <a:t> </a:t>
+            </a:r>
+            <a:r>
+              <a:rPr lang="de-DE" dirty="0" err="1"/>
+              <a:t>when</a:t>
+            </a:r>
+            <a:r>
+              <a:rPr lang="de-DE" dirty="0"/>
+              <a:t> </a:t>
+            </a:r>
+            <a:r>
+              <a:rPr lang="de-DE" dirty="0" err="1"/>
+              <a:t>researching</a:t>
+            </a:r>
+            <a:r>
+              <a:rPr lang="de-DE" dirty="0"/>
+              <a:t> </a:t>
+            </a:r>
+            <a:r>
+              <a:rPr lang="de-DE" dirty="0" err="1"/>
+              <a:t>the</a:t>
+            </a:r>
+            <a:r>
+              <a:rPr lang="de-DE" dirty="0"/>
+              <a:t> </a:t>
+            </a:r>
+            <a:r>
+              <a:rPr lang="de-DE" dirty="0" err="1"/>
+              <a:t>frameworks</a:t>
+            </a:r>
+            <a:r>
+              <a:rPr lang="de-DE" dirty="0"/>
+              <a:t>)</a:t>
+            </a:r>
+          </a:p>
+          <a:p>
+            <a:endParaRPr lang="de-DE" dirty="0"/>
+          </a:p>
         </p:txBody>
       </p:sp>
       <p:sp>
@@ -5441,7 +5455,7 @@
           <p:cNvPr id="4" name="Slide Number Placeholder 3">
             <a:extLst>
               <a:ext uri="{FF2B5EF4-FFF2-40B4-BE49-F238E27FC236}">
-                <a16:creationId xmlns:a16="http://schemas.microsoft.com/office/drawing/2014/main" id="{5FBC4890-7A13-450E-9EFB-CCDFFFA05B48}"/>
+                <a16:creationId xmlns:a16="http://schemas.microsoft.com/office/drawing/2014/main" id="{F248A981-A00B-437E-87B4-9A6490C6B3E5}"/>
               </a:ext>
             </a:extLst>
           </p:cNvPr>
@@ -5469,7 +5483,7 @@
     </p:spTree>
     <p:extLst>
       <p:ext uri="{BB962C8B-B14F-4D97-AF65-F5344CB8AC3E}">
-        <p14:creationId xmlns:p14="http://schemas.microsoft.com/office/powerpoint/2010/main" val="394130377"/>
+        <p14:creationId xmlns:p14="http://schemas.microsoft.com/office/powerpoint/2010/main" val="2249742481"/>
       </p:ext>
     </p:extLst>
   </p:cSld>
@@ -5512,7 +5526,12 @@
             <p:ph type="title"/>
           </p:nvPr>
         </p:nvSpPr>
-        <p:spPr/>
+        <p:spPr>
+          <a:xfrm>
+            <a:off x="838200" y="2766218"/>
+            <a:ext cx="10515600" cy="1325563"/>
+          </a:xfrm>
+        </p:spPr>
         <p:txBody>
           <a:bodyPr/>
           <a:lstStyle/>
@@ -5521,53 +5540,6 @@
             <a:r>
               <a:rPr lang="en-GB" dirty="0"/>
               <a:t>Code examples</a:t>
-            </a:r>
-            <a:endParaRPr lang="de-DE" dirty="0"/>
-          </a:p>
-        </p:txBody>
-      </p:sp>
-      <p:sp>
-        <p:nvSpPr>
-          <p:cNvPr id="3" name="Content Placeholder 2">
-            <a:extLst>
-              <a:ext uri="{FF2B5EF4-FFF2-40B4-BE49-F238E27FC236}">
-                <a16:creationId xmlns:a16="http://schemas.microsoft.com/office/drawing/2014/main" id="{688DDCCC-3442-4F95-AD39-7A5E7E906537}"/>
-              </a:ext>
-            </a:extLst>
-          </p:cNvPr>
-          <p:cNvSpPr>
-            <a:spLocks noGrp="1"/>
-          </p:cNvSpPr>
-          <p:nvPr>
-            <p:ph idx="1"/>
-          </p:nvPr>
-        </p:nvSpPr>
-        <p:spPr/>
-        <p:txBody>
-          <a:bodyPr/>
-          <a:lstStyle/>
-          <a:p>
-            <a:r>
-              <a:rPr lang="en-GB" dirty="0"/>
-              <a:t>Twitch</a:t>
-            </a:r>
-          </a:p>
-          <a:p>
-            <a:r>
-              <a:rPr lang="en-GB" dirty="0"/>
-              <a:t>Light manager</a:t>
-            </a:r>
-          </a:p>
-          <a:p>
-            <a:r>
-              <a:rPr lang="en-GB" dirty="0"/>
-              <a:t>Unwrap</a:t>
-            </a:r>
-          </a:p>
-          <a:p>
-            <a:r>
-              <a:rPr lang="en-GB" dirty="0"/>
-              <a:t>Deliver</a:t>
             </a:r>
             <a:endParaRPr lang="de-DE" dirty="0"/>
           </a:p>
@@ -6680,6 +6652,321 @@
   <p:clrMapOvr>
     <a:masterClrMapping/>
   </p:clrMapOvr>
+  <p:timing>
+    <p:tnLst>
+      <p:par>
+        <p:cTn id="1" dur="indefinite" restart="never" nodeType="tmRoot">
+          <p:childTnLst>
+            <p:seq concurrent="1" nextAc="seek">
+              <p:cTn id="2" dur="indefinite" nodeType="mainSeq">
+                <p:childTnLst>
+                  <p:par>
+                    <p:cTn id="3" fill="hold">
+                      <p:stCondLst>
+                        <p:cond delay="indefinite"/>
+                      </p:stCondLst>
+                      <p:childTnLst>
+                        <p:par>
+                          <p:cTn id="4" fill="hold">
+                            <p:stCondLst>
+                              <p:cond delay="0"/>
+                            </p:stCondLst>
+                            <p:childTnLst>
+                              <p:par>
+                                <p:cTn id="5" presetID="1" presetClass="entr" presetSubtype="0" fill="hold" nodeType="clickEffect">
+                                  <p:stCondLst>
+                                    <p:cond delay="0"/>
+                                  </p:stCondLst>
+                                  <p:childTnLst>
+                                    <p:set>
+                                      <p:cBhvr>
+                                        <p:cTn id="6" dur="1" fill="hold">
+                                          <p:stCondLst>
+                                            <p:cond delay="0"/>
+                                          </p:stCondLst>
+                                        </p:cTn>
+                                        <p:tgtEl>
+                                          <p:spTgt spid="3">
+                                            <p:txEl>
+                                              <p:pRg st="2" end="2"/>
+                                            </p:txEl>
+                                          </p:spTgt>
+                                        </p:tgtEl>
+                                        <p:attrNameLst>
+                                          <p:attrName>style.visibility</p:attrName>
+                                        </p:attrNameLst>
+                                      </p:cBhvr>
+                                      <p:to>
+                                        <p:strVal val="visible"/>
+                                      </p:to>
+                                    </p:set>
+                                  </p:childTnLst>
+                                </p:cTn>
+                              </p:par>
+                            </p:childTnLst>
+                          </p:cTn>
+                        </p:par>
+                      </p:childTnLst>
+                    </p:cTn>
+                  </p:par>
+                  <p:par>
+                    <p:cTn id="7" fill="hold">
+                      <p:stCondLst>
+                        <p:cond delay="indefinite"/>
+                      </p:stCondLst>
+                      <p:childTnLst>
+                        <p:par>
+                          <p:cTn id="8" fill="hold">
+                            <p:stCondLst>
+                              <p:cond delay="0"/>
+                            </p:stCondLst>
+                            <p:childTnLst>
+                              <p:par>
+                                <p:cTn id="9" presetID="1" presetClass="entr" presetSubtype="0" fill="hold" nodeType="clickEffect">
+                                  <p:stCondLst>
+                                    <p:cond delay="0"/>
+                                  </p:stCondLst>
+                                  <p:childTnLst>
+                                    <p:set>
+                                      <p:cBhvr>
+                                        <p:cTn id="10" dur="1" fill="hold">
+                                          <p:stCondLst>
+                                            <p:cond delay="0"/>
+                                          </p:stCondLst>
+                                        </p:cTn>
+                                        <p:tgtEl>
+                                          <p:spTgt spid="3">
+                                            <p:txEl>
+                                              <p:pRg st="3" end="3"/>
+                                            </p:txEl>
+                                          </p:spTgt>
+                                        </p:tgtEl>
+                                        <p:attrNameLst>
+                                          <p:attrName>style.visibility</p:attrName>
+                                        </p:attrNameLst>
+                                      </p:cBhvr>
+                                      <p:to>
+                                        <p:strVal val="visible"/>
+                                      </p:to>
+                                    </p:set>
+                                  </p:childTnLst>
+                                </p:cTn>
+                              </p:par>
+                            </p:childTnLst>
+                          </p:cTn>
+                        </p:par>
+                      </p:childTnLst>
+                    </p:cTn>
+                  </p:par>
+                  <p:par>
+                    <p:cTn id="11" fill="hold">
+                      <p:stCondLst>
+                        <p:cond delay="indefinite"/>
+                      </p:stCondLst>
+                      <p:childTnLst>
+                        <p:par>
+                          <p:cTn id="12" fill="hold">
+                            <p:stCondLst>
+                              <p:cond delay="0"/>
+                            </p:stCondLst>
+                            <p:childTnLst>
+                              <p:par>
+                                <p:cTn id="13" presetID="1" presetClass="entr" presetSubtype="0" fill="hold" nodeType="clickEffect">
+                                  <p:stCondLst>
+                                    <p:cond delay="0"/>
+                                  </p:stCondLst>
+                                  <p:childTnLst>
+                                    <p:set>
+                                      <p:cBhvr>
+                                        <p:cTn id="14" dur="1" fill="hold">
+                                          <p:stCondLst>
+                                            <p:cond delay="0"/>
+                                          </p:stCondLst>
+                                        </p:cTn>
+                                        <p:tgtEl>
+                                          <p:spTgt spid="3">
+                                            <p:txEl>
+                                              <p:pRg st="4" end="4"/>
+                                            </p:txEl>
+                                          </p:spTgt>
+                                        </p:tgtEl>
+                                        <p:attrNameLst>
+                                          <p:attrName>style.visibility</p:attrName>
+                                        </p:attrNameLst>
+                                      </p:cBhvr>
+                                      <p:to>
+                                        <p:strVal val="visible"/>
+                                      </p:to>
+                                    </p:set>
+                                  </p:childTnLst>
+                                </p:cTn>
+                              </p:par>
+                              <p:par>
+                                <p:cTn id="15" presetID="1" presetClass="entr" presetSubtype="0" fill="hold" nodeType="withEffect">
+                                  <p:stCondLst>
+                                    <p:cond delay="0"/>
+                                  </p:stCondLst>
+                                  <p:childTnLst>
+                                    <p:set>
+                                      <p:cBhvr>
+                                        <p:cTn id="16" dur="1" fill="hold">
+                                          <p:stCondLst>
+                                            <p:cond delay="0"/>
+                                          </p:stCondLst>
+                                        </p:cTn>
+                                        <p:tgtEl>
+                                          <p:spTgt spid="3">
+                                            <p:txEl>
+                                              <p:pRg st="5" end="5"/>
+                                            </p:txEl>
+                                          </p:spTgt>
+                                        </p:tgtEl>
+                                        <p:attrNameLst>
+                                          <p:attrName>style.visibility</p:attrName>
+                                        </p:attrNameLst>
+                                      </p:cBhvr>
+                                      <p:to>
+                                        <p:strVal val="visible"/>
+                                      </p:to>
+                                    </p:set>
+                                  </p:childTnLst>
+                                </p:cTn>
+                              </p:par>
+                              <p:par>
+                                <p:cTn id="17" presetID="1" presetClass="entr" presetSubtype="0" fill="hold" nodeType="withEffect">
+                                  <p:stCondLst>
+                                    <p:cond delay="0"/>
+                                  </p:stCondLst>
+                                  <p:childTnLst>
+                                    <p:set>
+                                      <p:cBhvr>
+                                        <p:cTn id="18" dur="1" fill="hold">
+                                          <p:stCondLst>
+                                            <p:cond delay="0"/>
+                                          </p:stCondLst>
+                                        </p:cTn>
+                                        <p:tgtEl>
+                                          <p:spTgt spid="3">
+                                            <p:txEl>
+                                              <p:pRg st="6" end="6"/>
+                                            </p:txEl>
+                                          </p:spTgt>
+                                        </p:tgtEl>
+                                        <p:attrNameLst>
+                                          <p:attrName>style.visibility</p:attrName>
+                                        </p:attrNameLst>
+                                      </p:cBhvr>
+                                      <p:to>
+                                        <p:strVal val="visible"/>
+                                      </p:to>
+                                    </p:set>
+                                  </p:childTnLst>
+                                </p:cTn>
+                              </p:par>
+                              <p:par>
+                                <p:cTn id="19" presetID="1" presetClass="entr" presetSubtype="0" fill="hold" nodeType="withEffect">
+                                  <p:stCondLst>
+                                    <p:cond delay="0"/>
+                                  </p:stCondLst>
+                                  <p:childTnLst>
+                                    <p:set>
+                                      <p:cBhvr>
+                                        <p:cTn id="20" dur="1" fill="hold">
+                                          <p:stCondLst>
+                                            <p:cond delay="0"/>
+                                          </p:stCondLst>
+                                        </p:cTn>
+                                        <p:tgtEl>
+                                          <p:spTgt spid="3">
+                                            <p:txEl>
+                                              <p:pRg st="7" end="7"/>
+                                            </p:txEl>
+                                          </p:spTgt>
+                                        </p:tgtEl>
+                                        <p:attrNameLst>
+                                          <p:attrName>style.visibility</p:attrName>
+                                        </p:attrNameLst>
+                                      </p:cBhvr>
+                                      <p:to>
+                                        <p:strVal val="visible"/>
+                                      </p:to>
+                                    </p:set>
+                                  </p:childTnLst>
+                                </p:cTn>
+                              </p:par>
+                            </p:childTnLst>
+                          </p:cTn>
+                        </p:par>
+                      </p:childTnLst>
+                    </p:cTn>
+                  </p:par>
+                  <p:par>
+                    <p:cTn id="21" fill="hold">
+                      <p:stCondLst>
+                        <p:cond delay="indefinite"/>
+                      </p:stCondLst>
+                      <p:childTnLst>
+                        <p:par>
+                          <p:cTn id="22" fill="hold">
+                            <p:stCondLst>
+                              <p:cond delay="0"/>
+                            </p:stCondLst>
+                            <p:childTnLst>
+                              <p:par>
+                                <p:cTn id="23" presetID="1" presetClass="entr" presetSubtype="0" fill="hold" nodeType="clickEffect">
+                                  <p:stCondLst>
+                                    <p:cond delay="0"/>
+                                  </p:stCondLst>
+                                  <p:childTnLst>
+                                    <p:set>
+                                      <p:cBhvr>
+                                        <p:cTn id="24" dur="1" fill="hold">
+                                          <p:stCondLst>
+                                            <p:cond delay="0"/>
+                                          </p:stCondLst>
+                                        </p:cTn>
+                                        <p:tgtEl>
+                                          <p:spTgt spid="5"/>
+                                        </p:tgtEl>
+                                        <p:attrNameLst>
+                                          <p:attrName>style.visibility</p:attrName>
+                                        </p:attrNameLst>
+                                      </p:cBhvr>
+                                      <p:to>
+                                        <p:strVal val="visible"/>
+                                      </p:to>
+                                    </p:set>
+                                  </p:childTnLst>
+                                </p:cTn>
+                              </p:par>
+                            </p:childTnLst>
+                          </p:cTn>
+                        </p:par>
+                      </p:childTnLst>
+                    </p:cTn>
+                  </p:par>
+                </p:childTnLst>
+              </p:cTn>
+              <p:prevCondLst>
+                <p:cond evt="onPrev" delay="0">
+                  <p:tgtEl>
+                    <p:sldTgt/>
+                  </p:tgtEl>
+                </p:cond>
+              </p:prevCondLst>
+              <p:nextCondLst>
+                <p:cond evt="onNext" delay="0">
+                  <p:tgtEl>
+                    <p:sldTgt/>
+                  </p:tgtEl>
+                </p:cond>
+              </p:nextCondLst>
+            </p:seq>
+          </p:childTnLst>
+        </p:cTn>
+      </p:par>
+    </p:tnLst>
+  </p:timing>
 </p:sld>
 </file>
 
@@ -6835,6 +7122,1436 @@
     <p:extLst>
       <p:ext uri="{BB962C8B-B14F-4D97-AF65-F5344CB8AC3E}">
         <p14:creationId xmlns:p14="http://schemas.microsoft.com/office/powerpoint/2010/main" val="810339624"/>
+      </p:ext>
+    </p:extLst>
+  </p:cSld>
+  <p:clrMapOvr>
+    <a:masterClrMapping/>
+  </p:clrMapOvr>
+</p:sld>
+</file>
+
+<file path=ppt/slides/slide21.xml><?xml version="1.0" encoding="utf-8"?>
+<p:sld xmlns:a="http://schemas.openxmlformats.org/drawingml/2006/main" xmlns:r="http://schemas.openxmlformats.org/officeDocument/2006/relationships" xmlns:p="http://schemas.openxmlformats.org/presentationml/2006/main">
+  <p:cSld>
+    <p:spTree>
+      <p:nvGrpSpPr>
+        <p:cNvPr id="1" name=""/>
+        <p:cNvGrpSpPr/>
+        <p:nvPr/>
+      </p:nvGrpSpPr>
+      <p:grpSpPr>
+        <a:xfrm>
+          <a:off x="0" y="0"/>
+          <a:ext cx="0" cy="0"/>
+          <a:chOff x="0" y="0"/>
+          <a:chExt cx="0" cy="0"/>
+        </a:xfrm>
+      </p:grpSpPr>
+      <p:sp>
+        <p:nvSpPr>
+          <p:cNvPr id="2" name="Title 1">
+            <a:extLst>
+              <a:ext uri="{FF2B5EF4-FFF2-40B4-BE49-F238E27FC236}">
+                <a16:creationId xmlns:a16="http://schemas.microsoft.com/office/drawing/2014/main" id="{AECE0218-F5B7-4EB4-9A14-D893E3A39646}"/>
+              </a:ext>
+            </a:extLst>
+          </p:cNvPr>
+          <p:cNvSpPr>
+            <a:spLocks noGrp="1"/>
+          </p:cNvSpPr>
+          <p:nvPr>
+            <p:ph type="title"/>
+          </p:nvPr>
+        </p:nvSpPr>
+        <p:spPr/>
+        <p:txBody>
+          <a:bodyPr/>
+          <a:lstStyle/>
+          <a:p>
+            <a:pPr algn="ctr"/>
+            <a:r>
+              <a:rPr lang="de-DE" dirty="0"/>
+              <a:t>Deliver Code</a:t>
+            </a:r>
+          </a:p>
+        </p:txBody>
+      </p:sp>
+      <p:sp>
+        <p:nvSpPr>
+          <p:cNvPr id="3" name="Content Placeholder 2">
+            <a:extLst>
+              <a:ext uri="{FF2B5EF4-FFF2-40B4-BE49-F238E27FC236}">
+                <a16:creationId xmlns:a16="http://schemas.microsoft.com/office/drawing/2014/main" id="{75315EF3-4BE9-459B-A792-F63BE74822EA}"/>
+              </a:ext>
+            </a:extLst>
+          </p:cNvPr>
+          <p:cNvSpPr>
+            <a:spLocks noGrp="1"/>
+          </p:cNvSpPr>
+          <p:nvPr>
+            <p:ph idx="1"/>
+          </p:nvPr>
+        </p:nvSpPr>
+        <p:spPr>
+          <a:xfrm>
+            <a:off x="838200" y="1825625"/>
+            <a:ext cx="10515600" cy="4351338"/>
+          </a:xfrm>
+        </p:spPr>
+        <p:txBody>
+          <a:bodyPr/>
+          <a:lstStyle/>
+          <a:p>
+            <a:r>
+              <a:rPr lang="de-DE" dirty="0"/>
+              <a:t>Add </a:t>
+            </a:r>
+            <a:r>
+              <a:rPr lang="de-DE" dirty="0" err="1"/>
+              <a:t>observers</a:t>
+            </a:r>
+            <a:endParaRPr lang="de-DE" dirty="0"/>
+          </a:p>
+        </p:txBody>
+      </p:sp>
+      <p:sp>
+        <p:nvSpPr>
+          <p:cNvPr id="4" name="Slide Number Placeholder 3">
+            <a:extLst>
+              <a:ext uri="{FF2B5EF4-FFF2-40B4-BE49-F238E27FC236}">
+                <a16:creationId xmlns:a16="http://schemas.microsoft.com/office/drawing/2014/main" id="{800B8367-03B5-4739-BC42-CA910AFA44E3}"/>
+              </a:ext>
+            </a:extLst>
+          </p:cNvPr>
+          <p:cNvSpPr>
+            <a:spLocks noGrp="1"/>
+          </p:cNvSpPr>
+          <p:nvPr>
+            <p:ph type="sldNum" sz="quarter" idx="12"/>
+          </p:nvPr>
+        </p:nvSpPr>
+        <p:spPr/>
+        <p:txBody>
+          <a:bodyPr/>
+          <a:lstStyle/>
+          <a:p>
+            <a:fld id="{5FA8D64E-092D-488F-9555-4FE258A6A447}" type="slidenum">
+              <a:rPr lang="de-DE" smtClean="0"/>
+              <a:pPr/>
+              <a:t>21</a:t>
+            </a:fld>
+            <a:endParaRPr lang="de-DE" dirty="0"/>
+          </a:p>
+        </p:txBody>
+      </p:sp>
+      <p:pic>
+        <p:nvPicPr>
+          <p:cNvPr id="9" name="Picture 8">
+            <a:extLst>
+              <a:ext uri="{FF2B5EF4-FFF2-40B4-BE49-F238E27FC236}">
+                <a16:creationId xmlns:a16="http://schemas.microsoft.com/office/drawing/2014/main" id="{5284A1EE-29AD-4CB4-802E-0BC9EFCFD4A5}"/>
+              </a:ext>
+            </a:extLst>
+          </p:cNvPr>
+          <p:cNvPicPr>
+            <a:picLocks noChangeAspect="1"/>
+          </p:cNvPicPr>
+          <p:nvPr/>
+        </p:nvPicPr>
+        <p:blipFill>
+          <a:blip r:embed="rId2">
+            <a:extLst>
+              <a:ext uri="{28A0092B-C50C-407E-A947-70E740481C1C}">
+                <a14:useLocalDpi xmlns:a14="http://schemas.microsoft.com/office/drawing/2010/main" val="0"/>
+              </a:ext>
+            </a:extLst>
+          </a:blip>
+          <a:stretch>
+            <a:fillRect/>
+          </a:stretch>
+        </p:blipFill>
+        <p:spPr>
+          <a:xfrm>
+            <a:off x="838200" y="2331981"/>
+            <a:ext cx="8133318" cy="316626"/>
+          </a:xfrm>
+          <a:prstGeom prst="rect">
+            <a:avLst/>
+          </a:prstGeom>
+        </p:spPr>
+      </p:pic>
+      <p:pic>
+        <p:nvPicPr>
+          <p:cNvPr id="11" name="Picture 10" descr="A screenshot of a cell phone&#10;&#10;Description automatically generated">
+            <a:extLst>
+              <a:ext uri="{FF2B5EF4-FFF2-40B4-BE49-F238E27FC236}">
+                <a16:creationId xmlns:a16="http://schemas.microsoft.com/office/drawing/2014/main" id="{87D09607-515D-49B4-AD48-D01159E0A897}"/>
+              </a:ext>
+            </a:extLst>
+          </p:cNvPr>
+          <p:cNvPicPr>
+            <a:picLocks noChangeAspect="1"/>
+          </p:cNvPicPr>
+          <p:nvPr/>
+        </p:nvPicPr>
+        <p:blipFill>
+          <a:blip r:embed="rId3">
+            <a:extLst>
+              <a:ext uri="{28A0092B-C50C-407E-A947-70E740481C1C}">
+                <a14:useLocalDpi xmlns:a14="http://schemas.microsoft.com/office/drawing/2010/main" val="0"/>
+              </a:ext>
+            </a:extLst>
+          </a:blip>
+          <a:stretch>
+            <a:fillRect/>
+          </a:stretch>
+        </p:blipFill>
+        <p:spPr>
+          <a:xfrm>
+            <a:off x="838200" y="3070167"/>
+            <a:ext cx="7729778" cy="1224649"/>
+          </a:xfrm>
+          <a:prstGeom prst="rect">
+            <a:avLst/>
+          </a:prstGeom>
+        </p:spPr>
+      </p:pic>
+      <p:pic>
+        <p:nvPicPr>
+          <p:cNvPr id="13" name="Picture 12">
+            <a:extLst>
+              <a:ext uri="{FF2B5EF4-FFF2-40B4-BE49-F238E27FC236}">
+                <a16:creationId xmlns:a16="http://schemas.microsoft.com/office/drawing/2014/main" id="{604970D2-B791-4FA8-89E2-46D023CAC1F5}"/>
+              </a:ext>
+            </a:extLst>
+          </p:cNvPr>
+          <p:cNvPicPr>
+            <a:picLocks noChangeAspect="1"/>
+          </p:cNvPicPr>
+          <p:nvPr/>
+        </p:nvPicPr>
+        <p:blipFill>
+          <a:blip r:embed="rId4">
+            <a:extLst>
+              <a:ext uri="{28A0092B-C50C-407E-A947-70E740481C1C}">
+                <a14:useLocalDpi xmlns:a14="http://schemas.microsoft.com/office/drawing/2010/main" val="0"/>
+              </a:ext>
+            </a:extLst>
+          </a:blip>
+          <a:stretch>
+            <a:fillRect/>
+          </a:stretch>
+        </p:blipFill>
+        <p:spPr>
+          <a:xfrm>
+            <a:off x="838200" y="4500479"/>
+            <a:ext cx="6175627" cy="597039"/>
+          </a:xfrm>
+          <a:prstGeom prst="rect">
+            <a:avLst/>
+          </a:prstGeom>
+        </p:spPr>
+      </p:pic>
+    </p:spTree>
+    <p:extLst>
+      <p:ext uri="{BB962C8B-B14F-4D97-AF65-F5344CB8AC3E}">
+        <p14:creationId xmlns:p14="http://schemas.microsoft.com/office/powerpoint/2010/main" val="1980043211"/>
+      </p:ext>
+    </p:extLst>
+  </p:cSld>
+  <p:clrMapOvr>
+    <a:masterClrMapping/>
+  </p:clrMapOvr>
+</p:sld>
+</file>
+
+<file path=ppt/slides/slide22.xml><?xml version="1.0" encoding="utf-8"?>
+<p:sld xmlns:a="http://schemas.openxmlformats.org/drawingml/2006/main" xmlns:r="http://schemas.openxmlformats.org/officeDocument/2006/relationships" xmlns:p="http://schemas.openxmlformats.org/presentationml/2006/main">
+  <p:cSld>
+    <p:spTree>
+      <p:nvGrpSpPr>
+        <p:cNvPr id="1" name=""/>
+        <p:cNvGrpSpPr/>
+        <p:nvPr/>
+      </p:nvGrpSpPr>
+      <p:grpSpPr>
+        <a:xfrm>
+          <a:off x="0" y="0"/>
+          <a:ext cx="0" cy="0"/>
+          <a:chOff x="0" y="0"/>
+          <a:chExt cx="0" cy="0"/>
+        </a:xfrm>
+      </p:grpSpPr>
+      <p:sp>
+        <p:nvSpPr>
+          <p:cNvPr id="2" name="Title 1">
+            <a:extLst>
+              <a:ext uri="{FF2B5EF4-FFF2-40B4-BE49-F238E27FC236}">
+                <a16:creationId xmlns:a16="http://schemas.microsoft.com/office/drawing/2014/main" id="{4934CB8A-2BA8-4199-96F6-5532D2F59B8D}"/>
+              </a:ext>
+            </a:extLst>
+          </p:cNvPr>
+          <p:cNvSpPr>
+            <a:spLocks noGrp="1"/>
+          </p:cNvSpPr>
+          <p:nvPr>
+            <p:ph type="title"/>
+          </p:nvPr>
+        </p:nvSpPr>
+        <p:spPr/>
+        <p:txBody>
+          <a:bodyPr/>
+          <a:lstStyle/>
+          <a:p>
+            <a:pPr algn="ctr"/>
+            <a:r>
+              <a:rPr lang="de-DE" dirty="0"/>
+              <a:t>Deliver Code</a:t>
+            </a:r>
+          </a:p>
+        </p:txBody>
+      </p:sp>
+      <p:sp>
+        <p:nvSpPr>
+          <p:cNvPr id="3" name="Content Placeholder 2">
+            <a:extLst>
+              <a:ext uri="{FF2B5EF4-FFF2-40B4-BE49-F238E27FC236}">
+                <a16:creationId xmlns:a16="http://schemas.microsoft.com/office/drawing/2014/main" id="{643A0F86-71B5-4B59-8906-30755DAB23E7}"/>
+              </a:ext>
+            </a:extLst>
+          </p:cNvPr>
+          <p:cNvSpPr>
+            <a:spLocks noGrp="1"/>
+          </p:cNvSpPr>
+          <p:nvPr>
+            <p:ph idx="1"/>
+          </p:nvPr>
+        </p:nvSpPr>
+        <p:spPr/>
+        <p:txBody>
+          <a:bodyPr/>
+          <a:lstStyle/>
+          <a:p>
+            <a:r>
+              <a:rPr lang="de-DE" dirty="0" err="1"/>
+              <a:t>Timer</a:t>
+            </a:r>
+            <a:endParaRPr lang="de-DE" dirty="0"/>
+          </a:p>
+        </p:txBody>
+      </p:sp>
+      <p:sp>
+        <p:nvSpPr>
+          <p:cNvPr id="4" name="Slide Number Placeholder 3">
+            <a:extLst>
+              <a:ext uri="{FF2B5EF4-FFF2-40B4-BE49-F238E27FC236}">
+                <a16:creationId xmlns:a16="http://schemas.microsoft.com/office/drawing/2014/main" id="{00C85858-4913-4F11-9D15-FBD134258DE6}"/>
+              </a:ext>
+            </a:extLst>
+          </p:cNvPr>
+          <p:cNvSpPr>
+            <a:spLocks noGrp="1"/>
+          </p:cNvSpPr>
+          <p:nvPr>
+            <p:ph type="sldNum" sz="quarter" idx="12"/>
+          </p:nvPr>
+        </p:nvSpPr>
+        <p:spPr/>
+        <p:txBody>
+          <a:bodyPr/>
+          <a:lstStyle/>
+          <a:p>
+            <a:fld id="{5FA8D64E-092D-488F-9555-4FE258A6A447}" type="slidenum">
+              <a:rPr lang="de-DE" smtClean="0"/>
+              <a:pPr/>
+              <a:t>22</a:t>
+            </a:fld>
+            <a:endParaRPr lang="de-DE" dirty="0"/>
+          </a:p>
+        </p:txBody>
+      </p:sp>
+      <p:pic>
+        <p:nvPicPr>
+          <p:cNvPr id="6" name="Picture 5" descr="A screenshot of a social media post&#10;&#10;Description automatically generated">
+            <a:extLst>
+              <a:ext uri="{FF2B5EF4-FFF2-40B4-BE49-F238E27FC236}">
+                <a16:creationId xmlns:a16="http://schemas.microsoft.com/office/drawing/2014/main" id="{8BA5938D-C46D-4B8C-BD75-4846E199282F}"/>
+              </a:ext>
+            </a:extLst>
+          </p:cNvPr>
+          <p:cNvPicPr>
+            <a:picLocks noChangeAspect="1"/>
+          </p:cNvPicPr>
+          <p:nvPr/>
+        </p:nvPicPr>
+        <p:blipFill>
+          <a:blip r:embed="rId2">
+            <a:extLst>
+              <a:ext uri="{28A0092B-C50C-407E-A947-70E740481C1C}">
+                <a14:useLocalDpi xmlns:a14="http://schemas.microsoft.com/office/drawing/2010/main" val="0"/>
+              </a:ext>
+            </a:extLst>
+          </a:blip>
+          <a:stretch>
+            <a:fillRect/>
+          </a:stretch>
+        </p:blipFill>
+        <p:spPr>
+          <a:xfrm>
+            <a:off x="1129589" y="2386908"/>
+            <a:ext cx="8773758" cy="2237643"/>
+          </a:xfrm>
+          <a:prstGeom prst="rect">
+            <a:avLst/>
+          </a:prstGeom>
+        </p:spPr>
+      </p:pic>
+      <p:pic>
+        <p:nvPicPr>
+          <p:cNvPr id="8" name="Picture 7">
+            <a:extLst>
+              <a:ext uri="{FF2B5EF4-FFF2-40B4-BE49-F238E27FC236}">
+                <a16:creationId xmlns:a16="http://schemas.microsoft.com/office/drawing/2014/main" id="{4F56D2E3-E307-4D06-B725-AA9E7D2773AE}"/>
+              </a:ext>
+            </a:extLst>
+          </p:cNvPr>
+          <p:cNvPicPr>
+            <a:picLocks noChangeAspect="1"/>
+          </p:cNvPicPr>
+          <p:nvPr/>
+        </p:nvPicPr>
+        <p:blipFill>
+          <a:blip r:embed="rId3">
+            <a:extLst>
+              <a:ext uri="{28A0092B-C50C-407E-A947-70E740481C1C}">
+                <a14:useLocalDpi xmlns:a14="http://schemas.microsoft.com/office/drawing/2010/main" val="0"/>
+              </a:ext>
+            </a:extLst>
+          </a:blip>
+          <a:stretch>
+            <a:fillRect/>
+          </a:stretch>
+        </p:blipFill>
+        <p:spPr>
+          <a:xfrm>
+            <a:off x="982444" y="4624551"/>
+            <a:ext cx="6353777" cy="387342"/>
+          </a:xfrm>
+          <a:prstGeom prst="rect">
+            <a:avLst/>
+          </a:prstGeom>
+        </p:spPr>
+      </p:pic>
+    </p:spTree>
+    <p:extLst>
+      <p:ext uri="{BB962C8B-B14F-4D97-AF65-F5344CB8AC3E}">
+        <p14:creationId xmlns:p14="http://schemas.microsoft.com/office/powerpoint/2010/main" val="4255772592"/>
+      </p:ext>
+    </p:extLst>
+  </p:cSld>
+  <p:clrMapOvr>
+    <a:masterClrMapping/>
+  </p:clrMapOvr>
+</p:sld>
+</file>
+
+<file path=ppt/slides/slide23.xml><?xml version="1.0" encoding="utf-8"?>
+<p:sld xmlns:a="http://schemas.openxmlformats.org/drawingml/2006/main" xmlns:r="http://schemas.openxmlformats.org/officeDocument/2006/relationships" xmlns:p="http://schemas.openxmlformats.org/presentationml/2006/main">
+  <p:cSld>
+    <p:spTree>
+      <p:nvGrpSpPr>
+        <p:cNvPr id="1" name=""/>
+        <p:cNvGrpSpPr/>
+        <p:nvPr/>
+      </p:nvGrpSpPr>
+      <p:grpSpPr>
+        <a:xfrm>
+          <a:off x="0" y="0"/>
+          <a:ext cx="0" cy="0"/>
+          <a:chOff x="0" y="0"/>
+          <a:chExt cx="0" cy="0"/>
+        </a:xfrm>
+      </p:grpSpPr>
+      <p:sp>
+        <p:nvSpPr>
+          <p:cNvPr id="2" name="Title 1">
+            <a:extLst>
+              <a:ext uri="{FF2B5EF4-FFF2-40B4-BE49-F238E27FC236}">
+                <a16:creationId xmlns:a16="http://schemas.microsoft.com/office/drawing/2014/main" id="{D6D57354-410B-4488-95B8-37FE30D9D703}"/>
+              </a:ext>
+            </a:extLst>
+          </p:cNvPr>
+          <p:cNvSpPr>
+            <a:spLocks noGrp="1"/>
+          </p:cNvSpPr>
+          <p:nvPr>
+            <p:ph type="title"/>
+          </p:nvPr>
+        </p:nvSpPr>
+        <p:spPr/>
+        <p:txBody>
+          <a:bodyPr/>
+          <a:lstStyle/>
+          <a:p>
+            <a:pPr algn="ctr"/>
+            <a:r>
+              <a:rPr lang="de-DE" dirty="0"/>
+              <a:t>Deliver Code</a:t>
+            </a:r>
+          </a:p>
+        </p:txBody>
+      </p:sp>
+      <p:sp>
+        <p:nvSpPr>
+          <p:cNvPr id="4" name="Slide Number Placeholder 3">
+            <a:extLst>
+              <a:ext uri="{FF2B5EF4-FFF2-40B4-BE49-F238E27FC236}">
+                <a16:creationId xmlns:a16="http://schemas.microsoft.com/office/drawing/2014/main" id="{578C554B-296A-4A0C-BB8E-9EE03FA08712}"/>
+              </a:ext>
+            </a:extLst>
+          </p:cNvPr>
+          <p:cNvSpPr>
+            <a:spLocks noGrp="1"/>
+          </p:cNvSpPr>
+          <p:nvPr>
+            <p:ph type="sldNum" sz="quarter" idx="12"/>
+          </p:nvPr>
+        </p:nvSpPr>
+        <p:spPr/>
+        <p:txBody>
+          <a:bodyPr/>
+          <a:lstStyle/>
+          <a:p>
+            <a:fld id="{5FA8D64E-092D-488F-9555-4FE258A6A447}" type="slidenum">
+              <a:rPr lang="de-DE" smtClean="0"/>
+              <a:pPr/>
+              <a:t>23</a:t>
+            </a:fld>
+            <a:endParaRPr lang="de-DE" dirty="0"/>
+          </a:p>
+        </p:txBody>
+      </p:sp>
+      <p:pic>
+        <p:nvPicPr>
+          <p:cNvPr id="6" name="Picture 5" descr="A screenshot of a social media post&#10;&#10;Description automatically generated">
+            <a:extLst>
+              <a:ext uri="{FF2B5EF4-FFF2-40B4-BE49-F238E27FC236}">
+                <a16:creationId xmlns:a16="http://schemas.microsoft.com/office/drawing/2014/main" id="{75182C64-1506-4CF0-9248-EA8F69EE38E1}"/>
+              </a:ext>
+            </a:extLst>
+          </p:cNvPr>
+          <p:cNvPicPr>
+            <a:picLocks noChangeAspect="1"/>
+          </p:cNvPicPr>
+          <p:nvPr/>
+        </p:nvPicPr>
+        <p:blipFill>
+          <a:blip r:embed="rId2">
+            <a:extLst>
+              <a:ext uri="{28A0092B-C50C-407E-A947-70E740481C1C}">
+                <a14:useLocalDpi xmlns:a14="http://schemas.microsoft.com/office/drawing/2010/main" val="0"/>
+              </a:ext>
+            </a:extLst>
+          </a:blip>
+          <a:stretch>
+            <a:fillRect/>
+          </a:stretch>
+        </p:blipFill>
+        <p:spPr>
+          <a:xfrm>
+            <a:off x="838200" y="1345145"/>
+            <a:ext cx="6914538" cy="4167531"/>
+          </a:xfrm>
+          <a:prstGeom prst="rect">
+            <a:avLst/>
+          </a:prstGeom>
+        </p:spPr>
+      </p:pic>
+      <p:pic>
+        <p:nvPicPr>
+          <p:cNvPr id="8" name="Picture 7" descr="A screenshot of a cell phone&#10;&#10;Description automatically generated">
+            <a:extLst>
+              <a:ext uri="{FF2B5EF4-FFF2-40B4-BE49-F238E27FC236}">
+                <a16:creationId xmlns:a16="http://schemas.microsoft.com/office/drawing/2014/main" id="{C55853B2-3339-4708-A1D9-03F55E77CD27}"/>
+              </a:ext>
+            </a:extLst>
+          </p:cNvPr>
+          <p:cNvPicPr>
+            <a:picLocks noChangeAspect="1"/>
+          </p:cNvPicPr>
+          <p:nvPr/>
+        </p:nvPicPr>
+        <p:blipFill>
+          <a:blip r:embed="rId3">
+            <a:extLst>
+              <a:ext uri="{28A0092B-C50C-407E-A947-70E740481C1C}">
+                <a14:useLocalDpi xmlns:a14="http://schemas.microsoft.com/office/drawing/2010/main" val="0"/>
+              </a:ext>
+            </a:extLst>
+          </a:blip>
+          <a:stretch>
+            <a:fillRect/>
+          </a:stretch>
+        </p:blipFill>
+        <p:spPr>
+          <a:xfrm>
+            <a:off x="838200" y="5471532"/>
+            <a:ext cx="2756170" cy="1325563"/>
+          </a:xfrm>
+          <a:prstGeom prst="rect">
+            <a:avLst/>
+          </a:prstGeom>
+        </p:spPr>
+      </p:pic>
+    </p:spTree>
+    <p:extLst>
+      <p:ext uri="{BB962C8B-B14F-4D97-AF65-F5344CB8AC3E}">
+        <p14:creationId xmlns:p14="http://schemas.microsoft.com/office/powerpoint/2010/main" val="2324983478"/>
+      </p:ext>
+    </p:extLst>
+  </p:cSld>
+  <p:clrMapOvr>
+    <a:masterClrMapping/>
+  </p:clrMapOvr>
+</p:sld>
+</file>
+
+<file path=ppt/slides/slide24.xml><?xml version="1.0" encoding="utf-8"?>
+<p:sld xmlns:a="http://schemas.openxmlformats.org/drawingml/2006/main" xmlns:r="http://schemas.openxmlformats.org/officeDocument/2006/relationships" xmlns:p="http://schemas.openxmlformats.org/presentationml/2006/main">
+  <p:cSld>
+    <p:spTree>
+      <p:nvGrpSpPr>
+        <p:cNvPr id="1" name=""/>
+        <p:cNvGrpSpPr/>
+        <p:nvPr/>
+      </p:nvGrpSpPr>
+      <p:grpSpPr>
+        <a:xfrm>
+          <a:off x="0" y="0"/>
+          <a:ext cx="0" cy="0"/>
+          <a:chOff x="0" y="0"/>
+          <a:chExt cx="0" cy="0"/>
+        </a:xfrm>
+      </p:grpSpPr>
+      <p:sp>
+        <p:nvSpPr>
+          <p:cNvPr id="2" name="Title 1">
+            <a:extLst>
+              <a:ext uri="{FF2B5EF4-FFF2-40B4-BE49-F238E27FC236}">
+                <a16:creationId xmlns:a16="http://schemas.microsoft.com/office/drawing/2014/main" id="{4A6B3EA1-A68A-4050-B293-9FC3AF0BFC55}"/>
+              </a:ext>
+            </a:extLst>
+          </p:cNvPr>
+          <p:cNvSpPr>
+            <a:spLocks noGrp="1"/>
+          </p:cNvSpPr>
+          <p:nvPr>
+            <p:ph type="title"/>
+          </p:nvPr>
+        </p:nvSpPr>
+        <p:spPr/>
+        <p:txBody>
+          <a:bodyPr/>
+          <a:lstStyle/>
+          <a:p>
+            <a:pPr algn="ctr"/>
+            <a:r>
+              <a:rPr lang="de-DE" dirty="0"/>
+              <a:t>Light Sensor Code</a:t>
+            </a:r>
+          </a:p>
+        </p:txBody>
+      </p:sp>
+      <p:pic>
+        <p:nvPicPr>
+          <p:cNvPr id="6" name="Content Placeholder 5">
+            <a:extLst>
+              <a:ext uri="{FF2B5EF4-FFF2-40B4-BE49-F238E27FC236}">
+                <a16:creationId xmlns:a16="http://schemas.microsoft.com/office/drawing/2014/main" id="{338F2FB1-AB49-4029-B7FA-D531E27803BA}"/>
+              </a:ext>
+            </a:extLst>
+          </p:cNvPr>
+          <p:cNvPicPr>
+            <a:picLocks noGrp="1" noChangeAspect="1"/>
+          </p:cNvPicPr>
+          <p:nvPr>
+            <p:ph idx="1"/>
+          </p:nvPr>
+        </p:nvPicPr>
+        <p:blipFill>
+          <a:blip r:embed="rId2">
+            <a:extLst>
+              <a:ext uri="{28A0092B-C50C-407E-A947-70E740481C1C}">
+                <a14:useLocalDpi xmlns:a14="http://schemas.microsoft.com/office/drawing/2010/main" val="0"/>
+              </a:ext>
+            </a:extLst>
+          </a:blip>
+          <a:stretch>
+            <a:fillRect/>
+          </a:stretch>
+        </p:blipFill>
+        <p:spPr>
+          <a:xfrm>
+            <a:off x="789677" y="1690687"/>
+            <a:ext cx="7814140" cy="879091"/>
+          </a:xfrm>
+        </p:spPr>
+      </p:pic>
+      <p:sp>
+        <p:nvSpPr>
+          <p:cNvPr id="4" name="Slide Number Placeholder 3">
+            <a:extLst>
+              <a:ext uri="{FF2B5EF4-FFF2-40B4-BE49-F238E27FC236}">
+                <a16:creationId xmlns:a16="http://schemas.microsoft.com/office/drawing/2014/main" id="{CFB7A28A-D6A4-4116-9DE6-ABDEB718054D}"/>
+              </a:ext>
+            </a:extLst>
+          </p:cNvPr>
+          <p:cNvSpPr>
+            <a:spLocks noGrp="1"/>
+          </p:cNvSpPr>
+          <p:nvPr>
+            <p:ph type="sldNum" sz="quarter" idx="12"/>
+          </p:nvPr>
+        </p:nvSpPr>
+        <p:spPr/>
+        <p:txBody>
+          <a:bodyPr/>
+          <a:lstStyle/>
+          <a:p>
+            <a:fld id="{5FA8D64E-092D-488F-9555-4FE258A6A447}" type="slidenum">
+              <a:rPr lang="de-DE" smtClean="0"/>
+              <a:pPr/>
+              <a:t>24</a:t>
+            </a:fld>
+            <a:endParaRPr lang="de-DE" dirty="0"/>
+          </a:p>
+        </p:txBody>
+      </p:sp>
+      <p:pic>
+        <p:nvPicPr>
+          <p:cNvPr id="10" name="Picture 9" descr="A screenshot of a cell phone&#10;&#10;Description automatically generated">
+            <a:extLst>
+              <a:ext uri="{FF2B5EF4-FFF2-40B4-BE49-F238E27FC236}">
+                <a16:creationId xmlns:a16="http://schemas.microsoft.com/office/drawing/2014/main" id="{D7346FC3-B594-43A8-BDBB-6FD89D509014}"/>
+              </a:ext>
+            </a:extLst>
+          </p:cNvPr>
+          <p:cNvPicPr>
+            <a:picLocks noChangeAspect="1"/>
+          </p:cNvPicPr>
+          <p:nvPr/>
+        </p:nvPicPr>
+        <p:blipFill>
+          <a:blip r:embed="rId3">
+            <a:extLst>
+              <a:ext uri="{28A0092B-C50C-407E-A947-70E740481C1C}">
+                <a14:useLocalDpi xmlns:a14="http://schemas.microsoft.com/office/drawing/2010/main" val="0"/>
+              </a:ext>
+            </a:extLst>
+          </a:blip>
+          <a:stretch>
+            <a:fillRect/>
+          </a:stretch>
+        </p:blipFill>
+        <p:spPr>
+          <a:xfrm>
+            <a:off x="789677" y="3202739"/>
+            <a:ext cx="5370855" cy="2170968"/>
+          </a:xfrm>
+          <a:prstGeom prst="rect">
+            <a:avLst/>
+          </a:prstGeom>
+        </p:spPr>
+      </p:pic>
+      <p:pic>
+        <p:nvPicPr>
+          <p:cNvPr id="12" name="Picture 11" descr="A screenshot of a cell phone&#10;&#10;Description automatically generated">
+            <a:extLst>
+              <a:ext uri="{FF2B5EF4-FFF2-40B4-BE49-F238E27FC236}">
+                <a16:creationId xmlns:a16="http://schemas.microsoft.com/office/drawing/2014/main" id="{8B9A7239-02A5-495B-9F85-15B905672602}"/>
+              </a:ext>
+            </a:extLst>
+          </p:cNvPr>
+          <p:cNvPicPr>
+            <a:picLocks noChangeAspect="1"/>
+          </p:cNvPicPr>
+          <p:nvPr/>
+        </p:nvPicPr>
+        <p:blipFill>
+          <a:blip r:embed="rId4">
+            <a:extLst>
+              <a:ext uri="{28A0092B-C50C-407E-A947-70E740481C1C}">
+                <a14:useLocalDpi xmlns:a14="http://schemas.microsoft.com/office/drawing/2010/main" val="0"/>
+              </a:ext>
+            </a:extLst>
+          </a:blip>
+          <a:stretch>
+            <a:fillRect/>
+          </a:stretch>
+        </p:blipFill>
+        <p:spPr>
+          <a:xfrm>
+            <a:off x="7142480" y="3139752"/>
+            <a:ext cx="2936240" cy="2296942"/>
+          </a:xfrm>
+          <a:prstGeom prst="rect">
+            <a:avLst/>
+          </a:prstGeom>
+        </p:spPr>
+      </p:pic>
+    </p:spTree>
+    <p:extLst>
+      <p:ext uri="{BB962C8B-B14F-4D97-AF65-F5344CB8AC3E}">
+        <p14:creationId xmlns:p14="http://schemas.microsoft.com/office/powerpoint/2010/main" val="3660575690"/>
+      </p:ext>
+    </p:extLst>
+  </p:cSld>
+  <p:clrMapOvr>
+    <a:masterClrMapping/>
+  </p:clrMapOvr>
+</p:sld>
+</file>
+
+<file path=ppt/slides/slide25.xml><?xml version="1.0" encoding="utf-8"?>
+<p:sld xmlns:a="http://schemas.openxmlformats.org/drawingml/2006/main" xmlns:r="http://schemas.openxmlformats.org/officeDocument/2006/relationships" xmlns:p="http://schemas.openxmlformats.org/presentationml/2006/main">
+  <p:cSld>
+    <p:spTree>
+      <p:nvGrpSpPr>
+        <p:cNvPr id="1" name=""/>
+        <p:cNvGrpSpPr/>
+        <p:nvPr/>
+      </p:nvGrpSpPr>
+      <p:grpSpPr>
+        <a:xfrm>
+          <a:off x="0" y="0"/>
+          <a:ext cx="0" cy="0"/>
+          <a:chOff x="0" y="0"/>
+          <a:chExt cx="0" cy="0"/>
+        </a:xfrm>
+      </p:grpSpPr>
+      <p:sp>
+        <p:nvSpPr>
+          <p:cNvPr id="2" name="Title 1">
+            <a:extLst>
+              <a:ext uri="{FF2B5EF4-FFF2-40B4-BE49-F238E27FC236}">
+                <a16:creationId xmlns:a16="http://schemas.microsoft.com/office/drawing/2014/main" id="{CEDB5BBD-7A7C-47CD-B025-6FD1786C7CB6}"/>
+              </a:ext>
+            </a:extLst>
+          </p:cNvPr>
+          <p:cNvSpPr>
+            <a:spLocks noGrp="1"/>
+          </p:cNvSpPr>
+          <p:nvPr>
+            <p:ph type="title"/>
+          </p:nvPr>
+        </p:nvSpPr>
+        <p:spPr/>
+        <p:txBody>
+          <a:bodyPr/>
+          <a:lstStyle/>
+          <a:p>
+            <a:pPr algn="ctr"/>
+            <a:r>
+              <a:rPr lang="de-DE" dirty="0"/>
+              <a:t>Light Sensor Code</a:t>
+            </a:r>
+          </a:p>
+        </p:txBody>
+      </p:sp>
+      <p:sp>
+        <p:nvSpPr>
+          <p:cNvPr id="4" name="Slide Number Placeholder 3">
+            <a:extLst>
+              <a:ext uri="{FF2B5EF4-FFF2-40B4-BE49-F238E27FC236}">
+                <a16:creationId xmlns:a16="http://schemas.microsoft.com/office/drawing/2014/main" id="{9C1E4D8F-0FF1-4C86-BFB5-6AC876BA6CDA}"/>
+              </a:ext>
+            </a:extLst>
+          </p:cNvPr>
+          <p:cNvSpPr>
+            <a:spLocks noGrp="1"/>
+          </p:cNvSpPr>
+          <p:nvPr>
+            <p:ph type="sldNum" sz="quarter" idx="12"/>
+          </p:nvPr>
+        </p:nvSpPr>
+        <p:spPr/>
+        <p:txBody>
+          <a:bodyPr/>
+          <a:lstStyle/>
+          <a:p>
+            <a:fld id="{5FA8D64E-092D-488F-9555-4FE258A6A447}" type="slidenum">
+              <a:rPr lang="de-DE" smtClean="0"/>
+              <a:pPr/>
+              <a:t>25</a:t>
+            </a:fld>
+            <a:endParaRPr lang="de-DE" dirty="0"/>
+          </a:p>
+        </p:txBody>
+      </p:sp>
+      <p:pic>
+        <p:nvPicPr>
+          <p:cNvPr id="5" name="Picture 4" descr="A screenshot of a social media post&#10;&#10;Description automatically generated">
+            <a:extLst>
+              <a:ext uri="{FF2B5EF4-FFF2-40B4-BE49-F238E27FC236}">
+                <a16:creationId xmlns:a16="http://schemas.microsoft.com/office/drawing/2014/main" id="{0F8A0E78-027E-4A60-B7F2-A2CF9235D91E}"/>
+              </a:ext>
+            </a:extLst>
+          </p:cNvPr>
+          <p:cNvPicPr>
+            <a:picLocks noChangeAspect="1"/>
+          </p:cNvPicPr>
+          <p:nvPr/>
+        </p:nvPicPr>
+        <p:blipFill>
+          <a:blip r:embed="rId2">
+            <a:extLst>
+              <a:ext uri="{28A0092B-C50C-407E-A947-70E740481C1C}">
+                <a14:useLocalDpi xmlns:a14="http://schemas.microsoft.com/office/drawing/2010/main" val="0"/>
+              </a:ext>
+            </a:extLst>
+          </a:blip>
+          <a:stretch>
+            <a:fillRect/>
+          </a:stretch>
+        </p:blipFill>
+        <p:spPr>
+          <a:xfrm>
+            <a:off x="1062947" y="1528748"/>
+            <a:ext cx="7336416" cy="4672355"/>
+          </a:xfrm>
+          <a:prstGeom prst="rect">
+            <a:avLst/>
+          </a:prstGeom>
+        </p:spPr>
+      </p:pic>
+    </p:spTree>
+    <p:extLst>
+      <p:ext uri="{BB962C8B-B14F-4D97-AF65-F5344CB8AC3E}">
+        <p14:creationId xmlns:p14="http://schemas.microsoft.com/office/powerpoint/2010/main" val="3610693449"/>
+      </p:ext>
+    </p:extLst>
+  </p:cSld>
+  <p:clrMapOvr>
+    <a:masterClrMapping/>
+  </p:clrMapOvr>
+</p:sld>
+</file>
+
+<file path=ppt/slides/slide26.xml><?xml version="1.0" encoding="utf-8"?>
+<p:sld xmlns:a="http://schemas.openxmlformats.org/drawingml/2006/main" xmlns:r="http://schemas.openxmlformats.org/officeDocument/2006/relationships" xmlns:p="http://schemas.openxmlformats.org/presentationml/2006/main">
+  <p:cSld>
+    <p:spTree>
+      <p:nvGrpSpPr>
+        <p:cNvPr id="1" name=""/>
+        <p:cNvGrpSpPr/>
+        <p:nvPr/>
+      </p:nvGrpSpPr>
+      <p:grpSpPr>
+        <a:xfrm>
+          <a:off x="0" y="0"/>
+          <a:ext cx="0" cy="0"/>
+          <a:chOff x="0" y="0"/>
+          <a:chExt cx="0" cy="0"/>
+        </a:xfrm>
+      </p:grpSpPr>
+      <p:sp>
+        <p:nvSpPr>
+          <p:cNvPr id="2" name="Title 1">
+            <a:extLst>
+              <a:ext uri="{FF2B5EF4-FFF2-40B4-BE49-F238E27FC236}">
+                <a16:creationId xmlns:a16="http://schemas.microsoft.com/office/drawing/2014/main" id="{15DDDFFF-85FD-4822-AD5D-DC7AB666B2C7}"/>
+              </a:ext>
+            </a:extLst>
+          </p:cNvPr>
+          <p:cNvSpPr>
+            <a:spLocks noGrp="1"/>
+          </p:cNvSpPr>
+          <p:nvPr>
+            <p:ph type="title"/>
+          </p:nvPr>
+        </p:nvSpPr>
+        <p:spPr/>
+        <p:txBody>
+          <a:bodyPr/>
+          <a:lstStyle/>
+          <a:p>
+            <a:pPr algn="ctr"/>
+            <a:r>
+              <a:rPr lang="de-DE" dirty="0"/>
+              <a:t>Device Motion Code</a:t>
+            </a:r>
+          </a:p>
+        </p:txBody>
+      </p:sp>
+      <p:sp>
+        <p:nvSpPr>
+          <p:cNvPr id="3" name="Content Placeholder 2">
+            <a:extLst>
+              <a:ext uri="{FF2B5EF4-FFF2-40B4-BE49-F238E27FC236}">
+                <a16:creationId xmlns:a16="http://schemas.microsoft.com/office/drawing/2014/main" id="{D78E6407-979D-498C-A271-3AE022B43E49}"/>
+              </a:ext>
+            </a:extLst>
+          </p:cNvPr>
+          <p:cNvSpPr>
+            <a:spLocks noGrp="1"/>
+          </p:cNvSpPr>
+          <p:nvPr>
+            <p:ph idx="1"/>
+          </p:nvPr>
+        </p:nvSpPr>
+        <p:spPr>
+          <a:xfrm>
+            <a:off x="838200" y="1825625"/>
+            <a:ext cx="10515600" cy="654816"/>
+          </a:xfrm>
+        </p:spPr>
+        <p:txBody>
+          <a:bodyPr/>
+          <a:lstStyle/>
+          <a:p>
+            <a:r>
+              <a:rPr lang="de-DE" dirty="0"/>
+              <a:t>Use </a:t>
+            </a:r>
+            <a:r>
+              <a:rPr lang="de-DE" dirty="0" err="1"/>
+              <a:t>CMMotionManager</a:t>
+            </a:r>
+            <a:endParaRPr lang="de-DE" dirty="0"/>
+          </a:p>
+        </p:txBody>
+      </p:sp>
+      <p:sp>
+        <p:nvSpPr>
+          <p:cNvPr id="4" name="Slide Number Placeholder 3">
+            <a:extLst>
+              <a:ext uri="{FF2B5EF4-FFF2-40B4-BE49-F238E27FC236}">
+                <a16:creationId xmlns:a16="http://schemas.microsoft.com/office/drawing/2014/main" id="{4348C809-151F-4271-BA59-1F2C7BC0C5C3}"/>
+              </a:ext>
+            </a:extLst>
+          </p:cNvPr>
+          <p:cNvSpPr>
+            <a:spLocks noGrp="1"/>
+          </p:cNvSpPr>
+          <p:nvPr>
+            <p:ph type="sldNum" sz="quarter" idx="12"/>
+          </p:nvPr>
+        </p:nvSpPr>
+        <p:spPr/>
+        <p:txBody>
+          <a:bodyPr/>
+          <a:lstStyle/>
+          <a:p>
+            <a:fld id="{5FA8D64E-092D-488F-9555-4FE258A6A447}" type="slidenum">
+              <a:rPr lang="de-DE" smtClean="0"/>
+              <a:pPr/>
+              <a:t>26</a:t>
+            </a:fld>
+            <a:endParaRPr lang="de-DE" dirty="0"/>
+          </a:p>
+        </p:txBody>
+      </p:sp>
+      <p:pic>
+        <p:nvPicPr>
+          <p:cNvPr id="5" name="Picture 4" descr="A screenshot of a cell phone&#10;&#10;Description automatically generated">
+            <a:extLst>
+              <a:ext uri="{FF2B5EF4-FFF2-40B4-BE49-F238E27FC236}">
+                <a16:creationId xmlns:a16="http://schemas.microsoft.com/office/drawing/2014/main" id="{D4832DC4-91CB-4BC5-891D-2E715CA6CB72}"/>
+              </a:ext>
+            </a:extLst>
+          </p:cNvPr>
+          <p:cNvPicPr>
+            <a:picLocks noChangeAspect="1"/>
+          </p:cNvPicPr>
+          <p:nvPr/>
+        </p:nvPicPr>
+        <p:blipFill>
+          <a:blip r:embed="rId2">
+            <a:extLst>
+              <a:ext uri="{28A0092B-C50C-407E-A947-70E740481C1C}">
+                <a14:useLocalDpi xmlns:a14="http://schemas.microsoft.com/office/drawing/2010/main" val="0"/>
+              </a:ext>
+            </a:extLst>
+          </a:blip>
+          <a:stretch>
+            <a:fillRect/>
+          </a:stretch>
+        </p:blipFill>
+        <p:spPr>
+          <a:xfrm>
+            <a:off x="1048407" y="2369027"/>
+            <a:ext cx="6092736" cy="2008533"/>
+          </a:xfrm>
+          <a:prstGeom prst="rect">
+            <a:avLst/>
+          </a:prstGeom>
+        </p:spPr>
+      </p:pic>
+      <p:pic>
+        <p:nvPicPr>
+          <p:cNvPr id="6" name="Picture 5">
+            <a:extLst>
+              <a:ext uri="{FF2B5EF4-FFF2-40B4-BE49-F238E27FC236}">
+                <a16:creationId xmlns:a16="http://schemas.microsoft.com/office/drawing/2014/main" id="{CFA81F77-3DA4-4D89-ABFF-C9BE91ADA75C}"/>
+              </a:ext>
+            </a:extLst>
+          </p:cNvPr>
+          <p:cNvPicPr>
+            <a:picLocks noChangeAspect="1"/>
+          </p:cNvPicPr>
+          <p:nvPr/>
+        </p:nvPicPr>
+        <p:blipFill>
+          <a:blip r:embed="rId3">
+            <a:extLst>
+              <a:ext uri="{28A0092B-C50C-407E-A947-70E740481C1C}">
+                <a14:useLocalDpi xmlns:a14="http://schemas.microsoft.com/office/drawing/2010/main" val="0"/>
+              </a:ext>
+            </a:extLst>
+          </a:blip>
+          <a:stretch>
+            <a:fillRect/>
+          </a:stretch>
+        </p:blipFill>
+        <p:spPr>
+          <a:xfrm>
+            <a:off x="1048407" y="4467660"/>
+            <a:ext cx="5676887" cy="346077"/>
+          </a:xfrm>
+          <a:prstGeom prst="rect">
+            <a:avLst/>
+          </a:prstGeom>
+        </p:spPr>
+      </p:pic>
+    </p:spTree>
+    <p:extLst>
+      <p:ext uri="{BB962C8B-B14F-4D97-AF65-F5344CB8AC3E}">
+        <p14:creationId xmlns:p14="http://schemas.microsoft.com/office/powerpoint/2010/main" val="1074982672"/>
+      </p:ext>
+    </p:extLst>
+  </p:cSld>
+  <p:clrMapOvr>
+    <a:masterClrMapping/>
+  </p:clrMapOvr>
+</p:sld>
+</file>
+
+<file path=ppt/slides/slide27.xml><?xml version="1.0" encoding="utf-8"?>
+<p:sld xmlns:a="http://schemas.openxmlformats.org/drawingml/2006/main" xmlns:r="http://schemas.openxmlformats.org/officeDocument/2006/relationships" xmlns:p="http://schemas.openxmlformats.org/presentationml/2006/main">
+  <p:cSld>
+    <p:spTree>
+      <p:nvGrpSpPr>
+        <p:cNvPr id="1" name=""/>
+        <p:cNvGrpSpPr/>
+        <p:nvPr/>
+      </p:nvGrpSpPr>
+      <p:grpSpPr>
+        <a:xfrm>
+          <a:off x="0" y="0"/>
+          <a:ext cx="0" cy="0"/>
+          <a:chOff x="0" y="0"/>
+          <a:chExt cx="0" cy="0"/>
+        </a:xfrm>
+      </p:grpSpPr>
+      <p:sp>
+        <p:nvSpPr>
+          <p:cNvPr id="2" name="Title 1">
+            <a:extLst>
+              <a:ext uri="{FF2B5EF4-FFF2-40B4-BE49-F238E27FC236}">
+                <a16:creationId xmlns:a16="http://schemas.microsoft.com/office/drawing/2014/main" id="{31FAF000-FF9C-42B6-9D87-151188C950F7}"/>
+              </a:ext>
+            </a:extLst>
+          </p:cNvPr>
+          <p:cNvSpPr>
+            <a:spLocks noGrp="1"/>
+          </p:cNvSpPr>
+          <p:nvPr>
+            <p:ph type="title"/>
+          </p:nvPr>
+        </p:nvSpPr>
+        <p:spPr/>
+        <p:txBody>
+          <a:bodyPr/>
+          <a:lstStyle/>
+          <a:p>
+            <a:pPr algn="ctr"/>
+            <a:r>
+              <a:rPr lang="de-DE" dirty="0"/>
+              <a:t>Sound Code</a:t>
+            </a:r>
+          </a:p>
+        </p:txBody>
+      </p:sp>
+      <p:sp>
+        <p:nvSpPr>
+          <p:cNvPr id="4" name="Slide Number Placeholder 3">
+            <a:extLst>
+              <a:ext uri="{FF2B5EF4-FFF2-40B4-BE49-F238E27FC236}">
+                <a16:creationId xmlns:a16="http://schemas.microsoft.com/office/drawing/2014/main" id="{5409047F-5958-43FA-B9A5-C9519071531F}"/>
+              </a:ext>
+            </a:extLst>
+          </p:cNvPr>
+          <p:cNvSpPr>
+            <a:spLocks noGrp="1"/>
+          </p:cNvSpPr>
+          <p:nvPr>
+            <p:ph type="sldNum" sz="quarter" idx="12"/>
+          </p:nvPr>
+        </p:nvSpPr>
+        <p:spPr/>
+        <p:txBody>
+          <a:bodyPr/>
+          <a:lstStyle/>
+          <a:p>
+            <a:fld id="{5FA8D64E-092D-488F-9555-4FE258A6A447}" type="slidenum">
+              <a:rPr lang="de-DE" smtClean="0"/>
+              <a:pPr/>
+              <a:t>27</a:t>
+            </a:fld>
+            <a:endParaRPr lang="de-DE" dirty="0"/>
+          </a:p>
+        </p:txBody>
+      </p:sp>
+      <p:pic>
+        <p:nvPicPr>
+          <p:cNvPr id="6" name="Picture 5" descr="A picture containing knife, table&#10;&#10;Description automatically generated">
+            <a:extLst>
+              <a:ext uri="{FF2B5EF4-FFF2-40B4-BE49-F238E27FC236}">
+                <a16:creationId xmlns:a16="http://schemas.microsoft.com/office/drawing/2014/main" id="{DBA2FE64-3196-4351-B5B8-F95D59B02466}"/>
+              </a:ext>
+            </a:extLst>
+          </p:cNvPr>
+          <p:cNvPicPr>
+            <a:picLocks noChangeAspect="1"/>
+          </p:cNvPicPr>
+          <p:nvPr/>
+        </p:nvPicPr>
+        <p:blipFill>
+          <a:blip r:embed="rId2">
+            <a:extLst>
+              <a:ext uri="{28A0092B-C50C-407E-A947-70E740481C1C}">
+                <a14:useLocalDpi xmlns:a14="http://schemas.microsoft.com/office/drawing/2010/main" val="0"/>
+              </a:ext>
+            </a:extLst>
+          </a:blip>
+          <a:stretch>
+            <a:fillRect/>
+          </a:stretch>
+        </p:blipFill>
+        <p:spPr>
+          <a:xfrm>
+            <a:off x="838200" y="1459705"/>
+            <a:ext cx="3359976" cy="568792"/>
+          </a:xfrm>
+          <a:prstGeom prst="rect">
+            <a:avLst/>
+          </a:prstGeom>
+        </p:spPr>
+      </p:pic>
+      <p:pic>
+        <p:nvPicPr>
+          <p:cNvPr id="8" name="Picture 7" descr="A screenshot of a social media post&#10;&#10;Description automatically generated">
+            <a:extLst>
+              <a:ext uri="{FF2B5EF4-FFF2-40B4-BE49-F238E27FC236}">
+                <a16:creationId xmlns:a16="http://schemas.microsoft.com/office/drawing/2014/main" id="{E19BC267-1576-4FEF-A8B7-FC2764724EE4}"/>
+              </a:ext>
+            </a:extLst>
+          </p:cNvPr>
+          <p:cNvPicPr>
+            <a:picLocks noChangeAspect="1"/>
+          </p:cNvPicPr>
+          <p:nvPr/>
+        </p:nvPicPr>
+        <p:blipFill>
+          <a:blip r:embed="rId3">
+            <a:extLst>
+              <a:ext uri="{28A0092B-C50C-407E-A947-70E740481C1C}">
+                <a14:useLocalDpi xmlns:a14="http://schemas.microsoft.com/office/drawing/2010/main" val="0"/>
+              </a:ext>
+            </a:extLst>
+          </a:blip>
+          <a:stretch>
+            <a:fillRect/>
+          </a:stretch>
+        </p:blipFill>
+        <p:spPr>
+          <a:xfrm>
+            <a:off x="838200" y="2336471"/>
+            <a:ext cx="6387662" cy="3846458"/>
+          </a:xfrm>
+          <a:prstGeom prst="rect">
+            <a:avLst/>
+          </a:prstGeom>
+        </p:spPr>
+      </p:pic>
+    </p:spTree>
+    <p:extLst>
+      <p:ext uri="{BB962C8B-B14F-4D97-AF65-F5344CB8AC3E}">
+        <p14:creationId xmlns:p14="http://schemas.microsoft.com/office/powerpoint/2010/main" val="3972678800"/>
+      </p:ext>
+    </p:extLst>
+  </p:cSld>
+  <p:clrMapOvr>
+    <a:masterClrMapping/>
+  </p:clrMapOvr>
+</p:sld>
+</file>
+
+<file path=ppt/slides/slide28.xml><?xml version="1.0" encoding="utf-8"?>
+<p:sld xmlns:a="http://schemas.openxmlformats.org/drawingml/2006/main" xmlns:r="http://schemas.openxmlformats.org/officeDocument/2006/relationships" xmlns:p="http://schemas.openxmlformats.org/presentationml/2006/main">
+  <p:cSld>
+    <p:spTree>
+      <p:nvGrpSpPr>
+        <p:cNvPr id="1" name=""/>
+        <p:cNvGrpSpPr/>
+        <p:nvPr/>
+      </p:nvGrpSpPr>
+      <p:grpSpPr>
+        <a:xfrm>
+          <a:off x="0" y="0"/>
+          <a:ext cx="0" cy="0"/>
+          <a:chOff x="0" y="0"/>
+          <a:chExt cx="0" cy="0"/>
+        </a:xfrm>
+      </p:grpSpPr>
+      <p:sp>
+        <p:nvSpPr>
+          <p:cNvPr id="2" name="Title 1">
+            <a:extLst>
+              <a:ext uri="{FF2B5EF4-FFF2-40B4-BE49-F238E27FC236}">
+                <a16:creationId xmlns:a16="http://schemas.microsoft.com/office/drawing/2014/main" id="{2D3B28D8-5D6F-46A6-81DC-5575A6753C70}"/>
+              </a:ext>
+            </a:extLst>
+          </p:cNvPr>
+          <p:cNvSpPr>
+            <a:spLocks noGrp="1"/>
+          </p:cNvSpPr>
+          <p:nvPr>
+            <p:ph type="title"/>
+          </p:nvPr>
+        </p:nvSpPr>
+        <p:spPr/>
+        <p:txBody>
+          <a:bodyPr/>
+          <a:lstStyle/>
+          <a:p>
+            <a:pPr algn="ctr"/>
+            <a:r>
+              <a:rPr lang="de-DE" dirty="0"/>
+              <a:t>Sound Code</a:t>
+            </a:r>
+          </a:p>
+        </p:txBody>
+      </p:sp>
+      <p:sp>
+        <p:nvSpPr>
+          <p:cNvPr id="4" name="Slide Number Placeholder 3">
+            <a:extLst>
+              <a:ext uri="{FF2B5EF4-FFF2-40B4-BE49-F238E27FC236}">
+                <a16:creationId xmlns:a16="http://schemas.microsoft.com/office/drawing/2014/main" id="{FB842887-6B03-46F8-8009-B826F2DE8693}"/>
+              </a:ext>
+            </a:extLst>
+          </p:cNvPr>
+          <p:cNvSpPr>
+            <a:spLocks noGrp="1"/>
+          </p:cNvSpPr>
+          <p:nvPr>
+            <p:ph type="sldNum" sz="quarter" idx="12"/>
+          </p:nvPr>
+        </p:nvSpPr>
+        <p:spPr/>
+        <p:txBody>
+          <a:bodyPr/>
+          <a:lstStyle/>
+          <a:p>
+            <a:fld id="{5FA8D64E-092D-488F-9555-4FE258A6A447}" type="slidenum">
+              <a:rPr lang="de-DE" smtClean="0"/>
+              <a:pPr/>
+              <a:t>28</a:t>
+            </a:fld>
+            <a:endParaRPr lang="de-DE" dirty="0"/>
+          </a:p>
+        </p:txBody>
+      </p:sp>
+      <p:pic>
+        <p:nvPicPr>
+          <p:cNvPr id="5" name="Content Placeholder 4" descr="A screenshot of a cell phone&#10;&#10;Description automatically generated">
+            <a:extLst>
+              <a:ext uri="{FF2B5EF4-FFF2-40B4-BE49-F238E27FC236}">
+                <a16:creationId xmlns:a16="http://schemas.microsoft.com/office/drawing/2014/main" id="{DDEE5997-0E44-4A57-A3E2-7884DBB2B2B0}"/>
+              </a:ext>
+            </a:extLst>
+          </p:cNvPr>
+          <p:cNvPicPr>
+            <a:picLocks noGrp="1" noChangeAspect="1"/>
+          </p:cNvPicPr>
+          <p:nvPr>
+            <p:ph idx="1"/>
+          </p:nvPr>
+        </p:nvPicPr>
+        <p:blipFill>
+          <a:blip r:embed="rId2">
+            <a:extLst>
+              <a:ext uri="{28A0092B-C50C-407E-A947-70E740481C1C}">
+                <a14:useLocalDpi xmlns:a14="http://schemas.microsoft.com/office/drawing/2010/main" val="0"/>
+              </a:ext>
+            </a:extLst>
+          </a:blip>
+          <a:stretch>
+            <a:fillRect/>
+          </a:stretch>
+        </p:blipFill>
+        <p:spPr>
+          <a:xfrm>
+            <a:off x="838200" y="1431509"/>
+            <a:ext cx="6472810" cy="1700574"/>
+          </a:xfrm>
+          <a:prstGeom prst="rect">
+            <a:avLst/>
+          </a:prstGeom>
+        </p:spPr>
+      </p:pic>
+      <p:pic>
+        <p:nvPicPr>
+          <p:cNvPr id="6" name="Picture 5">
+            <a:extLst>
+              <a:ext uri="{FF2B5EF4-FFF2-40B4-BE49-F238E27FC236}">
+                <a16:creationId xmlns:a16="http://schemas.microsoft.com/office/drawing/2014/main" id="{460CF55D-B037-4173-BD6C-D92C74A4404A}"/>
+              </a:ext>
+            </a:extLst>
+          </p:cNvPr>
+          <p:cNvPicPr>
+            <a:picLocks noChangeAspect="1"/>
+          </p:cNvPicPr>
+          <p:nvPr/>
+        </p:nvPicPr>
+        <p:blipFill>
+          <a:blip r:embed="rId3">
+            <a:extLst>
+              <a:ext uri="{28A0092B-C50C-407E-A947-70E740481C1C}">
+                <a14:useLocalDpi xmlns:a14="http://schemas.microsoft.com/office/drawing/2010/main" val="0"/>
+              </a:ext>
+            </a:extLst>
+          </a:blip>
+          <a:stretch>
+            <a:fillRect/>
+          </a:stretch>
+        </p:blipFill>
+        <p:spPr>
+          <a:xfrm>
+            <a:off x="838200" y="3396539"/>
+            <a:ext cx="5402980" cy="329379"/>
+          </a:xfrm>
+          <a:prstGeom prst="rect">
+            <a:avLst/>
+          </a:prstGeom>
+        </p:spPr>
+      </p:pic>
+    </p:spTree>
+    <p:extLst>
+      <p:ext uri="{BB962C8B-B14F-4D97-AF65-F5344CB8AC3E}">
+        <p14:creationId xmlns:p14="http://schemas.microsoft.com/office/powerpoint/2010/main" val="2321098173"/>
       </p:ext>
     </p:extLst>
   </p:cSld>
@@ -7478,10 +9195,15 @@
             <p:ph idx="1"/>
           </p:nvPr>
         </p:nvSpPr>
-        <p:spPr/>
+        <p:spPr>
+          <a:xfrm>
+            <a:off x="838200" y="1825625"/>
+            <a:ext cx="3376448" cy="2068458"/>
+          </a:xfrm>
+        </p:spPr>
         <p:txBody>
           <a:bodyPr>
-            <a:normAutofit fontScale="92500" lnSpcReduction="10000"/>
+            <a:normAutofit/>
           </a:bodyPr>
           <a:lstStyle/>
           <a:p>
@@ -7522,61 +9244,6 @@
             <a:r>
               <a:rPr lang="de-DE" dirty="0" err="1"/>
               <a:t>orientation</a:t>
-            </a:r>
-            <a:endParaRPr lang="de-DE" dirty="0"/>
-          </a:p>
-          <a:p>
-            <a:endParaRPr lang="de-DE" dirty="0"/>
-          </a:p>
-          <a:p>
-            <a:r>
-              <a:rPr lang="de-DE" dirty="0" err="1"/>
-              <a:t>ARKit</a:t>
-            </a:r>
-            <a:r>
-              <a:rPr lang="de-DE" dirty="0"/>
-              <a:t> </a:t>
-            </a:r>
-            <a:r>
-              <a:rPr lang="de-DE" dirty="0" err="1"/>
-              <a:t>or</a:t>
-            </a:r>
-            <a:r>
-              <a:rPr lang="de-DE" dirty="0"/>
-              <a:t> </a:t>
-            </a:r>
-            <a:r>
-              <a:rPr lang="de-DE" dirty="0" err="1"/>
-              <a:t>Camera</a:t>
-            </a:r>
-            <a:endParaRPr lang="de-DE" dirty="0"/>
-          </a:p>
-          <a:p>
-            <a:pPr lvl="1"/>
-            <a:r>
-              <a:rPr lang="de-DE" dirty="0"/>
-              <a:t>Light Sensor</a:t>
-            </a:r>
-          </a:p>
-          <a:p>
-            <a:endParaRPr lang="de-DE" dirty="0"/>
-          </a:p>
-          <a:p>
-            <a:r>
-              <a:rPr lang="de-DE" dirty="0" err="1"/>
-              <a:t>AVFoundation</a:t>
-            </a:r>
-            <a:endParaRPr lang="de-DE" dirty="0"/>
-          </a:p>
-          <a:p>
-            <a:pPr lvl="1"/>
-            <a:r>
-              <a:rPr lang="de-DE" dirty="0"/>
-              <a:t>Play </a:t>
-            </a:r>
-            <a:r>
-              <a:rPr lang="de-DE" dirty="0" err="1"/>
-              <a:t>sounds</a:t>
             </a:r>
             <a:endParaRPr lang="de-DE" dirty="0"/>
           </a:p>
@@ -7705,6 +9372,127 @@
           </a:extLst>
         </p:spPr>
       </p:pic>
+      <p:sp>
+        <p:nvSpPr>
+          <p:cNvPr id="5" name="TextBox 4">
+            <a:extLst>
+              <a:ext uri="{FF2B5EF4-FFF2-40B4-BE49-F238E27FC236}">
+                <a16:creationId xmlns:a16="http://schemas.microsoft.com/office/drawing/2014/main" id="{B2FB9602-DC86-442D-9A72-E54F61FE1AA6}"/>
+              </a:ext>
+            </a:extLst>
+          </p:cNvPr>
+          <p:cNvSpPr txBox="1"/>
+          <p:nvPr/>
+        </p:nvSpPr>
+        <p:spPr>
+          <a:xfrm>
+            <a:off x="798785" y="4145648"/>
+            <a:ext cx="3599793" cy="892552"/>
+          </a:xfrm>
+          <a:prstGeom prst="rect">
+            <a:avLst/>
+          </a:prstGeom>
+          <a:noFill/>
+        </p:spPr>
+        <p:txBody>
+          <a:bodyPr wrap="square" rtlCol="0">
+            <a:spAutoFit/>
+          </a:bodyPr>
+          <a:lstStyle/>
+          <a:p>
+            <a:pPr marL="285750" indent="-285750">
+              <a:buFont typeface="Arial" panose="020B0604020202020204" pitchFamily="34" charset="0"/>
+              <a:buChar char="•"/>
+            </a:pPr>
+            <a:r>
+              <a:rPr lang="de-DE" sz="2800" dirty="0" err="1"/>
+              <a:t>ARKit</a:t>
+            </a:r>
+            <a:r>
+              <a:rPr lang="de-DE" sz="2800" dirty="0"/>
+              <a:t> </a:t>
+            </a:r>
+            <a:r>
+              <a:rPr lang="de-DE" sz="2800" dirty="0" err="1"/>
+              <a:t>or</a:t>
+            </a:r>
+            <a:r>
+              <a:rPr lang="de-DE" sz="2800" dirty="0"/>
+              <a:t> </a:t>
+            </a:r>
+            <a:r>
+              <a:rPr lang="de-DE" sz="2800" dirty="0" err="1"/>
+              <a:t>Camera</a:t>
+            </a:r>
+            <a:endParaRPr lang="de-DE" sz="2800" dirty="0"/>
+          </a:p>
+          <a:p>
+            <a:pPr marL="742950" lvl="1" indent="-285750">
+              <a:buFont typeface="Arial" panose="020B0604020202020204" pitchFamily="34" charset="0"/>
+              <a:buChar char="•"/>
+            </a:pPr>
+            <a:r>
+              <a:rPr lang="de-DE" sz="2400" dirty="0"/>
+              <a:t>Light Sensor</a:t>
+            </a:r>
+          </a:p>
+        </p:txBody>
+      </p:sp>
+      <p:sp>
+        <p:nvSpPr>
+          <p:cNvPr id="6" name="TextBox 5">
+            <a:extLst>
+              <a:ext uri="{FF2B5EF4-FFF2-40B4-BE49-F238E27FC236}">
+                <a16:creationId xmlns:a16="http://schemas.microsoft.com/office/drawing/2014/main" id="{DC27C706-7321-4544-991D-E9C0F7CE1BC5}"/>
+              </a:ext>
+            </a:extLst>
+          </p:cNvPr>
+          <p:cNvSpPr txBox="1"/>
+          <p:nvPr/>
+        </p:nvSpPr>
+        <p:spPr>
+          <a:xfrm>
+            <a:off x="838200" y="5289765"/>
+            <a:ext cx="3294994" cy="892552"/>
+          </a:xfrm>
+          <a:prstGeom prst="rect">
+            <a:avLst/>
+          </a:prstGeom>
+          <a:noFill/>
+        </p:spPr>
+        <p:txBody>
+          <a:bodyPr wrap="square" rtlCol="0">
+            <a:spAutoFit/>
+          </a:bodyPr>
+          <a:lstStyle/>
+          <a:p>
+            <a:pPr marL="342900" indent="-342900">
+              <a:buFont typeface="Arial" panose="020B0604020202020204" pitchFamily="34" charset="0"/>
+              <a:buChar char="•"/>
+            </a:pPr>
+            <a:r>
+              <a:rPr lang="de-DE" sz="2800" dirty="0" err="1"/>
+              <a:t>AVFoundation</a:t>
+            </a:r>
+            <a:endParaRPr lang="de-DE" sz="2800" dirty="0"/>
+          </a:p>
+          <a:p>
+            <a:pPr marL="800100" lvl="1" indent="-342900">
+              <a:buFont typeface="Arial" panose="020B0604020202020204" pitchFamily="34" charset="0"/>
+              <a:buChar char="•"/>
+            </a:pPr>
+            <a:r>
+              <a:rPr lang="de-DE" sz="2400" dirty="0"/>
+              <a:t>Plays </a:t>
+            </a:r>
+            <a:r>
+              <a:rPr lang="de-DE" sz="2400" dirty="0" err="1"/>
+              <a:t>sounds</a:t>
+            </a:r>
+            <a:endParaRPr lang="de-DE" sz="2400" dirty="0"/>
+          </a:p>
+        </p:txBody>
+      </p:sp>
     </p:spTree>
     <p:extLst>
       <p:ext uri="{BB962C8B-B14F-4D97-AF65-F5344CB8AC3E}">
@@ -7715,6 +9503,385 @@
   <p:clrMapOvr>
     <a:masterClrMapping/>
   </p:clrMapOvr>
+  <p:timing>
+    <p:tnLst>
+      <p:par>
+        <p:cTn id="1" dur="indefinite" restart="never" nodeType="tmRoot">
+          <p:childTnLst>
+            <p:seq concurrent="1" nextAc="seek">
+              <p:cTn id="2" dur="indefinite" nodeType="mainSeq">
+                <p:childTnLst>
+                  <p:par>
+                    <p:cTn id="3" fill="hold">
+                      <p:stCondLst>
+                        <p:cond delay="indefinite"/>
+                      </p:stCondLst>
+                      <p:childTnLst>
+                        <p:par>
+                          <p:cTn id="4" fill="hold">
+                            <p:stCondLst>
+                              <p:cond delay="0"/>
+                            </p:stCondLst>
+                            <p:childTnLst>
+                              <p:par>
+                                <p:cTn id="5" presetID="1" presetClass="entr" presetSubtype="0" fill="hold" grpId="0" nodeType="clickEffect">
+                                  <p:stCondLst>
+                                    <p:cond delay="0"/>
+                                  </p:stCondLst>
+                                  <p:childTnLst>
+                                    <p:set>
+                                      <p:cBhvr>
+                                        <p:cTn id="6" dur="1" fill="hold">
+                                          <p:stCondLst>
+                                            <p:cond delay="0"/>
+                                          </p:stCondLst>
+                                        </p:cTn>
+                                        <p:tgtEl>
+                                          <p:spTgt spid="3">
+                                            <p:txEl>
+                                              <p:pRg st="0" end="0"/>
+                                            </p:txEl>
+                                          </p:spTgt>
+                                        </p:tgtEl>
+                                        <p:attrNameLst>
+                                          <p:attrName>style.visibility</p:attrName>
+                                        </p:attrNameLst>
+                                      </p:cBhvr>
+                                      <p:to>
+                                        <p:strVal val="visible"/>
+                                      </p:to>
+                                    </p:set>
+                                  </p:childTnLst>
+                                </p:cTn>
+                              </p:par>
+                              <p:par>
+                                <p:cTn id="7" presetID="1" presetClass="entr" presetSubtype="0" fill="hold" grpId="0" nodeType="withEffect">
+                                  <p:stCondLst>
+                                    <p:cond delay="0"/>
+                                  </p:stCondLst>
+                                  <p:childTnLst>
+                                    <p:set>
+                                      <p:cBhvr>
+                                        <p:cTn id="8" dur="1" fill="hold">
+                                          <p:stCondLst>
+                                            <p:cond delay="0"/>
+                                          </p:stCondLst>
+                                        </p:cTn>
+                                        <p:tgtEl>
+                                          <p:spTgt spid="3">
+                                            <p:txEl>
+                                              <p:pRg st="1" end="1"/>
+                                            </p:txEl>
+                                          </p:spTgt>
+                                        </p:tgtEl>
+                                        <p:attrNameLst>
+                                          <p:attrName>style.visibility</p:attrName>
+                                        </p:attrNameLst>
+                                      </p:cBhvr>
+                                      <p:to>
+                                        <p:strVal val="visible"/>
+                                      </p:to>
+                                    </p:set>
+                                  </p:childTnLst>
+                                </p:cTn>
+                              </p:par>
+                              <p:par>
+                                <p:cTn id="9" presetID="1" presetClass="entr" presetSubtype="0" fill="hold" grpId="0" nodeType="withEffect">
+                                  <p:stCondLst>
+                                    <p:cond delay="0"/>
+                                  </p:stCondLst>
+                                  <p:childTnLst>
+                                    <p:set>
+                                      <p:cBhvr>
+                                        <p:cTn id="10" dur="1" fill="hold">
+                                          <p:stCondLst>
+                                            <p:cond delay="0"/>
+                                          </p:stCondLst>
+                                        </p:cTn>
+                                        <p:tgtEl>
+                                          <p:spTgt spid="3">
+                                            <p:txEl>
+                                              <p:pRg st="2" end="2"/>
+                                            </p:txEl>
+                                          </p:spTgt>
+                                        </p:tgtEl>
+                                        <p:attrNameLst>
+                                          <p:attrName>style.visibility</p:attrName>
+                                        </p:attrNameLst>
+                                      </p:cBhvr>
+                                      <p:to>
+                                        <p:strVal val="visible"/>
+                                      </p:to>
+                                    </p:set>
+                                  </p:childTnLst>
+                                </p:cTn>
+                              </p:par>
+                              <p:par>
+                                <p:cTn id="11" presetID="1" presetClass="entr" presetSubtype="0" fill="hold" grpId="0" nodeType="withEffect">
+                                  <p:stCondLst>
+                                    <p:cond delay="0"/>
+                                  </p:stCondLst>
+                                  <p:childTnLst>
+                                    <p:set>
+                                      <p:cBhvr>
+                                        <p:cTn id="12" dur="1" fill="hold">
+                                          <p:stCondLst>
+                                            <p:cond delay="0"/>
+                                          </p:stCondLst>
+                                        </p:cTn>
+                                        <p:tgtEl>
+                                          <p:spTgt spid="3">
+                                            <p:txEl>
+                                              <p:pRg st="3" end="3"/>
+                                            </p:txEl>
+                                          </p:spTgt>
+                                        </p:tgtEl>
+                                        <p:attrNameLst>
+                                          <p:attrName>style.visibility</p:attrName>
+                                        </p:attrNameLst>
+                                      </p:cBhvr>
+                                      <p:to>
+                                        <p:strVal val="visible"/>
+                                      </p:to>
+                                    </p:set>
+                                  </p:childTnLst>
+                                </p:cTn>
+                              </p:par>
+                              <p:par>
+                                <p:cTn id="13" presetID="1" presetClass="entr" presetSubtype="0" fill="hold" grpId="0" nodeType="withEffect">
+                                  <p:stCondLst>
+                                    <p:cond delay="0"/>
+                                  </p:stCondLst>
+                                  <p:childTnLst>
+                                    <p:set>
+                                      <p:cBhvr>
+                                        <p:cTn id="14" dur="1" fill="hold">
+                                          <p:stCondLst>
+                                            <p:cond delay="0"/>
+                                          </p:stCondLst>
+                                        </p:cTn>
+                                        <p:tgtEl>
+                                          <p:spTgt spid="3">
+                                            <p:txEl>
+                                              <p:pRg st="4" end="4"/>
+                                            </p:txEl>
+                                          </p:spTgt>
+                                        </p:tgtEl>
+                                        <p:attrNameLst>
+                                          <p:attrName>style.visibility</p:attrName>
+                                        </p:attrNameLst>
+                                      </p:cBhvr>
+                                      <p:to>
+                                        <p:strVal val="visible"/>
+                                      </p:to>
+                                    </p:set>
+                                  </p:childTnLst>
+                                </p:cTn>
+                              </p:par>
+                              <p:par>
+                                <p:cTn id="15" presetID="1" presetClass="entr" presetSubtype="0" fill="hold" nodeType="withEffect">
+                                  <p:stCondLst>
+                                    <p:cond delay="0"/>
+                                  </p:stCondLst>
+                                  <p:childTnLst>
+                                    <p:set>
+                                      <p:cBhvr>
+                                        <p:cTn id="16" dur="1" fill="hold">
+                                          <p:stCondLst>
+                                            <p:cond delay="0"/>
+                                          </p:stCondLst>
+                                        </p:cTn>
+                                        <p:tgtEl>
+                                          <p:spTgt spid="6146"/>
+                                        </p:tgtEl>
+                                        <p:attrNameLst>
+                                          <p:attrName>style.visibility</p:attrName>
+                                        </p:attrNameLst>
+                                      </p:cBhvr>
+                                      <p:to>
+                                        <p:strVal val="visible"/>
+                                      </p:to>
+                                    </p:set>
+                                  </p:childTnLst>
+                                </p:cTn>
+                              </p:par>
+                            </p:childTnLst>
+                          </p:cTn>
+                        </p:par>
+                      </p:childTnLst>
+                    </p:cTn>
+                  </p:par>
+                  <p:par>
+                    <p:cTn id="17" fill="hold">
+                      <p:stCondLst>
+                        <p:cond delay="indefinite"/>
+                      </p:stCondLst>
+                      <p:childTnLst>
+                        <p:par>
+                          <p:cTn id="18" fill="hold">
+                            <p:stCondLst>
+                              <p:cond delay="0"/>
+                            </p:stCondLst>
+                            <p:childTnLst>
+                              <p:par>
+                                <p:cTn id="19" presetID="1" presetClass="entr" presetSubtype="0" fill="hold" grpId="0" nodeType="clickEffect">
+                                  <p:stCondLst>
+                                    <p:cond delay="0"/>
+                                  </p:stCondLst>
+                                  <p:childTnLst>
+                                    <p:set>
+                                      <p:cBhvr>
+                                        <p:cTn id="20" dur="1" fill="hold">
+                                          <p:stCondLst>
+                                            <p:cond delay="0"/>
+                                          </p:stCondLst>
+                                        </p:cTn>
+                                        <p:tgtEl>
+                                          <p:spTgt spid="5"/>
+                                        </p:tgtEl>
+                                        <p:attrNameLst>
+                                          <p:attrName>style.visibility</p:attrName>
+                                        </p:attrNameLst>
+                                      </p:cBhvr>
+                                      <p:to>
+                                        <p:strVal val="visible"/>
+                                      </p:to>
+                                    </p:set>
+                                  </p:childTnLst>
+                                </p:cTn>
+                              </p:par>
+                              <p:par>
+                                <p:cTn id="21" presetID="1" presetClass="entr" presetSubtype="0" fill="hold" nodeType="withEffect">
+                                  <p:stCondLst>
+                                    <p:cond delay="0"/>
+                                  </p:stCondLst>
+                                  <p:childTnLst>
+                                    <p:set>
+                                      <p:cBhvr>
+                                        <p:cTn id="22" dur="1" fill="hold">
+                                          <p:stCondLst>
+                                            <p:cond delay="0"/>
+                                          </p:stCondLst>
+                                        </p:cTn>
+                                        <p:tgtEl>
+                                          <p:spTgt spid="6148"/>
+                                        </p:tgtEl>
+                                        <p:attrNameLst>
+                                          <p:attrName>style.visibility</p:attrName>
+                                        </p:attrNameLst>
+                                      </p:cBhvr>
+                                      <p:to>
+                                        <p:strVal val="visible"/>
+                                      </p:to>
+                                    </p:set>
+                                  </p:childTnLst>
+                                </p:cTn>
+                              </p:par>
+                            </p:childTnLst>
+                          </p:cTn>
+                        </p:par>
+                      </p:childTnLst>
+                    </p:cTn>
+                  </p:par>
+                  <p:par>
+                    <p:cTn id="23" fill="hold">
+                      <p:stCondLst>
+                        <p:cond delay="indefinite"/>
+                      </p:stCondLst>
+                      <p:childTnLst>
+                        <p:par>
+                          <p:cTn id="24" fill="hold">
+                            <p:stCondLst>
+                              <p:cond delay="0"/>
+                            </p:stCondLst>
+                            <p:childTnLst>
+                              <p:par>
+                                <p:cTn id="25" presetID="1" presetClass="entr" presetSubtype="0" fill="hold" grpId="0" nodeType="clickEffect">
+                                  <p:stCondLst>
+                                    <p:cond delay="0"/>
+                                  </p:stCondLst>
+                                  <p:childTnLst>
+                                    <p:set>
+                                      <p:cBhvr>
+                                        <p:cTn id="26" dur="1" fill="hold">
+                                          <p:stCondLst>
+                                            <p:cond delay="0"/>
+                                          </p:stCondLst>
+                                        </p:cTn>
+                                        <p:tgtEl>
+                                          <p:spTgt spid="6"/>
+                                        </p:tgtEl>
+                                        <p:attrNameLst>
+                                          <p:attrName>style.visibility</p:attrName>
+                                        </p:attrNameLst>
+                                      </p:cBhvr>
+                                      <p:to>
+                                        <p:strVal val="visible"/>
+                                      </p:to>
+                                    </p:set>
+                                  </p:childTnLst>
+                                </p:cTn>
+                              </p:par>
+                              <p:par>
+                                <p:cTn id="27" presetID="1" presetClass="entr" presetSubtype="0" fill="hold" nodeType="withEffect">
+                                  <p:stCondLst>
+                                    <p:cond delay="0"/>
+                                  </p:stCondLst>
+                                  <p:childTnLst>
+                                    <p:set>
+                                      <p:cBhvr>
+                                        <p:cTn id="28" dur="1" fill="hold">
+                                          <p:stCondLst>
+                                            <p:cond delay="0"/>
+                                          </p:stCondLst>
+                                        </p:cTn>
+                                        <p:tgtEl>
+                                          <p:spTgt spid="6150"/>
+                                        </p:tgtEl>
+                                        <p:attrNameLst>
+                                          <p:attrName>style.visibility</p:attrName>
+                                        </p:attrNameLst>
+                                      </p:cBhvr>
+                                      <p:to>
+                                        <p:strVal val="visible"/>
+                                      </p:to>
+                                    </p:set>
+                                  </p:childTnLst>
+                                </p:cTn>
+                              </p:par>
+                            </p:childTnLst>
+                          </p:cTn>
+                        </p:par>
+                      </p:childTnLst>
+                    </p:cTn>
+                  </p:par>
+                </p:childTnLst>
+              </p:cTn>
+              <p:prevCondLst>
+                <p:cond evt="onPrev" delay="0">
+                  <p:tgtEl>
+                    <p:sldTgt/>
+                  </p:tgtEl>
+                </p:cond>
+              </p:prevCondLst>
+              <p:nextCondLst>
+                <p:cond evt="onNext" delay="0">
+                  <p:tgtEl>
+                    <p:sldTgt/>
+                  </p:tgtEl>
+                </p:cond>
+              </p:nextCondLst>
+            </p:seq>
+          </p:childTnLst>
+        </p:cTn>
+      </p:par>
+    </p:tnLst>
+    <p:bldLst>
+      <p:bldP spid="3" grpId="0" build="p"/>
+      <p:bldP spid="5" grpId="0"/>
+      <p:bldP spid="6" grpId="0"/>
+    </p:bldLst>
+  </p:timing>
 </p:sld>
 </file>
 
@@ -8230,7 +10397,7 @@
             </a:r>
             <a:r>
               <a:rPr lang="de-DE" dirty="0" err="1"/>
-              <a:t>stays</a:t>
+              <a:t>value</a:t>
             </a:r>
             <a:r>
               <a:rPr lang="de-DE" dirty="0"/>
@@ -8238,11 +10405,19 @@
             </a:r>
             <a:r>
               <a:rPr lang="de-DE" dirty="0" err="1"/>
-              <a:t>the</a:t>
-            </a:r>
-            <a:r>
-              <a:rPr lang="de-DE" dirty="0"/>
-              <a:t> same, </a:t>
+              <a:t>does</a:t>
+            </a:r>
+            <a:r>
+              <a:rPr lang="de-DE" dirty="0"/>
+              <a:t> not </a:t>
+            </a:r>
+            <a:r>
+              <a:rPr lang="de-DE" dirty="0" err="1"/>
+              <a:t>change</a:t>
+            </a:r>
+            <a:r>
+              <a:rPr lang="de-DE" dirty="0"/>
+              <a:t>, </a:t>
             </a:r>
             <a:r>
               <a:rPr lang="de-DE" dirty="0" err="1"/>
@@ -8254,7 +10429,7 @@
             </a:r>
             <a:r>
               <a:rPr lang="de-DE" dirty="0" err="1"/>
-              <a:t>you</a:t>
+              <a:t>one</a:t>
             </a:r>
             <a:r>
               <a:rPr lang="de-DE" dirty="0"/>
@@ -8262,7 +10437,7 @@
             </a:r>
             <a:r>
               <a:rPr lang="de-DE" dirty="0" err="1"/>
-              <a:t>rotate</a:t>
+              <a:t>rotates</a:t>
             </a:r>
             <a:r>
               <a:rPr lang="de-DE" dirty="0"/>
@@ -8349,6 +10524,183 @@
   <p:clrMapOvr>
     <a:masterClrMapping/>
   </p:clrMapOvr>
+  <p:timing>
+    <p:tnLst>
+      <p:par>
+        <p:cTn id="1" dur="indefinite" restart="never" nodeType="tmRoot">
+          <p:childTnLst>
+            <p:seq concurrent="1" nextAc="seek">
+              <p:cTn id="2" dur="indefinite" nodeType="mainSeq">
+                <p:childTnLst>
+                  <p:par>
+                    <p:cTn id="3" fill="hold">
+                      <p:stCondLst>
+                        <p:cond delay="indefinite"/>
+                      </p:stCondLst>
+                      <p:childTnLst>
+                        <p:par>
+                          <p:cTn id="4" fill="hold">
+                            <p:stCondLst>
+                              <p:cond delay="0"/>
+                            </p:stCondLst>
+                            <p:childTnLst>
+                              <p:par>
+                                <p:cTn id="5" presetID="1" presetClass="entr" presetSubtype="0" fill="hold" nodeType="clickEffect">
+                                  <p:stCondLst>
+                                    <p:cond delay="0"/>
+                                  </p:stCondLst>
+                                  <p:childTnLst>
+                                    <p:set>
+                                      <p:cBhvr>
+                                        <p:cTn id="6" dur="1" fill="hold">
+                                          <p:stCondLst>
+                                            <p:cond delay="0"/>
+                                          </p:stCondLst>
+                                        </p:cTn>
+                                        <p:tgtEl>
+                                          <p:spTgt spid="3">
+                                            <p:txEl>
+                                              <p:pRg st="4" end="4"/>
+                                            </p:txEl>
+                                          </p:spTgt>
+                                        </p:tgtEl>
+                                        <p:attrNameLst>
+                                          <p:attrName>style.visibility</p:attrName>
+                                        </p:attrNameLst>
+                                      </p:cBhvr>
+                                      <p:to>
+                                        <p:strVal val="visible"/>
+                                      </p:to>
+                                    </p:set>
+                                  </p:childTnLst>
+                                </p:cTn>
+                              </p:par>
+                            </p:childTnLst>
+                          </p:cTn>
+                        </p:par>
+                      </p:childTnLst>
+                    </p:cTn>
+                  </p:par>
+                  <p:par>
+                    <p:cTn id="7" fill="hold">
+                      <p:stCondLst>
+                        <p:cond delay="indefinite"/>
+                      </p:stCondLst>
+                      <p:childTnLst>
+                        <p:par>
+                          <p:cTn id="8" fill="hold">
+                            <p:stCondLst>
+                              <p:cond delay="0"/>
+                            </p:stCondLst>
+                            <p:childTnLst>
+                              <p:par>
+                                <p:cTn id="9" presetID="1" presetClass="entr" presetSubtype="0" fill="hold" nodeType="clickEffect">
+                                  <p:stCondLst>
+                                    <p:cond delay="0"/>
+                                  </p:stCondLst>
+                                  <p:childTnLst>
+                                    <p:set>
+                                      <p:cBhvr>
+                                        <p:cTn id="10" dur="1" fill="hold">
+                                          <p:stCondLst>
+                                            <p:cond delay="0"/>
+                                          </p:stCondLst>
+                                        </p:cTn>
+                                        <p:tgtEl>
+                                          <p:spTgt spid="3">
+                                            <p:txEl>
+                                              <p:pRg st="6" end="6"/>
+                                            </p:txEl>
+                                          </p:spTgt>
+                                        </p:tgtEl>
+                                        <p:attrNameLst>
+                                          <p:attrName>style.visibility</p:attrName>
+                                        </p:attrNameLst>
+                                      </p:cBhvr>
+                                      <p:to>
+                                        <p:strVal val="visible"/>
+                                      </p:to>
+                                    </p:set>
+                                  </p:childTnLst>
+                                </p:cTn>
+                              </p:par>
+                            </p:childTnLst>
+                          </p:cTn>
+                        </p:par>
+                      </p:childTnLst>
+                    </p:cTn>
+                  </p:par>
+                  <p:par>
+                    <p:cTn id="11" fill="hold">
+                      <p:stCondLst>
+                        <p:cond delay="indefinite"/>
+                      </p:stCondLst>
+                      <p:childTnLst>
+                        <p:par>
+                          <p:cTn id="12" fill="hold">
+                            <p:stCondLst>
+                              <p:cond delay="0"/>
+                            </p:stCondLst>
+                            <p:childTnLst>
+                              <p:par>
+                                <p:cTn id="13" presetID="1" presetClass="entr" presetSubtype="0" fill="hold" nodeType="clickEffect">
+                                  <p:stCondLst>
+                                    <p:cond delay="0"/>
+                                  </p:stCondLst>
+                                  <p:childTnLst>
+                                    <p:set>
+                                      <p:cBhvr>
+                                        <p:cTn id="14" dur="1" fill="hold">
+                                          <p:stCondLst>
+                                            <p:cond delay="0"/>
+                                          </p:stCondLst>
+                                        </p:cTn>
+                                        <p:tgtEl>
+                                          <p:spTgt spid="3">
+                                            <p:txEl>
+                                              <p:pRg st="8" end="8"/>
+                                            </p:txEl>
+                                          </p:spTgt>
+                                        </p:tgtEl>
+                                        <p:attrNameLst>
+                                          <p:attrName>style.visibility</p:attrName>
+                                        </p:attrNameLst>
+                                      </p:cBhvr>
+                                      <p:to>
+                                        <p:strVal val="visible"/>
+                                      </p:to>
+                                    </p:set>
+                                  </p:childTnLst>
+                                </p:cTn>
+                              </p:par>
+                            </p:childTnLst>
+                          </p:cTn>
+                        </p:par>
+                      </p:childTnLst>
+                    </p:cTn>
+                  </p:par>
+                </p:childTnLst>
+              </p:cTn>
+              <p:prevCondLst>
+                <p:cond evt="onPrev" delay="0">
+                  <p:tgtEl>
+                    <p:sldTgt/>
+                  </p:tgtEl>
+                </p:cond>
+              </p:prevCondLst>
+              <p:nextCondLst>
+                <p:cond evt="onNext" delay="0">
+                  <p:tgtEl>
+                    <p:sldTgt/>
+                  </p:tgtEl>
+                </p:cond>
+              </p:nextCondLst>
+            </p:seq>
+          </p:childTnLst>
+        </p:cTn>
+      </p:par>
+    </p:tnLst>
+  </p:timing>
 </p:sld>
 </file>
 
